--- a/MGT5824-Tech-based Entrepreneurship/Simulations/Simulation Analysis/gasser18-simulation_analysis.pptx
+++ b/MGT5824-Tech-based Entrepreneurship/Simulations/Simulation Analysis/gasser18-simulation_analysis.pptx
@@ -10,10 +10,10 @@
   <p:sldIdLst>
     <p:sldId id="256" r:id="rId2"/>
     <p:sldId id="281" r:id="rId3"/>
-    <p:sldId id="287" r:id="rId4"/>
-    <p:sldId id="288" r:id="rId5"/>
-    <p:sldId id="289" r:id="rId6"/>
-    <p:sldId id="290" r:id="rId7"/>
+    <p:sldId id="291" r:id="rId4"/>
+    <p:sldId id="292" r:id="rId5"/>
+    <p:sldId id="287" r:id="rId6"/>
+    <p:sldId id="288" r:id="rId7"/>
   </p:sldIdLst>
   <p:sldSz cx="9144000" cy="5143500" type="screen16x9"/>
   <p:notesSz cx="6858000" cy="9144000"/>
@@ -33,28 +33,28 @@
       <p:boldItalic r:id="rId16"/>
     </p:embeddedFont>
     <p:embeddedFont>
-      <p:font typeface="Poppins SemiBold" panose="00000700000000000000" pitchFamily="2" charset="0"/>
+      <p:font typeface="Poppins" pitchFamily="2" charset="77"/>
       <p:regular r:id="rId17"/>
       <p:bold r:id="rId18"/>
       <p:italic r:id="rId19"/>
       <p:boldItalic r:id="rId20"/>
     </p:embeddedFont>
     <p:embeddedFont>
-      <p:font typeface="PT Sans" panose="020B0503020203020204" pitchFamily="34" charset="0"/>
+      <p:font typeface="Poppins SemiBold" panose="020B0604020202020204" pitchFamily="34" charset="0"/>
       <p:regular r:id="rId21"/>
       <p:bold r:id="rId22"/>
       <p:italic r:id="rId23"/>
       <p:boldItalic r:id="rId24"/>
     </p:embeddedFont>
     <p:embeddedFont>
-      <p:font typeface="Roboto" panose="02000000000000000000" pitchFamily="2" charset="0"/>
+      <p:font typeface="PT Sans" panose="020B0503020203020204" pitchFamily="34" charset="77"/>
       <p:regular r:id="rId25"/>
       <p:bold r:id="rId26"/>
       <p:italic r:id="rId27"/>
       <p:boldItalic r:id="rId28"/>
     </p:embeddedFont>
     <p:embeddedFont>
-      <p:font typeface="Roboto Condensed Light" panose="02000000000000000000" pitchFamily="2" charset="0"/>
+      <p:font typeface="Roboto Condensed Light" panose="020F0302020204030204" pitchFamily="34" charset="0"/>
       <p:regular r:id="rId29"/>
       <p:italic r:id="rId30"/>
     </p:embeddedFont>
@@ -290,7 +290,18 @@
   </p:defaultTextStyle>
   <p:extLst>
     <p:ext uri="{EFAFB233-063F-42B5-8137-9DF3F51BA10A}">
-      <p15:sldGuideLst xmlns:p15="http://schemas.microsoft.com/office/powerpoint/2012/main"/>
+      <p15:sldGuideLst xmlns:p15="http://schemas.microsoft.com/office/powerpoint/2012/main">
+        <p15:guide id="1" orient="horz" pos="1620" userDrawn="1">
+          <p15:clr>
+            <a:srgbClr val="A4A3A4"/>
+          </p15:clr>
+        </p15:guide>
+        <p15:guide id="2" pos="2880" userDrawn="1">
+          <p15:clr>
+            <a:srgbClr val="A4A3A4"/>
+          </p15:clr>
+        </p15:guide>
+      </p15:sldGuideLst>
     </p:ext>
   </p:extLst>
 </p:presentation>
@@ -823,50 +834,16 @@
             <a:pPr marL="158750" indent="0">
               <a:buNone/>
             </a:pPr>
-            <a:r>
-              <a:rPr lang="en-US" sz="1050" dirty="0">
-                <a:latin typeface="Roboto"/>
-                <a:ea typeface="Roboto"/>
-                <a:cs typeface="Roboto"/>
-                <a:sym typeface="Roboto"/>
-              </a:rPr>
-              <a:t>Hi everyone [pause] this is Gasser Ahmed. [pause] Welcome to this presentation </a:t>
-            </a:r>
-            <a:r>
-              <a:rPr lang="en-US" sz="1050" b="0" i="0" u="none" strike="noStrike" cap="none" dirty="0">
-                <a:solidFill>
-                  <a:srgbClr val="000000"/>
-                </a:solidFill>
-                <a:effectLst/>
-                <a:latin typeface="Arial"/>
-                <a:ea typeface="Arial"/>
-                <a:cs typeface="Arial"/>
-                <a:sym typeface="Arial"/>
-              </a:rPr>
-              <a:t>[pause] </a:t>
-            </a:r>
-            <a:r>
-              <a:rPr lang="en-US" sz="1050" dirty="0">
-                <a:latin typeface="Roboto"/>
-                <a:ea typeface="Roboto"/>
-                <a:cs typeface="Roboto"/>
-                <a:sym typeface="Roboto"/>
-              </a:rPr>
-              <a:t>where </a:t>
-            </a:r>
-            <a:r>
-              <a:rPr lang="en-US" sz="1050" b="0" i="0" u="none" strike="noStrike" cap="none" dirty="0">
-                <a:solidFill>
-                  <a:srgbClr val="000000"/>
-                </a:solidFill>
-                <a:effectLst/>
-                <a:latin typeface="Arial"/>
-                <a:ea typeface="Arial"/>
-                <a:cs typeface="Arial"/>
-                <a:sym typeface="Arial"/>
-              </a:rPr>
-              <a:t>I’m going to talk about [pause] the AI technology strategy for the Lawn Buddy app</a:t>
-            </a:r>
+            <a:endParaRPr lang="en-US" sz="1050" b="0" i="0" u="none" strike="noStrike" cap="none" dirty="0">
+              <a:solidFill>
+                <a:srgbClr val="000000"/>
+              </a:solidFill>
+              <a:effectLst/>
+              <a:latin typeface="Arial"/>
+              <a:ea typeface="Arial"/>
+              <a:cs typeface="Arial"/>
+              <a:sym typeface="Arial"/>
+            </a:endParaRPr>
           </a:p>
         </p:txBody>
       </p:sp>
@@ -1096,7 +1073,7 @@
     </p:spTree>
     <p:extLst>
       <p:ext uri="{BB962C8B-B14F-4D97-AF65-F5344CB8AC3E}">
-        <p14:creationId xmlns:p14="http://schemas.microsoft.com/office/powerpoint/2010/main" val="2755981606"/>
+        <p14:creationId xmlns:p14="http://schemas.microsoft.com/office/powerpoint/2010/main" val="1312455118"/>
       </p:ext>
     </p:extLst>
   </p:cSld>
@@ -1210,7 +1187,7 @@
     </p:spTree>
     <p:extLst>
       <p:ext uri="{BB962C8B-B14F-4D97-AF65-F5344CB8AC3E}">
-        <p14:creationId xmlns:p14="http://schemas.microsoft.com/office/powerpoint/2010/main" val="2738180908"/>
+        <p14:creationId xmlns:p14="http://schemas.microsoft.com/office/powerpoint/2010/main" val="2830046321"/>
       </p:ext>
     </p:extLst>
   </p:cSld>
@@ -1324,7 +1301,7 @@
     </p:spTree>
     <p:extLst>
       <p:ext uri="{BB962C8B-B14F-4D97-AF65-F5344CB8AC3E}">
-        <p14:creationId xmlns:p14="http://schemas.microsoft.com/office/powerpoint/2010/main" val="3154784528"/>
+        <p14:creationId xmlns:p14="http://schemas.microsoft.com/office/powerpoint/2010/main" val="2755981606"/>
       </p:ext>
     </p:extLst>
   </p:cSld>
@@ -1438,7 +1415,7 @@
     </p:spTree>
     <p:extLst>
       <p:ext uri="{BB962C8B-B14F-4D97-AF65-F5344CB8AC3E}">
-        <p14:creationId xmlns:p14="http://schemas.microsoft.com/office/powerpoint/2010/main" val="1177133518"/>
+        <p14:creationId xmlns:p14="http://schemas.microsoft.com/office/powerpoint/2010/main" val="2738180908"/>
       </p:ext>
     </p:extLst>
   </p:cSld>
@@ -13754,7 +13731,7 @@
         </p:nvSpPr>
         <p:spPr>
           <a:xfrm>
-            <a:off x="1804562" y="2023671"/>
+            <a:off x="1804561" y="1991398"/>
             <a:ext cx="5534873" cy="812869"/>
           </a:xfrm>
           <a:prstGeom prst="rect">
@@ -13879,8 +13856,8 @@
         </p:nvSpPr>
         <p:spPr>
           <a:xfrm>
-            <a:off x="1864859" y="2836540"/>
-            <a:ext cx="5474576" cy="369332"/>
+            <a:off x="1466821" y="2893052"/>
+            <a:ext cx="6210354" cy="369332"/>
           </a:xfrm>
           <a:prstGeom prst="rect">
             <a:avLst/>
@@ -13896,12 +13873,16 @@
             <a:r>
               <a:rPr lang="en-US" sz="1800" b="1" kern="0" dirty="0">
                 <a:effectLst/>
-                <a:latin typeface="Times New Roman" panose="02020603050405020304" pitchFamily="18" charset="0"/>
+                <a:latin typeface="Poppins" pitchFamily="2" charset="77"/>
                 <a:ea typeface="Times New Roman" panose="02020603050405020304" pitchFamily="18" charset="0"/>
+                <a:cs typeface="Poppins" pitchFamily="2" charset="77"/>
               </a:rPr>
               <a:t>New Venture Simulation: The Food Truck Challenge </a:t>
             </a:r>
-            <a:endParaRPr lang="en-US" dirty="0"/>
+            <a:endParaRPr lang="en-US" dirty="0">
+              <a:latin typeface="Poppins" pitchFamily="2" charset="77"/>
+              <a:cs typeface="Poppins" pitchFamily="2" charset="77"/>
+            </a:endParaRPr>
           </a:p>
         </p:txBody>
       </p:sp>
@@ -13979,6 +13960,131 @@
           </a:p>
         </p:txBody>
       </p:sp>
+      <p:sp>
+        <p:nvSpPr>
+          <p:cNvPr id="3" name="TextBox 2">
+            <a:extLst>
+              <a:ext uri="{FF2B5EF4-FFF2-40B4-BE49-F238E27FC236}">
+                <a16:creationId xmlns:a16="http://schemas.microsoft.com/office/drawing/2014/main" id="{26DF82B8-9BB5-117C-4B4C-BEB01761B6E0}"/>
+              </a:ext>
+            </a:extLst>
+          </p:cNvPr>
+          <p:cNvSpPr txBox="1"/>
+          <p:nvPr/>
+        </p:nvSpPr>
+        <p:spPr>
+          <a:xfrm>
+            <a:off x="829056" y="1377696"/>
+            <a:ext cx="7805278" cy="2246769"/>
+          </a:xfrm>
+          <a:prstGeom prst="rect">
+            <a:avLst/>
+          </a:prstGeom>
+          <a:noFill/>
+        </p:spPr>
+        <p:txBody>
+          <a:bodyPr wrap="square" rtlCol="0" anchor="t">
+            <a:spAutoFit/>
+          </a:bodyPr>
+          <a:lstStyle/>
+          <a:p>
+            <a:pPr marL="285750" indent="-285750">
+              <a:buFont typeface="Arial" panose="020B0604020202020204" pitchFamily="34" charset="0"/>
+              <a:buChar char="•"/>
+            </a:pPr>
+            <a:r>
+              <a:rPr lang="en-US" dirty="0">
+                <a:latin typeface="Lato" panose="020F0502020204030203" pitchFamily="34" charset="0"/>
+                <a:ea typeface="Lato" panose="020F0502020204030203" pitchFamily="34" charset="0"/>
+                <a:cs typeface="Lato" panose="020F0502020204030203" pitchFamily="34" charset="0"/>
+              </a:rPr>
+              <a:t>For the 1</a:t>
+            </a:r>
+            <a:r>
+              <a:rPr lang="en-US" baseline="30000" dirty="0">
+                <a:latin typeface="Lato" panose="020F0502020204030203" pitchFamily="34" charset="0"/>
+                <a:ea typeface="Lato" panose="020F0502020204030203" pitchFamily="34" charset="0"/>
+                <a:cs typeface="Lato" panose="020F0502020204030203" pitchFamily="34" charset="0"/>
+              </a:rPr>
+              <a:t>st</a:t>
+            </a:r>
+            <a:r>
+              <a:rPr lang="en-US" dirty="0">
+                <a:latin typeface="Lato" panose="020F0502020204030203" pitchFamily="34" charset="0"/>
+                <a:ea typeface="Lato" panose="020F0502020204030203" pitchFamily="34" charset="0"/>
+                <a:cs typeface="Lato" panose="020F0502020204030203" pitchFamily="34" charset="0"/>
+              </a:rPr>
+              <a:t> week (days 1-5), I decided to make the following choices and hypotheses:</a:t>
+            </a:r>
+          </a:p>
+          <a:p>
+            <a:pPr marL="577850" lvl="6" indent="-276225">
+              <a:buFont typeface="Courier New" panose="02070309020205020404" pitchFamily="49" charset="0"/>
+              <a:buChar char="o"/>
+            </a:pPr>
+            <a:r>
+              <a:rPr lang="en-US" b="1" dirty="0">
+                <a:latin typeface="Lato" panose="020F0502020204030203" pitchFamily="34" charset="0"/>
+                <a:ea typeface="Lato" panose="020F0502020204030203" pitchFamily="34" charset="0"/>
+                <a:cs typeface="Lato" panose="020F0502020204030203" pitchFamily="34" charset="0"/>
+              </a:rPr>
+              <a:t>University:</a:t>
+            </a:r>
+            <a:r>
+              <a:rPr lang="en-US" dirty="0">
+                <a:latin typeface="Lato" panose="020F0502020204030203" pitchFamily="34" charset="0"/>
+                <a:ea typeface="Lato" panose="020F0502020204030203" pitchFamily="34" charset="0"/>
+                <a:cs typeface="Lato" panose="020F0502020204030203" pitchFamily="34" charset="0"/>
+              </a:rPr>
+              <a:t> there’s no competition at this location so I assumed it will be perfect location to start the business there for bigger sales</a:t>
+            </a:r>
+          </a:p>
+          <a:p>
+            <a:pPr marL="577850" lvl="6" indent="-276225">
+              <a:buFont typeface="Courier New" panose="02070309020205020404" pitchFamily="49" charset="0"/>
+              <a:buChar char="o"/>
+            </a:pPr>
+            <a:r>
+              <a:rPr lang="en-US" b="1" dirty="0">
+                <a:latin typeface="Lato" panose="020F0502020204030203" pitchFamily="34" charset="0"/>
+                <a:ea typeface="Lato" panose="020F0502020204030203" pitchFamily="34" charset="0"/>
+                <a:cs typeface="Lato" panose="020F0502020204030203" pitchFamily="34" charset="0"/>
+              </a:rPr>
+              <a:t>Food truck:</a:t>
+            </a:r>
+            <a:r>
+              <a:rPr lang="en-US" dirty="0">
+                <a:latin typeface="Lato" panose="020F0502020204030203" pitchFamily="34" charset="0"/>
+                <a:ea typeface="Lato" panose="020F0502020204030203" pitchFamily="34" charset="0"/>
+                <a:cs typeface="Lato" panose="020F0502020204030203" pitchFamily="34" charset="0"/>
+              </a:rPr>
+              <a:t> since there’s no competition at the university, I assumed that food truck would be perfect for the first 5 days and wouldn’t require me to switch to the cart option especially that it’ll return lower sales than the food truck</a:t>
+            </a:r>
+          </a:p>
+          <a:p>
+            <a:pPr marL="577850" lvl="6" indent="-276225">
+              <a:buFont typeface="Courier New" panose="02070309020205020404" pitchFamily="49" charset="0"/>
+              <a:buChar char="o"/>
+            </a:pPr>
+            <a:r>
+              <a:rPr lang="en-US" b="1" dirty="0">
+                <a:latin typeface="Lato" panose="020F0502020204030203" pitchFamily="34" charset="0"/>
+                <a:ea typeface="Lato" panose="020F0502020204030203" pitchFamily="34" charset="0"/>
+                <a:cs typeface="Lato" panose="020F0502020204030203" pitchFamily="34" charset="0"/>
+              </a:rPr>
+              <a:t>Frozen yogurt:</a:t>
+            </a:r>
+            <a:r>
+              <a:rPr lang="en-US" dirty="0">
+                <a:latin typeface="Lato" panose="020F0502020204030203" pitchFamily="34" charset="0"/>
+                <a:ea typeface="Lato" panose="020F0502020204030203" pitchFamily="34" charset="0"/>
+                <a:cs typeface="Lato" panose="020F0502020204030203" pitchFamily="34" charset="0"/>
+              </a:rPr>
+              <a:t> since the university’s demographic are mainly young adults and adults, I assumed that frozen yogurt would be the perfect choice for that location (vs ice cream that would be a less healthy option for adults and smoothie that would result in less sales than frozen yogurt</a:t>
+            </a:r>
+          </a:p>
+        </p:txBody>
+      </p:sp>
     </p:spTree>
     <p:custDataLst>
       <p:tags r:id="rId1"/>
@@ -14033,7 +14139,7 @@
         <p:spPr>
           <a:xfrm>
             <a:off x="720000" y="445025"/>
-            <a:ext cx="7891849" cy="572700"/>
+            <a:ext cx="7914334" cy="572700"/>
           </a:xfrm>
           <a:prstGeom prst="rect">
             <a:avLst/>
@@ -14056,7 +14162,196 @@
             </a:pPr>
             <a:r>
               <a:rPr lang="en-US" dirty="0"/>
-              <a:t>Overview of the Strategic Adaptations</a:t>
+              <a:t>Overview of Decisions</a:t>
+            </a:r>
+          </a:p>
+        </p:txBody>
+      </p:sp>
+      <p:sp>
+        <p:nvSpPr>
+          <p:cNvPr id="3" name="TextBox 2">
+            <a:extLst>
+              <a:ext uri="{FF2B5EF4-FFF2-40B4-BE49-F238E27FC236}">
+                <a16:creationId xmlns:a16="http://schemas.microsoft.com/office/drawing/2014/main" id="{26DF82B8-9BB5-117C-4B4C-BEB01761B6E0}"/>
+              </a:ext>
+            </a:extLst>
+          </p:cNvPr>
+          <p:cNvSpPr txBox="1"/>
+          <p:nvPr/>
+        </p:nvSpPr>
+        <p:spPr>
+          <a:xfrm>
+            <a:off x="618722" y="1017725"/>
+            <a:ext cx="7805278" cy="4154984"/>
+          </a:xfrm>
+          <a:prstGeom prst="rect">
+            <a:avLst/>
+          </a:prstGeom>
+          <a:noFill/>
+        </p:spPr>
+        <p:txBody>
+          <a:bodyPr wrap="square" rtlCol="0" anchor="t">
+            <a:spAutoFit/>
+          </a:bodyPr>
+          <a:lstStyle/>
+          <a:p>
+            <a:pPr marL="285750" indent="-285750">
+              <a:buFont typeface="Arial" panose="020B0604020202020204" pitchFamily="34" charset="0"/>
+              <a:buChar char="•"/>
+            </a:pPr>
+            <a:r>
+              <a:rPr lang="en-US" sz="1200" dirty="0">
+                <a:latin typeface="Lato" panose="020F0502020204030203" pitchFamily="34" charset="0"/>
+                <a:ea typeface="Lato" panose="020F0502020204030203" pitchFamily="34" charset="0"/>
+                <a:cs typeface="Lato" panose="020F0502020204030203" pitchFamily="34" charset="0"/>
+              </a:rPr>
+              <a:t>For the 2</a:t>
+            </a:r>
+            <a:r>
+              <a:rPr lang="en-US" sz="1200" baseline="30000" dirty="0">
+                <a:latin typeface="Lato" panose="020F0502020204030203" pitchFamily="34" charset="0"/>
+                <a:ea typeface="Lato" panose="020F0502020204030203" pitchFamily="34" charset="0"/>
+                <a:cs typeface="Lato" panose="020F0502020204030203" pitchFamily="34" charset="0"/>
+              </a:rPr>
+              <a:t>nd</a:t>
+            </a:r>
+            <a:r>
+              <a:rPr lang="en-US" sz="1200" dirty="0">
+                <a:latin typeface="Lato" panose="020F0502020204030203" pitchFamily="34" charset="0"/>
+                <a:ea typeface="Lato" panose="020F0502020204030203" pitchFamily="34" charset="0"/>
+                <a:cs typeface="Lato" panose="020F0502020204030203" pitchFamily="34" charset="0"/>
+              </a:rPr>
+              <a:t> week (days 6-10), based on the previous week observation that the recently-expanded student dining hall featured a wide variety of frozen treats resulting in driving down demand for my products, I decided to change my method to pushcart to provide me with market/research flexibility that would allow me to test different/multiple locations and menu items during that week instead of wasting that whole week on one thing that turns out to be unsuccessful at the end like last week, then hopefully the next week (days 10-15) I would have better insights to base my decision on. Accordingly, I made the following choices during that week:</a:t>
+            </a:r>
+          </a:p>
+          <a:p>
+            <a:pPr marL="577850" lvl="6" indent="-288925">
+              <a:buFont typeface="Courier New" panose="02070309020205020404" pitchFamily="49" charset="0"/>
+              <a:buChar char="o"/>
+            </a:pPr>
+            <a:r>
+              <a:rPr lang="en-US" sz="1200" b="1" dirty="0">
+                <a:latin typeface="Lato" panose="020F0502020204030203" pitchFamily="34" charset="0"/>
+                <a:ea typeface="Lato" panose="020F0502020204030203" pitchFamily="34" charset="0"/>
+                <a:cs typeface="Lato" panose="020F0502020204030203" pitchFamily="34" charset="0"/>
+              </a:rPr>
+              <a:t>Day 6: </a:t>
+            </a:r>
+            <a:r>
+              <a:rPr lang="en-US" sz="1200" dirty="0">
+                <a:latin typeface="Lato" panose="020F0502020204030203" pitchFamily="34" charset="0"/>
+                <a:ea typeface="Lato" panose="020F0502020204030203" pitchFamily="34" charset="0"/>
+                <a:cs typeface="Lato" panose="020F0502020204030203" pitchFamily="34" charset="0"/>
+              </a:rPr>
+              <a:t>I decided to sell smoothies at the university to see if that would return any different results than frozen yogurt</a:t>
+            </a:r>
+            <a:endParaRPr lang="en-US" sz="1200" b="1" dirty="0">
+              <a:latin typeface="Lato" panose="020F0502020204030203" pitchFamily="34" charset="0"/>
+              <a:ea typeface="Lato" panose="020F0502020204030203" pitchFamily="34" charset="0"/>
+              <a:cs typeface="Lato" panose="020F0502020204030203" pitchFamily="34" charset="0"/>
+            </a:endParaRPr>
+          </a:p>
+          <a:p>
+            <a:pPr marL="577850" lvl="6" indent="-288925">
+              <a:buFont typeface="Courier New" panose="02070309020205020404" pitchFamily="49" charset="0"/>
+              <a:buChar char="o"/>
+            </a:pPr>
+            <a:r>
+              <a:rPr lang="en-US" sz="1200" b="1" dirty="0">
+                <a:latin typeface="Lato" panose="020F0502020204030203" pitchFamily="34" charset="0"/>
+                <a:ea typeface="Lato" panose="020F0502020204030203" pitchFamily="34" charset="0"/>
+                <a:cs typeface="Lato" panose="020F0502020204030203" pitchFamily="34" charset="0"/>
+              </a:rPr>
+              <a:t>Day 7: </a:t>
+            </a:r>
+            <a:r>
+              <a:rPr lang="en-US" sz="1200" dirty="0">
+                <a:latin typeface="Lato" panose="020F0502020204030203" pitchFamily="34" charset="0"/>
+                <a:ea typeface="Lato" panose="020F0502020204030203" pitchFamily="34" charset="0"/>
+                <a:cs typeface="Lato" panose="020F0502020204030203" pitchFamily="34" charset="0"/>
+              </a:rPr>
+              <a:t>Since smoothies didn’t return different or better results than frozen yogurt, I decided to switch to ice cream at the university with the same assumption of returning any different outcomes than smoothies</a:t>
+            </a:r>
+            <a:endParaRPr lang="en-US" sz="1200" b="1" dirty="0">
+              <a:latin typeface="Lato" panose="020F0502020204030203" pitchFamily="34" charset="0"/>
+              <a:ea typeface="Lato" panose="020F0502020204030203" pitchFamily="34" charset="0"/>
+              <a:cs typeface="Lato" panose="020F0502020204030203" pitchFamily="34" charset="0"/>
+            </a:endParaRPr>
+          </a:p>
+          <a:p>
+            <a:pPr marL="577850" lvl="6" indent="-288925">
+              <a:buFont typeface="Courier New" panose="02070309020205020404" pitchFamily="49" charset="0"/>
+              <a:buChar char="o"/>
+            </a:pPr>
+            <a:r>
+              <a:rPr lang="en-US" sz="1200" b="1" dirty="0">
+                <a:latin typeface="Lato" panose="020F0502020204030203" pitchFamily="34" charset="0"/>
+                <a:ea typeface="Lato" panose="020F0502020204030203" pitchFamily="34" charset="0"/>
+                <a:cs typeface="Lato" panose="020F0502020204030203" pitchFamily="34" charset="0"/>
+              </a:rPr>
+              <a:t>Day 8: </a:t>
+            </a:r>
+            <a:r>
+              <a:rPr lang="en-US" sz="1200" dirty="0">
+                <a:latin typeface="Lato" panose="020F0502020204030203" pitchFamily="34" charset="0"/>
+                <a:ea typeface="Lato" panose="020F0502020204030203" pitchFamily="34" charset="0"/>
+                <a:cs typeface="Lato" panose="020F0502020204030203" pitchFamily="34" charset="0"/>
+              </a:rPr>
+              <a:t>Since ice cream also returned almost same results as smoothies, I decided to switch back to frozen yogurt to test if using the pushcart at the university would result in different outcomes than the food truck</a:t>
+            </a:r>
+            <a:endParaRPr lang="en-US" sz="1200" b="1" dirty="0">
+              <a:latin typeface="Lato" panose="020F0502020204030203" pitchFamily="34" charset="0"/>
+              <a:ea typeface="Lato" panose="020F0502020204030203" pitchFamily="34" charset="0"/>
+              <a:cs typeface="Lato" panose="020F0502020204030203" pitchFamily="34" charset="0"/>
+            </a:endParaRPr>
+          </a:p>
+          <a:p>
+            <a:pPr marL="577850" lvl="6" indent="-288925">
+              <a:buFont typeface="Courier New" panose="02070309020205020404" pitchFamily="49" charset="0"/>
+              <a:buChar char="o"/>
+            </a:pPr>
+            <a:r>
+              <a:rPr lang="en-US" sz="1200" b="1" dirty="0">
+                <a:latin typeface="Lato" panose="020F0502020204030203" pitchFamily="34" charset="0"/>
+                <a:ea typeface="Lato" panose="020F0502020204030203" pitchFamily="34" charset="0"/>
+                <a:cs typeface="Lato" panose="020F0502020204030203" pitchFamily="34" charset="0"/>
+              </a:rPr>
+              <a:t>Day 9: </a:t>
+            </a:r>
+            <a:r>
+              <a:rPr lang="en-US" sz="1200" dirty="0">
+                <a:latin typeface="Lato" panose="020F0502020204030203" pitchFamily="34" charset="0"/>
+                <a:ea typeface="Lato" panose="020F0502020204030203" pitchFamily="34" charset="0"/>
+                <a:cs typeface="Lato" panose="020F0502020204030203" pitchFamily="34" charset="0"/>
+              </a:rPr>
+              <a:t>After trying all menu items at that same location and returning the same disappointing outcome and observation, I decided to move to a different location i.e., train station, assuming that it would return different outcomes especially that it has larger traffic numbers than the university and I also changed the menu item to ice cream assuming that this location has has more seniors than young adults</a:t>
+            </a:r>
+            <a:endParaRPr lang="en-US" sz="1200" b="1" dirty="0">
+              <a:latin typeface="Lato" panose="020F0502020204030203" pitchFamily="34" charset="0"/>
+              <a:ea typeface="Lato" panose="020F0502020204030203" pitchFamily="34" charset="0"/>
+              <a:cs typeface="Lato" panose="020F0502020204030203" pitchFamily="34" charset="0"/>
+            </a:endParaRPr>
+          </a:p>
+          <a:p>
+            <a:pPr marL="577850" lvl="6" indent="-288925">
+              <a:buFont typeface="Courier New" panose="02070309020205020404" pitchFamily="49" charset="0"/>
+              <a:buChar char="o"/>
+            </a:pPr>
+            <a:r>
+              <a:rPr lang="en-US" sz="1200" b="1" dirty="0">
+                <a:latin typeface="Lato" panose="020F0502020204030203" pitchFamily="34" charset="0"/>
+                <a:ea typeface="Lato" panose="020F0502020204030203" pitchFamily="34" charset="0"/>
+                <a:cs typeface="Lato" panose="020F0502020204030203" pitchFamily="34" charset="0"/>
+              </a:rPr>
+              <a:t>Day 10: </a:t>
+            </a:r>
+            <a:r>
+              <a:rPr lang="en-US" sz="1200" dirty="0">
+                <a:latin typeface="Lato" panose="020F0502020204030203" pitchFamily="34" charset="0"/>
+                <a:ea typeface="Lato" panose="020F0502020204030203" pitchFamily="34" charset="0"/>
+                <a:cs typeface="Lato" panose="020F0502020204030203" pitchFamily="34" charset="0"/>
+              </a:rPr>
+              <a:t>With the help of day 9 observation that most of the pedestrians are mostly in their 20s, 30s, and 40s, I decided to switch back to frozen yogurt to attract that segment more and see if it will result in any better outcome</a:t>
             </a:r>
           </a:p>
         </p:txBody>
@@ -14067,7 +14362,7 @@
     </p:custDataLst>
     <p:extLst>
       <p:ext uri="{BB962C8B-B14F-4D97-AF65-F5344CB8AC3E}">
-        <p14:creationId xmlns:p14="http://schemas.microsoft.com/office/powerpoint/2010/main" val="99986257"/>
+        <p14:creationId xmlns:p14="http://schemas.microsoft.com/office/powerpoint/2010/main" val="2804177327"/>
       </p:ext>
     </p:extLst>
   </p:cSld>
@@ -14138,7 +14433,126 @@
             </a:pPr>
             <a:r>
               <a:rPr lang="en-US" dirty="0"/>
-              <a:t>Overall Performance Analysis</a:t>
+              <a:t>Overview of Decisions</a:t>
+            </a:r>
+          </a:p>
+        </p:txBody>
+      </p:sp>
+      <p:sp>
+        <p:nvSpPr>
+          <p:cNvPr id="4" name="TextBox 3">
+            <a:extLst>
+              <a:ext uri="{FF2B5EF4-FFF2-40B4-BE49-F238E27FC236}">
+                <a16:creationId xmlns:a16="http://schemas.microsoft.com/office/drawing/2014/main" id="{42EE75F8-9F6A-5F2E-A28D-655EA6DC13C5}"/>
+              </a:ext>
+            </a:extLst>
+          </p:cNvPr>
+          <p:cNvSpPr txBox="1"/>
+          <p:nvPr/>
+        </p:nvSpPr>
+        <p:spPr>
+          <a:xfrm>
+            <a:off x="829056" y="1377696"/>
+            <a:ext cx="7805278" cy="3108543"/>
+          </a:xfrm>
+          <a:prstGeom prst="rect">
+            <a:avLst/>
+          </a:prstGeom>
+          <a:noFill/>
+        </p:spPr>
+        <p:txBody>
+          <a:bodyPr wrap="square" rtlCol="0" anchor="t">
+            <a:spAutoFit/>
+          </a:bodyPr>
+          <a:lstStyle/>
+          <a:p>
+            <a:pPr marL="285750" indent="-285750">
+              <a:buFont typeface="Arial" panose="020B0604020202020204" pitchFamily="34" charset="0"/>
+              <a:buChar char="•"/>
+            </a:pPr>
+            <a:r>
+              <a:rPr lang="en-US" dirty="0">
+                <a:latin typeface="Lato" panose="020F0502020204030203" pitchFamily="34" charset="0"/>
+                <a:ea typeface="Lato" panose="020F0502020204030203" pitchFamily="34" charset="0"/>
+                <a:cs typeface="Lato" panose="020F0502020204030203" pitchFamily="34" charset="0"/>
+              </a:rPr>
+              <a:t>For the 3</a:t>
+            </a:r>
+            <a:r>
+              <a:rPr lang="en-US" baseline="30000" dirty="0">
+                <a:latin typeface="Lato" panose="020F0502020204030203" pitchFamily="34" charset="0"/>
+                <a:ea typeface="Lato" panose="020F0502020204030203" pitchFamily="34" charset="0"/>
+                <a:cs typeface="Lato" panose="020F0502020204030203" pitchFamily="34" charset="0"/>
+              </a:rPr>
+              <a:t>rd</a:t>
+            </a:r>
+            <a:r>
+              <a:rPr lang="en-US" dirty="0">
+                <a:latin typeface="Lato" panose="020F0502020204030203" pitchFamily="34" charset="0"/>
+                <a:ea typeface="Lato" panose="020F0502020204030203" pitchFamily="34" charset="0"/>
+                <a:cs typeface="Lato" panose="020F0502020204030203" pitchFamily="34" charset="0"/>
+              </a:rPr>
+              <a:t> week (days 10-15), based on the previous week observation that my last choice of having frozen yogurt on a pushcart at the train station resulted in positioning myself at the optimal spot to take advantage of increased foot traffic resulting in increased sales, I decided to stick with same menu item and location, but now with a food truck since I felt I was more established then and the food truck would assumingly return in better sales.</a:t>
+            </a:r>
+          </a:p>
+          <a:p>
+            <a:pPr marL="285750" indent="-285750">
+              <a:buFont typeface="Arial" panose="020B0604020202020204" pitchFamily="34" charset="0"/>
+              <a:buChar char="•"/>
+            </a:pPr>
+            <a:r>
+              <a:rPr lang="en-US" dirty="0">
+                <a:latin typeface="Lato" panose="020F0502020204030203" pitchFamily="34" charset="0"/>
+                <a:ea typeface="Lato" panose="020F0502020204030203" pitchFamily="34" charset="0"/>
+                <a:cs typeface="Lato" panose="020F0502020204030203" pitchFamily="34" charset="0"/>
+              </a:rPr>
+              <a:t>For the 4</a:t>
+            </a:r>
+            <a:r>
+              <a:rPr lang="en-US" baseline="30000" dirty="0">
+                <a:latin typeface="Lato" panose="020F0502020204030203" pitchFamily="34" charset="0"/>
+                <a:ea typeface="Lato" panose="020F0502020204030203" pitchFamily="34" charset="0"/>
+                <a:cs typeface="Lato" panose="020F0502020204030203" pitchFamily="34" charset="0"/>
+              </a:rPr>
+              <a:t>th</a:t>
+            </a:r>
+            <a:r>
+              <a:rPr lang="en-US" dirty="0">
+                <a:latin typeface="Lato" panose="020F0502020204030203" pitchFamily="34" charset="0"/>
+                <a:ea typeface="Lato" panose="020F0502020204030203" pitchFamily="34" charset="0"/>
+                <a:cs typeface="Lato" panose="020F0502020204030203" pitchFamily="34" charset="0"/>
+              </a:rPr>
+              <a:t> week (days 16-20), I decided to change the menu item to smoothies since frozen yogurt takes slightly longer to order because people carefully consider their topping choices which made it a problem since commuters at the train station easily get impatient with the slow ordering and move on, so smoothies would be a better and faster option for them</a:t>
+            </a:r>
+          </a:p>
+          <a:p>
+            <a:pPr marL="285750" indent="-285750">
+              <a:buFont typeface="Arial" panose="020B0604020202020204" pitchFamily="34" charset="0"/>
+              <a:buChar char="•"/>
+            </a:pPr>
+            <a:r>
+              <a:rPr lang="en-US" dirty="0">
+                <a:latin typeface="Lato" panose="020F0502020204030203" pitchFamily="34" charset="0"/>
+                <a:ea typeface="Lato" panose="020F0502020204030203" pitchFamily="34" charset="0"/>
+                <a:cs typeface="Lato" panose="020F0502020204030203" pitchFamily="34" charset="0"/>
+              </a:rPr>
+              <a:t>For the 5</a:t>
+            </a:r>
+            <a:r>
+              <a:rPr lang="en-US" baseline="30000" dirty="0">
+                <a:latin typeface="Lato" panose="020F0502020204030203" pitchFamily="34" charset="0"/>
+                <a:ea typeface="Lato" panose="020F0502020204030203" pitchFamily="34" charset="0"/>
+                <a:cs typeface="Lato" panose="020F0502020204030203" pitchFamily="34" charset="0"/>
+              </a:rPr>
+              <a:t>th</a:t>
+            </a:r>
+            <a:r>
+              <a:rPr lang="en-US" dirty="0">
+                <a:latin typeface="Lato" panose="020F0502020204030203" pitchFamily="34" charset="0"/>
+                <a:ea typeface="Lato" panose="020F0502020204030203" pitchFamily="34" charset="0"/>
+                <a:cs typeface="Lato" panose="020F0502020204030203" pitchFamily="34" charset="0"/>
+              </a:rPr>
+              <a:t> week (days 21-25), after noticing that sales have gone way higher than previous weeks and getting a good feedback that smoothies are getting very popular with commuters because they want something they can carry with them on the train, I decided to stick to the same plan, as I believed that the business now has successfully been established with the perfect combination of food truck, the train station, and smoothies. </a:t>
             </a:r>
           </a:p>
         </p:txBody>
@@ -14149,18 +14563,18 @@
     </p:custDataLst>
     <p:extLst>
       <p:ext uri="{BB962C8B-B14F-4D97-AF65-F5344CB8AC3E}">
-        <p14:creationId xmlns:p14="http://schemas.microsoft.com/office/powerpoint/2010/main" val="2042994753"/>
+        <p14:creationId xmlns:p14="http://schemas.microsoft.com/office/powerpoint/2010/main" val="1483931824"/>
       </p:ext>
     </p:extLst>
   </p:cSld>
   <p:clrMapOvr>
     <a:masterClrMapping/>
   </p:clrMapOvr>
-  <mc:AlternateContent xmlns:mc="http://schemas.openxmlformats.org/markup-compatibility/2006">
-    <mc:Choice xmlns:p14="http://schemas.microsoft.com/office/powerpoint/2010/main" Requires="p14">
+  <mc:AlternateContent xmlns:mc="http://schemas.openxmlformats.org/markup-compatibility/2006" xmlns:p14="http://schemas.microsoft.com/office/powerpoint/2010/main">
+    <mc:Choice Requires="p14">
       <p:transition p14:dur="10" advTm="21030"/>
     </mc:Choice>
-    <mc:Fallback>
+    <mc:Fallback xmlns="">
       <p:transition advTm="21030"/>
     </mc:Fallback>
   </mc:AlternateContent>
@@ -14184,5380 +14598,140 @@
           <a:chExt cx="0" cy="0"/>
         </a:xfrm>
       </p:grpSpPr>
-      <p:graphicFrame>
-        <p:nvGraphicFramePr>
-          <p:cNvPr id="4" name="Table 3">
+      <p:sp>
+        <p:nvSpPr>
+          <p:cNvPr id="193" name="Google Shape;193;p30"/>
+          <p:cNvSpPr txBox="1">
+            <a:spLocks noGrp="1"/>
+          </p:cNvSpPr>
+          <p:nvPr>
+            <p:ph type="title"/>
+          </p:nvPr>
+        </p:nvSpPr>
+        <p:spPr>
+          <a:xfrm>
+            <a:off x="720000" y="445025"/>
+            <a:ext cx="7891849" cy="572700"/>
+          </a:xfrm>
+          <a:prstGeom prst="rect">
+            <a:avLst/>
+          </a:prstGeom>
+        </p:spPr>
+        <p:txBody>
+          <a:bodyPr spcFirstLastPara="1" wrap="square" lIns="91425" tIns="91425" rIns="91425" bIns="91425" anchor="t" anchorCtr="0">
+            <a:noAutofit/>
+          </a:bodyPr>
+          <a:lstStyle/>
+          <a:p>
+            <a:pPr marL="0" lvl="0" indent="0" algn="l" rtl="0">
+              <a:spcBef>
+                <a:spcPts val="0"/>
+              </a:spcBef>
+              <a:spcAft>
+                <a:spcPts val="0"/>
+              </a:spcAft>
+              <a:buNone/>
+            </a:pPr>
+            <a:r>
+              <a:rPr lang="en-US" dirty="0"/>
+              <a:t>Overview of the Strategic Adaptations</a:t>
+            </a:r>
+          </a:p>
+        </p:txBody>
+      </p:sp>
+      <p:sp>
+        <p:nvSpPr>
+          <p:cNvPr id="5" name="TextBox 4">
             <a:extLst>
               <a:ext uri="{FF2B5EF4-FFF2-40B4-BE49-F238E27FC236}">
-                <a16:creationId xmlns:a16="http://schemas.microsoft.com/office/drawing/2014/main" id="{575098CE-9021-D52D-263A-EF9902D478B6}"/>
+                <a16:creationId xmlns:a16="http://schemas.microsoft.com/office/drawing/2014/main" id="{E06FC2A2-D606-BD96-7077-C6C31918C992}"/>
               </a:ext>
             </a:extLst>
           </p:cNvPr>
-          <p:cNvGraphicFramePr>
-            <a:graphicFrameLocks noGrp="1"/>
-          </p:cNvGraphicFramePr>
+          <p:cNvSpPr txBox="1"/>
           <p:nvPr/>
-        </p:nvGraphicFramePr>
-        <p:xfrm>
-          <a:off x="2749212" y="1104497"/>
-          <a:ext cx="3645576" cy="3512356"/>
-        </p:xfrm>
-        <a:graphic>
-          <a:graphicData uri="http://schemas.openxmlformats.org/drawingml/2006/table">
-            <a:tbl>
-              <a:tblPr/>
-              <a:tblGrid>
-                <a:gridCol w="911394">
-                  <a:extLst>
-                    <a:ext uri="{9D8B030D-6E8A-4147-A177-3AD203B41FA5}">
-                      <a16:colId xmlns:a16="http://schemas.microsoft.com/office/drawing/2014/main" val="1774808015"/>
-                    </a:ext>
-                  </a:extLst>
-                </a:gridCol>
-                <a:gridCol w="911394">
-                  <a:extLst>
-                    <a:ext uri="{9D8B030D-6E8A-4147-A177-3AD203B41FA5}">
-                      <a16:colId xmlns:a16="http://schemas.microsoft.com/office/drawing/2014/main" val="3156605102"/>
-                    </a:ext>
-                  </a:extLst>
-                </a:gridCol>
-                <a:gridCol w="911394">
-                  <a:extLst>
-                    <a:ext uri="{9D8B030D-6E8A-4147-A177-3AD203B41FA5}">
-                      <a16:colId xmlns:a16="http://schemas.microsoft.com/office/drawing/2014/main" val="4209843823"/>
-                    </a:ext>
-                  </a:extLst>
-                </a:gridCol>
-                <a:gridCol w="911394">
-                  <a:extLst>
-                    <a:ext uri="{9D8B030D-6E8A-4147-A177-3AD203B41FA5}">
-                      <a16:colId xmlns:a16="http://schemas.microsoft.com/office/drawing/2014/main" val="2410236098"/>
-                    </a:ext>
-                  </a:extLst>
-                </a:gridCol>
-              </a:tblGrid>
-              <a:tr h="130393">
-                <a:tc>
-                  <a:txBody>
-                    <a:bodyPr/>
-                    <a:lstStyle/>
-                    <a:p>
-                      <a:pPr algn="l"/>
-                      <a:r>
-                        <a:rPr lang="en-US" sz="600">
-                          <a:effectLst/>
-                        </a:rPr>
-                        <a:t>Name</a:t>
-                      </a:r>
-                    </a:p>
-                  </a:txBody>
-                  <a:tcPr marL="39118" marR="39118" marT="19559" marB="19559" anchor="ctr">
-                    <a:lnL>
-                      <a:noFill/>
-                    </a:lnL>
-                    <a:lnR>
-                      <a:noFill/>
-                    </a:lnR>
-                    <a:lnT>
-                      <a:noFill/>
-                    </a:lnT>
-                    <a:lnB>
-                      <a:noFill/>
-                    </a:lnB>
-                  </a:tcPr>
-                </a:tc>
-                <a:tc>
-                  <a:txBody>
-                    <a:bodyPr/>
-                    <a:lstStyle/>
-                    <a:p>
-                      <a:pPr algn="l"/>
-                      <a:r>
-                        <a:rPr lang="en-US" sz="600">
-                          <a:effectLst/>
-                        </a:rPr>
-                        <a:t>Users</a:t>
-                      </a:r>
-                    </a:p>
-                  </a:txBody>
-                  <a:tcPr marL="39118" marR="39118" marT="19559" marB="19559" anchor="ctr">
-                    <a:lnL>
-                      <a:noFill/>
-                    </a:lnL>
-                    <a:lnR>
-                      <a:noFill/>
-                    </a:lnR>
-                    <a:lnT>
-                      <a:noFill/>
-                    </a:lnT>
-                    <a:lnB>
-                      <a:noFill/>
-                    </a:lnB>
-                  </a:tcPr>
-                </a:tc>
-                <a:tc>
-                  <a:txBody>
-                    <a:bodyPr/>
-                    <a:lstStyle/>
-                    <a:p>
-                      <a:pPr algn="l"/>
-                      <a:r>
-                        <a:rPr lang="en-US" sz="600">
-                          <a:effectLst/>
-                        </a:rPr>
-                        <a:t>Week</a:t>
-                      </a:r>
-                    </a:p>
-                  </a:txBody>
-                  <a:tcPr marL="39118" marR="39118" marT="19559" marB="19559" anchor="ctr">
-                    <a:lnL>
-                      <a:noFill/>
-                    </a:lnL>
-                    <a:lnR>
-                      <a:noFill/>
-                    </a:lnR>
-                    <a:lnT>
-                      <a:noFill/>
-                    </a:lnT>
-                    <a:lnB>
-                      <a:noFill/>
-                    </a:lnB>
-                  </a:tcPr>
-                </a:tc>
-                <a:tc>
-                  <a:txBody>
-                    <a:bodyPr/>
-                    <a:lstStyle/>
-                    <a:p>
-                      <a:pPr algn="l"/>
-                      <a:r>
-                        <a:rPr lang="en-US" sz="600">
-                          <a:effectLst/>
-                        </a:rPr>
-                        <a:t>Current Revenue</a:t>
-                      </a:r>
-                    </a:p>
-                  </a:txBody>
-                  <a:tcPr marL="39118" marR="39118" marT="19559" marB="19559" anchor="ctr">
-                    <a:lnL>
-                      <a:noFill/>
-                    </a:lnL>
-                    <a:lnR>
-                      <a:noFill/>
-                    </a:lnR>
-                    <a:lnT>
-                      <a:noFill/>
-                    </a:lnT>
-                    <a:lnB>
-                      <a:noFill/>
-                    </a:lnB>
-                  </a:tcPr>
-                </a:tc>
-                <a:extLst>
-                  <a:ext uri="{0D108BD9-81ED-4DB2-BD59-A6C34878D82A}">
-                    <a16:rowId xmlns:a16="http://schemas.microsoft.com/office/drawing/2014/main" val="3745953651"/>
-                  </a:ext>
-                </a:extLst>
-              </a:tr>
-              <a:tr h="221668">
-                <a:tc>
-                  <a:txBody>
-                    <a:bodyPr/>
-                    <a:lstStyle/>
-                    <a:p>
-                      <a:r>
-                        <a:rPr lang="en-US" sz="600">
-                          <a:effectLst/>
-                        </a:rPr>
-                        <a:t>Neswanth Keepudi's Team</a:t>
-                      </a:r>
-                    </a:p>
-                  </a:txBody>
-                  <a:tcPr marL="39118" marR="39118" marT="19559" marB="19559" anchor="ctr">
-                    <a:lnL>
-                      <a:noFill/>
-                    </a:lnL>
-                    <a:lnR>
-                      <a:noFill/>
-                    </a:lnR>
-                    <a:lnT>
-                      <a:noFill/>
-                    </a:lnT>
-                    <a:lnB>
-                      <a:noFill/>
-                    </a:lnB>
-                  </a:tcPr>
-                </a:tc>
-                <a:tc>
-                  <a:txBody>
-                    <a:bodyPr/>
-                    <a:lstStyle/>
-                    <a:p>
-                      <a:r>
-                        <a:rPr lang="en-US" sz="600">
-                          <a:effectLst/>
-                        </a:rPr>
-                        <a:t>Neswanth Keepudi</a:t>
-                      </a:r>
-                    </a:p>
-                  </a:txBody>
-                  <a:tcPr marL="39118" marR="39118" marT="19559" marB="19559" anchor="ctr">
-                    <a:lnL>
-                      <a:noFill/>
-                    </a:lnL>
-                    <a:lnR>
-                      <a:noFill/>
-                    </a:lnR>
-                    <a:lnT>
-                      <a:noFill/>
-                    </a:lnT>
-                    <a:lnB>
-                      <a:noFill/>
-                    </a:lnB>
-                  </a:tcPr>
-                </a:tc>
-                <a:tc>
-                  <a:txBody>
-                    <a:bodyPr/>
-                    <a:lstStyle/>
-                    <a:p>
-                      <a:r>
-                        <a:rPr lang="en-US" sz="600">
-                          <a:effectLst/>
-                        </a:rPr>
-                        <a:t>Complete</a:t>
-                      </a:r>
-                    </a:p>
-                  </a:txBody>
-                  <a:tcPr marL="39118" marR="39118" marT="19559" marB="19559" anchor="ctr">
-                    <a:lnL>
-                      <a:noFill/>
-                    </a:lnL>
-                    <a:lnR>
-                      <a:noFill/>
-                    </a:lnR>
-                    <a:lnT>
-                      <a:noFill/>
-                    </a:lnT>
-                    <a:lnB>
-                      <a:noFill/>
-                    </a:lnB>
-                  </a:tcPr>
-                </a:tc>
-                <a:tc>
-                  <a:txBody>
-                    <a:bodyPr/>
-                    <a:lstStyle/>
-                    <a:p>
-                      <a:r>
-                        <a:rPr lang="en-US" sz="600">
-                          <a:effectLst/>
-                        </a:rPr>
-                        <a:t>$37,269</a:t>
-                      </a:r>
-                    </a:p>
-                  </a:txBody>
-                  <a:tcPr marL="39118" marR="39118" marT="19559" marB="19559" anchor="ctr">
-                    <a:lnL>
-                      <a:noFill/>
-                    </a:lnL>
-                    <a:lnR>
-                      <a:noFill/>
-                    </a:lnR>
-                    <a:lnT>
-                      <a:noFill/>
-                    </a:lnT>
-                    <a:lnB>
-                      <a:noFill/>
-                    </a:lnB>
-                  </a:tcPr>
-                </a:tc>
-                <a:extLst>
-                  <a:ext uri="{0D108BD9-81ED-4DB2-BD59-A6C34878D82A}">
-                    <a16:rowId xmlns:a16="http://schemas.microsoft.com/office/drawing/2014/main" val="1910967458"/>
-                  </a:ext>
-                </a:extLst>
-              </a:tr>
-              <a:tr h="130393">
-                <a:tc>
-                  <a:txBody>
-                    <a:bodyPr/>
-                    <a:lstStyle/>
-                    <a:p>
-                      <a:r>
-                        <a:rPr lang="en-US" sz="600">
-                          <a:effectLst/>
-                        </a:rPr>
-                        <a:t>Jay Hullett</a:t>
-                      </a:r>
-                    </a:p>
-                  </a:txBody>
-                  <a:tcPr marL="39118" marR="39118" marT="19559" marB="19559" anchor="ctr">
-                    <a:lnL>
-                      <a:noFill/>
-                    </a:lnL>
-                    <a:lnR>
-                      <a:noFill/>
-                    </a:lnR>
-                    <a:lnT>
-                      <a:noFill/>
-                    </a:lnT>
-                    <a:lnB>
-                      <a:noFill/>
-                    </a:lnB>
-                  </a:tcPr>
-                </a:tc>
-                <a:tc>
-                  <a:txBody>
-                    <a:bodyPr/>
-                    <a:lstStyle/>
-                    <a:p>
-                      <a:r>
-                        <a:rPr lang="en-US" sz="600">
-                          <a:effectLst/>
-                        </a:rPr>
-                        <a:t>Jay Hullett</a:t>
-                      </a:r>
-                    </a:p>
-                  </a:txBody>
-                  <a:tcPr marL="39118" marR="39118" marT="19559" marB="19559" anchor="ctr">
-                    <a:lnL>
-                      <a:noFill/>
-                    </a:lnL>
-                    <a:lnR>
-                      <a:noFill/>
-                    </a:lnR>
-                    <a:lnT>
-                      <a:noFill/>
-                    </a:lnT>
-                    <a:lnB>
-                      <a:noFill/>
-                    </a:lnB>
-                  </a:tcPr>
-                </a:tc>
-                <a:tc>
-                  <a:txBody>
-                    <a:bodyPr/>
-                    <a:lstStyle/>
-                    <a:p>
-                      <a:r>
-                        <a:rPr lang="en-US" sz="600">
-                          <a:effectLst/>
-                        </a:rPr>
-                        <a:t>Complete</a:t>
-                      </a:r>
-                    </a:p>
-                  </a:txBody>
-                  <a:tcPr marL="39118" marR="39118" marT="19559" marB="19559" anchor="ctr">
-                    <a:lnL>
-                      <a:noFill/>
-                    </a:lnL>
-                    <a:lnR>
-                      <a:noFill/>
-                    </a:lnR>
-                    <a:lnT>
-                      <a:noFill/>
-                    </a:lnT>
-                    <a:lnB>
-                      <a:noFill/>
-                    </a:lnB>
-                  </a:tcPr>
-                </a:tc>
-                <a:tc>
-                  <a:txBody>
-                    <a:bodyPr/>
-                    <a:lstStyle/>
-                    <a:p>
-                      <a:r>
-                        <a:rPr lang="en-US" sz="600">
-                          <a:effectLst/>
-                        </a:rPr>
-                        <a:t>$34,002</a:t>
-                      </a:r>
-                    </a:p>
-                  </a:txBody>
-                  <a:tcPr marL="39118" marR="39118" marT="19559" marB="19559" anchor="ctr">
-                    <a:lnL>
-                      <a:noFill/>
-                    </a:lnL>
-                    <a:lnR>
-                      <a:noFill/>
-                    </a:lnR>
-                    <a:lnT>
-                      <a:noFill/>
-                    </a:lnT>
-                    <a:lnB>
-                      <a:noFill/>
-                    </a:lnB>
-                  </a:tcPr>
-                </a:tc>
-                <a:extLst>
-                  <a:ext uri="{0D108BD9-81ED-4DB2-BD59-A6C34878D82A}">
-                    <a16:rowId xmlns:a16="http://schemas.microsoft.com/office/drawing/2014/main" val="2415416855"/>
-                  </a:ext>
-                </a:extLst>
-              </a:tr>
-              <a:tr h="221668">
-                <a:tc>
-                  <a:txBody>
-                    <a:bodyPr/>
-                    <a:lstStyle/>
-                    <a:p>
-                      <a:r>
-                        <a:rPr lang="en-US" sz="600">
-                          <a:effectLst/>
-                        </a:rPr>
-                        <a:t>Haynes Chewning's Food Truck Challenge</a:t>
-                      </a:r>
-                    </a:p>
-                  </a:txBody>
-                  <a:tcPr marL="39118" marR="39118" marT="19559" marB="19559" anchor="ctr">
-                    <a:lnL>
-                      <a:noFill/>
-                    </a:lnL>
-                    <a:lnR>
-                      <a:noFill/>
-                    </a:lnR>
-                    <a:lnT>
-                      <a:noFill/>
-                    </a:lnT>
-                    <a:lnB>
-                      <a:noFill/>
-                    </a:lnB>
-                  </a:tcPr>
-                </a:tc>
-                <a:tc>
-                  <a:txBody>
-                    <a:bodyPr/>
-                    <a:lstStyle/>
-                    <a:p>
-                      <a:r>
-                        <a:rPr lang="en-US" sz="600">
-                          <a:effectLst/>
-                        </a:rPr>
-                        <a:t>Haynes Chewning</a:t>
-                      </a:r>
-                    </a:p>
-                  </a:txBody>
-                  <a:tcPr marL="39118" marR="39118" marT="19559" marB="19559" anchor="ctr">
-                    <a:lnL>
-                      <a:noFill/>
-                    </a:lnL>
-                    <a:lnR>
-                      <a:noFill/>
-                    </a:lnR>
-                    <a:lnT>
-                      <a:noFill/>
-                    </a:lnT>
-                    <a:lnB>
-                      <a:noFill/>
-                    </a:lnB>
-                  </a:tcPr>
-                </a:tc>
-                <a:tc>
-                  <a:txBody>
-                    <a:bodyPr/>
-                    <a:lstStyle/>
-                    <a:p>
-                      <a:r>
-                        <a:rPr lang="en-US" sz="600">
-                          <a:effectLst/>
-                        </a:rPr>
-                        <a:t>Complete</a:t>
-                      </a:r>
-                    </a:p>
-                  </a:txBody>
-                  <a:tcPr marL="39118" marR="39118" marT="19559" marB="19559" anchor="ctr">
-                    <a:lnL>
-                      <a:noFill/>
-                    </a:lnL>
-                    <a:lnR>
-                      <a:noFill/>
-                    </a:lnR>
-                    <a:lnT>
-                      <a:noFill/>
-                    </a:lnT>
-                    <a:lnB>
-                      <a:noFill/>
-                    </a:lnB>
-                  </a:tcPr>
-                </a:tc>
-                <a:tc>
-                  <a:txBody>
-                    <a:bodyPr/>
-                    <a:lstStyle/>
-                    <a:p>
-                      <a:r>
-                        <a:rPr lang="en-US" sz="600">
-                          <a:effectLst/>
-                        </a:rPr>
-                        <a:t>$33,234</a:t>
-                      </a:r>
-                    </a:p>
-                  </a:txBody>
-                  <a:tcPr marL="39118" marR="39118" marT="19559" marB="19559" anchor="ctr">
-                    <a:lnL>
-                      <a:noFill/>
-                    </a:lnL>
-                    <a:lnR>
-                      <a:noFill/>
-                    </a:lnR>
-                    <a:lnT>
-                      <a:noFill/>
-                    </a:lnT>
-                    <a:lnB>
-                      <a:noFill/>
-                    </a:lnB>
-                  </a:tcPr>
-                </a:tc>
-                <a:extLst>
-                  <a:ext uri="{0D108BD9-81ED-4DB2-BD59-A6C34878D82A}">
-                    <a16:rowId xmlns:a16="http://schemas.microsoft.com/office/drawing/2014/main" val="1150926129"/>
-                  </a:ext>
-                </a:extLst>
-              </a:tr>
-              <a:tr h="130393">
-                <a:tc>
-                  <a:txBody>
-                    <a:bodyPr/>
-                    <a:lstStyle/>
-                    <a:p>
-                      <a:r>
-                        <a:rPr lang="en-US" sz="600">
-                          <a:effectLst/>
-                        </a:rPr>
-                        <a:t>Anusha Kallige Bhasker</a:t>
-                      </a:r>
-                    </a:p>
-                  </a:txBody>
-                  <a:tcPr marL="39118" marR="39118" marT="19559" marB="19559" anchor="ctr">
-                    <a:lnL>
-                      <a:noFill/>
-                    </a:lnL>
-                    <a:lnR>
-                      <a:noFill/>
-                    </a:lnR>
-                    <a:lnT>
-                      <a:noFill/>
-                    </a:lnT>
-                    <a:lnB>
-                      <a:noFill/>
-                    </a:lnB>
-                  </a:tcPr>
-                </a:tc>
-                <a:tc>
-                  <a:txBody>
-                    <a:bodyPr/>
-                    <a:lstStyle/>
-                    <a:p>
-                      <a:r>
-                        <a:rPr lang="en-US" sz="600">
-                          <a:effectLst/>
-                        </a:rPr>
-                        <a:t>Anusha Kallige Bhasker</a:t>
-                      </a:r>
-                    </a:p>
-                  </a:txBody>
-                  <a:tcPr marL="39118" marR="39118" marT="19559" marB="19559" anchor="ctr">
-                    <a:lnL>
-                      <a:noFill/>
-                    </a:lnL>
-                    <a:lnR>
-                      <a:noFill/>
-                    </a:lnR>
-                    <a:lnT>
-                      <a:noFill/>
-                    </a:lnT>
-                    <a:lnB>
-                      <a:noFill/>
-                    </a:lnB>
-                  </a:tcPr>
-                </a:tc>
-                <a:tc>
-                  <a:txBody>
-                    <a:bodyPr/>
-                    <a:lstStyle/>
-                    <a:p>
-                      <a:r>
-                        <a:rPr lang="en-US" sz="600">
-                          <a:effectLst/>
-                        </a:rPr>
-                        <a:t>Complete</a:t>
-                      </a:r>
-                    </a:p>
-                  </a:txBody>
-                  <a:tcPr marL="39118" marR="39118" marT="19559" marB="19559" anchor="ctr">
-                    <a:lnL>
-                      <a:noFill/>
-                    </a:lnL>
-                    <a:lnR>
-                      <a:noFill/>
-                    </a:lnR>
-                    <a:lnT>
-                      <a:noFill/>
-                    </a:lnT>
-                    <a:lnB>
-                      <a:noFill/>
-                    </a:lnB>
-                  </a:tcPr>
-                </a:tc>
-                <a:tc>
-                  <a:txBody>
-                    <a:bodyPr/>
-                    <a:lstStyle/>
-                    <a:p>
-                      <a:r>
-                        <a:rPr lang="en-US" sz="600">
-                          <a:effectLst/>
-                        </a:rPr>
-                        <a:t>$27,045</a:t>
-                      </a:r>
-                    </a:p>
-                  </a:txBody>
-                  <a:tcPr marL="39118" marR="39118" marT="19559" marB="19559" anchor="ctr">
-                    <a:lnL>
-                      <a:noFill/>
-                    </a:lnL>
-                    <a:lnR>
-                      <a:noFill/>
-                    </a:lnR>
-                    <a:lnT>
-                      <a:noFill/>
-                    </a:lnT>
-                    <a:lnB>
-                      <a:noFill/>
-                    </a:lnB>
-                  </a:tcPr>
-                </a:tc>
-                <a:extLst>
-                  <a:ext uri="{0D108BD9-81ED-4DB2-BD59-A6C34878D82A}">
-                    <a16:rowId xmlns:a16="http://schemas.microsoft.com/office/drawing/2014/main" val="1423116051"/>
-                  </a:ext>
-                </a:extLst>
-              </a:tr>
-              <a:tr h="130393">
-                <a:tc>
-                  <a:txBody>
-                    <a:bodyPr/>
-                    <a:lstStyle/>
-                    <a:p>
-                      <a:r>
-                        <a:rPr lang="en-US" sz="600">
-                          <a:effectLst/>
-                        </a:rPr>
-                        <a:t>Saran's Team</a:t>
-                      </a:r>
-                    </a:p>
-                  </a:txBody>
-                  <a:tcPr marL="39118" marR="39118" marT="19559" marB="19559" anchor="ctr">
-                    <a:lnL>
-                      <a:noFill/>
-                    </a:lnL>
-                    <a:lnR>
-                      <a:noFill/>
-                    </a:lnR>
-                    <a:lnT>
-                      <a:noFill/>
-                    </a:lnT>
-                    <a:lnB>
-                      <a:noFill/>
-                    </a:lnB>
-                  </a:tcPr>
-                </a:tc>
-                <a:tc>
-                  <a:txBody>
-                    <a:bodyPr/>
-                    <a:lstStyle/>
-                    <a:p>
-                      <a:r>
-                        <a:rPr lang="en-US" sz="600">
-                          <a:effectLst/>
-                        </a:rPr>
-                        <a:t>Saran Sankar</a:t>
-                      </a:r>
-                    </a:p>
-                  </a:txBody>
-                  <a:tcPr marL="39118" marR="39118" marT="19559" marB="19559" anchor="ctr">
-                    <a:lnL>
-                      <a:noFill/>
-                    </a:lnL>
-                    <a:lnR>
-                      <a:noFill/>
-                    </a:lnR>
-                    <a:lnT>
-                      <a:noFill/>
-                    </a:lnT>
-                    <a:lnB>
-                      <a:noFill/>
-                    </a:lnB>
-                  </a:tcPr>
-                </a:tc>
-                <a:tc>
-                  <a:txBody>
-                    <a:bodyPr/>
-                    <a:lstStyle/>
-                    <a:p>
-                      <a:r>
-                        <a:rPr lang="en-US" sz="600">
-                          <a:effectLst/>
-                        </a:rPr>
-                        <a:t>Complete</a:t>
-                      </a:r>
-                    </a:p>
-                  </a:txBody>
-                  <a:tcPr marL="39118" marR="39118" marT="19559" marB="19559" anchor="ctr">
-                    <a:lnL>
-                      <a:noFill/>
-                    </a:lnL>
-                    <a:lnR>
-                      <a:noFill/>
-                    </a:lnR>
-                    <a:lnT>
-                      <a:noFill/>
-                    </a:lnT>
-                    <a:lnB>
-                      <a:noFill/>
-                    </a:lnB>
-                  </a:tcPr>
-                </a:tc>
-                <a:tc>
-                  <a:txBody>
-                    <a:bodyPr/>
-                    <a:lstStyle/>
-                    <a:p>
-                      <a:r>
-                        <a:rPr lang="en-US" sz="600">
-                          <a:effectLst/>
-                        </a:rPr>
-                        <a:t>$26,946</a:t>
-                      </a:r>
-                    </a:p>
-                  </a:txBody>
-                  <a:tcPr marL="39118" marR="39118" marT="19559" marB="19559" anchor="ctr">
-                    <a:lnL>
-                      <a:noFill/>
-                    </a:lnL>
-                    <a:lnR>
-                      <a:noFill/>
-                    </a:lnR>
-                    <a:lnT>
-                      <a:noFill/>
-                    </a:lnT>
-                    <a:lnB>
-                      <a:noFill/>
-                    </a:lnB>
-                  </a:tcPr>
-                </a:tc>
-                <a:extLst>
-                  <a:ext uri="{0D108BD9-81ED-4DB2-BD59-A6C34878D82A}">
-                    <a16:rowId xmlns:a16="http://schemas.microsoft.com/office/drawing/2014/main" val="2837812966"/>
-                  </a:ext>
-                </a:extLst>
-              </a:tr>
-              <a:tr h="312943">
-                <a:tc>
-                  <a:txBody>
-                    <a:bodyPr/>
-                    <a:lstStyle/>
-                    <a:p>
-                      <a:r>
-                        <a:rPr lang="en-US" sz="600">
-                          <a:effectLst/>
-                        </a:rPr>
-                        <a:t>Poojitha Thorekadanahalli Anandhkumar</a:t>
-                      </a:r>
-                    </a:p>
-                  </a:txBody>
-                  <a:tcPr marL="39118" marR="39118" marT="19559" marB="19559" anchor="ctr">
-                    <a:lnL>
-                      <a:noFill/>
-                    </a:lnL>
-                    <a:lnR>
-                      <a:noFill/>
-                    </a:lnR>
-                    <a:lnT>
-                      <a:noFill/>
-                    </a:lnT>
-                    <a:lnB>
-                      <a:noFill/>
-                    </a:lnB>
-                  </a:tcPr>
-                </a:tc>
-                <a:tc>
-                  <a:txBody>
-                    <a:bodyPr/>
-                    <a:lstStyle/>
-                    <a:p>
-                      <a:r>
-                        <a:rPr lang="en-US" sz="600">
-                          <a:effectLst/>
-                        </a:rPr>
-                        <a:t>Poojitha Thorekadanahalli Anandhkumar</a:t>
-                      </a:r>
-                    </a:p>
-                  </a:txBody>
-                  <a:tcPr marL="39118" marR="39118" marT="19559" marB="19559" anchor="ctr">
-                    <a:lnL>
-                      <a:noFill/>
-                    </a:lnL>
-                    <a:lnR>
-                      <a:noFill/>
-                    </a:lnR>
-                    <a:lnT>
-                      <a:noFill/>
-                    </a:lnT>
-                    <a:lnB>
-                      <a:noFill/>
-                    </a:lnB>
-                  </a:tcPr>
-                </a:tc>
-                <a:tc>
-                  <a:txBody>
-                    <a:bodyPr/>
-                    <a:lstStyle/>
-                    <a:p>
-                      <a:r>
-                        <a:rPr lang="en-US" sz="600">
-                          <a:effectLst/>
-                        </a:rPr>
-                        <a:t>Complete</a:t>
-                      </a:r>
-                    </a:p>
-                  </a:txBody>
-                  <a:tcPr marL="39118" marR="39118" marT="19559" marB="19559" anchor="ctr">
-                    <a:lnL>
-                      <a:noFill/>
-                    </a:lnL>
-                    <a:lnR>
-                      <a:noFill/>
-                    </a:lnR>
-                    <a:lnT>
-                      <a:noFill/>
-                    </a:lnT>
-                    <a:lnB>
-                      <a:noFill/>
-                    </a:lnB>
-                  </a:tcPr>
-                </a:tc>
-                <a:tc>
-                  <a:txBody>
-                    <a:bodyPr/>
-                    <a:lstStyle/>
-                    <a:p>
-                      <a:r>
-                        <a:rPr lang="en-US" sz="600">
-                          <a:effectLst/>
-                        </a:rPr>
-                        <a:t>$26,904</a:t>
-                      </a:r>
-                    </a:p>
-                  </a:txBody>
-                  <a:tcPr marL="39118" marR="39118" marT="19559" marB="19559" anchor="ctr">
-                    <a:lnL>
-                      <a:noFill/>
-                    </a:lnL>
-                    <a:lnR>
-                      <a:noFill/>
-                    </a:lnR>
-                    <a:lnT>
-                      <a:noFill/>
-                    </a:lnT>
-                    <a:lnB>
-                      <a:noFill/>
-                    </a:lnB>
-                  </a:tcPr>
-                </a:tc>
-                <a:extLst>
-                  <a:ext uri="{0D108BD9-81ED-4DB2-BD59-A6C34878D82A}">
-                    <a16:rowId xmlns:a16="http://schemas.microsoft.com/office/drawing/2014/main" val="3715486823"/>
-                  </a:ext>
-                </a:extLst>
-              </a:tr>
-              <a:tr h="130393">
-                <a:tc>
-                  <a:txBody>
-                    <a:bodyPr/>
-                    <a:lstStyle/>
-                    <a:p>
-                      <a:r>
-                        <a:rPr lang="en-US" sz="600">
-                          <a:effectLst/>
-                        </a:rPr>
-                        <a:t>Gasser's Team</a:t>
-                      </a:r>
-                    </a:p>
-                  </a:txBody>
-                  <a:tcPr marL="39118" marR="39118" marT="19559" marB="19559" anchor="ctr">
-                    <a:lnL>
-                      <a:noFill/>
-                    </a:lnL>
-                    <a:lnR>
-                      <a:noFill/>
-                    </a:lnR>
-                    <a:lnT>
-                      <a:noFill/>
-                    </a:lnT>
-                    <a:lnB>
-                      <a:noFill/>
-                    </a:lnB>
-                  </a:tcPr>
-                </a:tc>
-                <a:tc>
-                  <a:txBody>
-                    <a:bodyPr/>
-                    <a:lstStyle/>
-                    <a:p>
-                      <a:r>
-                        <a:rPr lang="en-US" sz="600">
-                          <a:effectLst/>
-                        </a:rPr>
-                        <a:t>Gasser Ahmed</a:t>
-                      </a:r>
-                    </a:p>
-                  </a:txBody>
-                  <a:tcPr marL="39118" marR="39118" marT="19559" marB="19559" anchor="ctr">
-                    <a:lnL>
-                      <a:noFill/>
-                    </a:lnL>
-                    <a:lnR>
-                      <a:noFill/>
-                    </a:lnR>
-                    <a:lnT>
-                      <a:noFill/>
-                    </a:lnT>
-                    <a:lnB>
-                      <a:noFill/>
-                    </a:lnB>
-                  </a:tcPr>
-                </a:tc>
-                <a:tc>
-                  <a:txBody>
-                    <a:bodyPr/>
-                    <a:lstStyle/>
-                    <a:p>
-                      <a:r>
-                        <a:rPr lang="en-US" sz="600">
-                          <a:effectLst/>
-                        </a:rPr>
-                        <a:t>Complete</a:t>
-                      </a:r>
-                    </a:p>
-                  </a:txBody>
-                  <a:tcPr marL="39118" marR="39118" marT="19559" marB="19559" anchor="ctr">
-                    <a:lnL>
-                      <a:noFill/>
-                    </a:lnL>
-                    <a:lnR>
-                      <a:noFill/>
-                    </a:lnR>
-                    <a:lnT>
-                      <a:noFill/>
-                    </a:lnT>
-                    <a:lnB>
-                      <a:noFill/>
-                    </a:lnB>
-                  </a:tcPr>
-                </a:tc>
-                <a:tc>
-                  <a:txBody>
-                    <a:bodyPr/>
-                    <a:lstStyle/>
-                    <a:p>
-                      <a:r>
-                        <a:rPr lang="en-US" sz="600">
-                          <a:effectLst/>
-                        </a:rPr>
-                        <a:t>$25,812</a:t>
-                      </a:r>
-                    </a:p>
-                  </a:txBody>
-                  <a:tcPr marL="39118" marR="39118" marT="19559" marB="19559" anchor="ctr">
-                    <a:lnL>
-                      <a:noFill/>
-                    </a:lnL>
-                    <a:lnR>
-                      <a:noFill/>
-                    </a:lnR>
-                    <a:lnT>
-                      <a:noFill/>
-                    </a:lnT>
-                    <a:lnB>
-                      <a:noFill/>
-                    </a:lnB>
-                  </a:tcPr>
-                </a:tc>
-                <a:extLst>
-                  <a:ext uri="{0D108BD9-81ED-4DB2-BD59-A6C34878D82A}">
-                    <a16:rowId xmlns:a16="http://schemas.microsoft.com/office/drawing/2014/main" val="2576905649"/>
-                  </a:ext>
-                </a:extLst>
-              </a:tr>
-              <a:tr h="130393">
-                <a:tc>
-                  <a:txBody>
-                    <a:bodyPr/>
-                    <a:lstStyle/>
-                    <a:p>
-                      <a:r>
-                        <a:rPr lang="en-US" sz="600">
-                          <a:effectLst/>
-                        </a:rPr>
-                        <a:t>Big Moo Ice Cream</a:t>
-                      </a:r>
-                    </a:p>
-                  </a:txBody>
-                  <a:tcPr marL="39118" marR="39118" marT="19559" marB="19559" anchor="ctr">
-                    <a:lnL>
-                      <a:noFill/>
-                    </a:lnL>
-                    <a:lnR>
-                      <a:noFill/>
-                    </a:lnR>
-                    <a:lnT>
-                      <a:noFill/>
-                    </a:lnT>
-                    <a:lnB>
-                      <a:noFill/>
-                    </a:lnB>
-                  </a:tcPr>
-                </a:tc>
-                <a:tc>
-                  <a:txBody>
-                    <a:bodyPr/>
-                    <a:lstStyle/>
-                    <a:p>
-                      <a:r>
-                        <a:rPr lang="en-US" sz="600">
-                          <a:effectLst/>
-                        </a:rPr>
-                        <a:t>Luis Rosales</a:t>
-                      </a:r>
-                    </a:p>
-                  </a:txBody>
-                  <a:tcPr marL="39118" marR="39118" marT="19559" marB="19559" anchor="ctr">
-                    <a:lnL>
-                      <a:noFill/>
-                    </a:lnL>
-                    <a:lnR>
-                      <a:noFill/>
-                    </a:lnR>
-                    <a:lnT>
-                      <a:noFill/>
-                    </a:lnT>
-                    <a:lnB>
-                      <a:noFill/>
-                    </a:lnB>
-                  </a:tcPr>
-                </a:tc>
-                <a:tc>
-                  <a:txBody>
-                    <a:bodyPr/>
-                    <a:lstStyle/>
-                    <a:p>
-                      <a:r>
-                        <a:rPr lang="en-US" sz="600">
-                          <a:effectLst/>
-                        </a:rPr>
-                        <a:t>Complete</a:t>
-                      </a:r>
-                    </a:p>
-                  </a:txBody>
-                  <a:tcPr marL="39118" marR="39118" marT="19559" marB="19559" anchor="ctr">
-                    <a:lnL>
-                      <a:noFill/>
-                    </a:lnL>
-                    <a:lnR>
-                      <a:noFill/>
-                    </a:lnR>
-                    <a:lnT>
-                      <a:noFill/>
-                    </a:lnT>
-                    <a:lnB>
-                      <a:noFill/>
-                    </a:lnB>
-                  </a:tcPr>
-                </a:tc>
-                <a:tc>
-                  <a:txBody>
-                    <a:bodyPr/>
-                    <a:lstStyle/>
-                    <a:p>
-                      <a:r>
-                        <a:rPr lang="en-US" sz="600">
-                          <a:effectLst/>
-                        </a:rPr>
-                        <a:t>$22,725</a:t>
-                      </a:r>
-                    </a:p>
-                  </a:txBody>
-                  <a:tcPr marL="39118" marR="39118" marT="19559" marB="19559" anchor="ctr">
-                    <a:lnL>
-                      <a:noFill/>
-                    </a:lnL>
-                    <a:lnR>
-                      <a:noFill/>
-                    </a:lnR>
-                    <a:lnT>
-                      <a:noFill/>
-                    </a:lnT>
-                    <a:lnB>
-                      <a:noFill/>
-                    </a:lnB>
-                  </a:tcPr>
-                </a:tc>
-                <a:extLst>
-                  <a:ext uri="{0D108BD9-81ED-4DB2-BD59-A6C34878D82A}">
-                    <a16:rowId xmlns:a16="http://schemas.microsoft.com/office/drawing/2014/main" val="2996728710"/>
-                  </a:ext>
-                </a:extLst>
-              </a:tr>
-              <a:tr h="221668">
-                <a:tc>
-                  <a:txBody>
-                    <a:bodyPr/>
-                    <a:lstStyle/>
-                    <a:p>
-                      <a:r>
-                        <a:rPr lang="en-US" sz="600">
-                          <a:effectLst/>
-                        </a:rPr>
-                        <a:t>Benjamin Paschina's Team</a:t>
-                      </a:r>
-                    </a:p>
-                  </a:txBody>
-                  <a:tcPr marL="39118" marR="39118" marT="19559" marB="19559" anchor="ctr">
-                    <a:lnL>
-                      <a:noFill/>
-                    </a:lnL>
-                    <a:lnR>
-                      <a:noFill/>
-                    </a:lnR>
-                    <a:lnT>
-                      <a:noFill/>
-                    </a:lnT>
-                    <a:lnB>
-                      <a:noFill/>
-                    </a:lnB>
-                  </a:tcPr>
-                </a:tc>
-                <a:tc>
-                  <a:txBody>
-                    <a:bodyPr/>
-                    <a:lstStyle/>
-                    <a:p>
-                      <a:r>
-                        <a:rPr lang="en-US" sz="600">
-                          <a:effectLst/>
-                        </a:rPr>
-                        <a:t>Benjamin Paschina</a:t>
-                      </a:r>
-                    </a:p>
-                  </a:txBody>
-                  <a:tcPr marL="39118" marR="39118" marT="19559" marB="19559" anchor="ctr">
-                    <a:lnL>
-                      <a:noFill/>
-                    </a:lnL>
-                    <a:lnR>
-                      <a:noFill/>
-                    </a:lnR>
-                    <a:lnT>
-                      <a:noFill/>
-                    </a:lnT>
-                    <a:lnB>
-                      <a:noFill/>
-                    </a:lnB>
-                  </a:tcPr>
-                </a:tc>
-                <a:tc>
-                  <a:txBody>
-                    <a:bodyPr/>
-                    <a:lstStyle/>
-                    <a:p>
-                      <a:r>
-                        <a:rPr lang="en-US" sz="600">
-                          <a:effectLst/>
-                        </a:rPr>
-                        <a:t>Complete</a:t>
-                      </a:r>
-                    </a:p>
-                  </a:txBody>
-                  <a:tcPr marL="39118" marR="39118" marT="19559" marB="19559" anchor="ctr">
-                    <a:lnL>
-                      <a:noFill/>
-                    </a:lnL>
-                    <a:lnR>
-                      <a:noFill/>
-                    </a:lnR>
-                    <a:lnT>
-                      <a:noFill/>
-                    </a:lnT>
-                    <a:lnB>
-                      <a:noFill/>
-                    </a:lnB>
-                  </a:tcPr>
-                </a:tc>
-                <a:tc>
-                  <a:txBody>
-                    <a:bodyPr/>
-                    <a:lstStyle/>
-                    <a:p>
-                      <a:r>
-                        <a:rPr lang="en-US" sz="600">
-                          <a:effectLst/>
-                        </a:rPr>
-                        <a:t>$20,841</a:t>
-                      </a:r>
-                    </a:p>
-                  </a:txBody>
-                  <a:tcPr marL="39118" marR="39118" marT="19559" marB="19559" anchor="ctr">
-                    <a:lnL>
-                      <a:noFill/>
-                    </a:lnL>
-                    <a:lnR>
-                      <a:noFill/>
-                    </a:lnR>
-                    <a:lnT>
-                      <a:noFill/>
-                    </a:lnT>
-                    <a:lnB>
-                      <a:noFill/>
-                    </a:lnB>
-                  </a:tcPr>
-                </a:tc>
-                <a:extLst>
-                  <a:ext uri="{0D108BD9-81ED-4DB2-BD59-A6C34878D82A}">
-                    <a16:rowId xmlns:a16="http://schemas.microsoft.com/office/drawing/2014/main" val="2490694159"/>
-                  </a:ext>
-                </a:extLst>
-              </a:tr>
-              <a:tr h="130393">
-                <a:tc>
-                  <a:txBody>
-                    <a:bodyPr/>
-                    <a:lstStyle/>
-                    <a:p>
-                      <a:r>
-                        <a:rPr lang="en-US" sz="600">
-                          <a:effectLst/>
-                        </a:rPr>
-                        <a:t>Elliott Coyne's Team</a:t>
-                      </a:r>
-                    </a:p>
-                  </a:txBody>
-                  <a:tcPr marL="39118" marR="39118" marT="19559" marB="19559" anchor="ctr">
-                    <a:lnL>
-                      <a:noFill/>
-                    </a:lnL>
-                    <a:lnR>
-                      <a:noFill/>
-                    </a:lnR>
-                    <a:lnT>
-                      <a:noFill/>
-                    </a:lnT>
-                    <a:lnB>
-                      <a:noFill/>
-                    </a:lnB>
-                  </a:tcPr>
-                </a:tc>
-                <a:tc>
-                  <a:txBody>
-                    <a:bodyPr/>
-                    <a:lstStyle/>
-                    <a:p>
-                      <a:r>
-                        <a:rPr lang="en-US" sz="600">
-                          <a:effectLst/>
-                        </a:rPr>
-                        <a:t>Elliott Coyne</a:t>
-                      </a:r>
-                    </a:p>
-                  </a:txBody>
-                  <a:tcPr marL="39118" marR="39118" marT="19559" marB="19559" anchor="ctr">
-                    <a:lnL>
-                      <a:noFill/>
-                    </a:lnL>
-                    <a:lnR>
-                      <a:noFill/>
-                    </a:lnR>
-                    <a:lnT>
-                      <a:noFill/>
-                    </a:lnT>
-                    <a:lnB>
-                      <a:noFill/>
-                    </a:lnB>
-                  </a:tcPr>
-                </a:tc>
-                <a:tc>
-                  <a:txBody>
-                    <a:bodyPr/>
-                    <a:lstStyle/>
-                    <a:p>
-                      <a:r>
-                        <a:rPr lang="en-US" sz="600">
-                          <a:effectLst/>
-                        </a:rPr>
-                        <a:t>Complete</a:t>
-                      </a:r>
-                    </a:p>
-                  </a:txBody>
-                  <a:tcPr marL="39118" marR="39118" marT="19559" marB="19559" anchor="ctr">
-                    <a:lnL>
-                      <a:noFill/>
-                    </a:lnL>
-                    <a:lnR>
-                      <a:noFill/>
-                    </a:lnR>
-                    <a:lnT>
-                      <a:noFill/>
-                    </a:lnT>
-                    <a:lnB>
-                      <a:noFill/>
-                    </a:lnB>
-                  </a:tcPr>
-                </a:tc>
-                <a:tc>
-                  <a:txBody>
-                    <a:bodyPr/>
-                    <a:lstStyle/>
-                    <a:p>
-                      <a:r>
-                        <a:rPr lang="en-US" sz="600">
-                          <a:effectLst/>
-                        </a:rPr>
-                        <a:t>$20,565</a:t>
-                      </a:r>
-                    </a:p>
-                  </a:txBody>
-                  <a:tcPr marL="39118" marR="39118" marT="19559" marB="19559" anchor="ctr">
-                    <a:lnL>
-                      <a:noFill/>
-                    </a:lnL>
-                    <a:lnR>
-                      <a:noFill/>
-                    </a:lnR>
-                    <a:lnT>
-                      <a:noFill/>
-                    </a:lnT>
-                    <a:lnB>
-                      <a:noFill/>
-                    </a:lnB>
-                  </a:tcPr>
-                </a:tc>
-                <a:extLst>
-                  <a:ext uri="{0D108BD9-81ED-4DB2-BD59-A6C34878D82A}">
-                    <a16:rowId xmlns:a16="http://schemas.microsoft.com/office/drawing/2014/main" val="1614947562"/>
-                  </a:ext>
-                </a:extLst>
-              </a:tr>
-              <a:tr h="130393">
-                <a:tc>
-                  <a:txBody>
-                    <a:bodyPr/>
-                    <a:lstStyle/>
-                    <a:p>
-                      <a:r>
-                        <a:rPr lang="en-US" sz="600">
-                          <a:effectLst/>
-                        </a:rPr>
-                        <a:t>Emilia VT</a:t>
-                      </a:r>
-                    </a:p>
-                  </a:txBody>
-                  <a:tcPr marL="39118" marR="39118" marT="19559" marB="19559" anchor="ctr">
-                    <a:lnL>
-                      <a:noFill/>
-                    </a:lnL>
-                    <a:lnR>
-                      <a:noFill/>
-                    </a:lnR>
-                    <a:lnT>
-                      <a:noFill/>
-                    </a:lnT>
-                    <a:lnB>
-                      <a:noFill/>
-                    </a:lnB>
-                  </a:tcPr>
-                </a:tc>
-                <a:tc>
-                  <a:txBody>
-                    <a:bodyPr/>
-                    <a:lstStyle/>
-                    <a:p>
-                      <a:r>
-                        <a:rPr lang="en-US" sz="600">
-                          <a:effectLst/>
-                        </a:rPr>
-                        <a:t>Emilia Voge</a:t>
-                      </a:r>
-                    </a:p>
-                  </a:txBody>
-                  <a:tcPr marL="39118" marR="39118" marT="19559" marB="19559" anchor="ctr">
-                    <a:lnL>
-                      <a:noFill/>
-                    </a:lnL>
-                    <a:lnR>
-                      <a:noFill/>
-                    </a:lnR>
-                    <a:lnT>
-                      <a:noFill/>
-                    </a:lnT>
-                    <a:lnB>
-                      <a:noFill/>
-                    </a:lnB>
-                  </a:tcPr>
-                </a:tc>
-                <a:tc>
-                  <a:txBody>
-                    <a:bodyPr/>
-                    <a:lstStyle/>
-                    <a:p>
-                      <a:r>
-                        <a:rPr lang="en-US" sz="600">
-                          <a:effectLst/>
-                        </a:rPr>
-                        <a:t>Complete</a:t>
-                      </a:r>
-                    </a:p>
-                  </a:txBody>
-                  <a:tcPr marL="39118" marR="39118" marT="19559" marB="19559" anchor="ctr">
-                    <a:lnL>
-                      <a:noFill/>
-                    </a:lnL>
-                    <a:lnR>
-                      <a:noFill/>
-                    </a:lnR>
-                    <a:lnT>
-                      <a:noFill/>
-                    </a:lnT>
-                    <a:lnB>
-                      <a:noFill/>
-                    </a:lnB>
-                  </a:tcPr>
-                </a:tc>
-                <a:tc>
-                  <a:txBody>
-                    <a:bodyPr/>
-                    <a:lstStyle/>
-                    <a:p>
-                      <a:r>
-                        <a:rPr lang="en-US" sz="600">
-                          <a:effectLst/>
-                        </a:rPr>
-                        <a:t>$19,698</a:t>
-                      </a:r>
-                    </a:p>
-                  </a:txBody>
-                  <a:tcPr marL="39118" marR="39118" marT="19559" marB="19559" anchor="ctr">
-                    <a:lnL>
-                      <a:noFill/>
-                    </a:lnL>
-                    <a:lnR>
-                      <a:noFill/>
-                    </a:lnR>
-                    <a:lnT>
-                      <a:noFill/>
-                    </a:lnT>
-                    <a:lnB>
-                      <a:noFill/>
-                    </a:lnB>
-                  </a:tcPr>
-                </a:tc>
-                <a:extLst>
-                  <a:ext uri="{0D108BD9-81ED-4DB2-BD59-A6C34878D82A}">
-                    <a16:rowId xmlns:a16="http://schemas.microsoft.com/office/drawing/2014/main" val="3407979233"/>
-                  </a:ext>
-                </a:extLst>
-              </a:tr>
-              <a:tr h="130393">
-                <a:tc>
-                  <a:txBody>
-                    <a:bodyPr/>
-                    <a:lstStyle/>
-                    <a:p>
-                      <a:r>
-                        <a:rPr lang="en-US" sz="600">
-                          <a:effectLst/>
-                        </a:rPr>
-                        <a:t>Miller's Team</a:t>
-                      </a:r>
-                    </a:p>
-                  </a:txBody>
-                  <a:tcPr marL="39118" marR="39118" marT="19559" marB="19559" anchor="ctr">
-                    <a:lnL>
-                      <a:noFill/>
-                    </a:lnL>
-                    <a:lnR>
-                      <a:noFill/>
-                    </a:lnR>
-                    <a:lnT>
-                      <a:noFill/>
-                    </a:lnT>
-                    <a:lnB>
-                      <a:noFill/>
-                    </a:lnB>
-                  </a:tcPr>
-                </a:tc>
-                <a:tc>
-                  <a:txBody>
-                    <a:bodyPr/>
-                    <a:lstStyle/>
-                    <a:p>
-                      <a:r>
-                        <a:rPr lang="en-US" sz="600">
-                          <a:effectLst/>
-                        </a:rPr>
-                        <a:t>Colton Miller</a:t>
-                      </a:r>
-                    </a:p>
-                  </a:txBody>
-                  <a:tcPr marL="39118" marR="39118" marT="19559" marB="19559" anchor="ctr">
-                    <a:lnL>
-                      <a:noFill/>
-                    </a:lnL>
-                    <a:lnR>
-                      <a:noFill/>
-                    </a:lnR>
-                    <a:lnT>
-                      <a:noFill/>
-                    </a:lnT>
-                    <a:lnB>
-                      <a:noFill/>
-                    </a:lnB>
-                  </a:tcPr>
-                </a:tc>
-                <a:tc>
-                  <a:txBody>
-                    <a:bodyPr/>
-                    <a:lstStyle/>
-                    <a:p>
-                      <a:r>
-                        <a:rPr lang="en-US" sz="600">
-                          <a:effectLst/>
-                        </a:rPr>
-                        <a:t>Complete</a:t>
-                      </a:r>
-                    </a:p>
-                  </a:txBody>
-                  <a:tcPr marL="39118" marR="39118" marT="19559" marB="19559" anchor="ctr">
-                    <a:lnL>
-                      <a:noFill/>
-                    </a:lnL>
-                    <a:lnR>
-                      <a:noFill/>
-                    </a:lnR>
-                    <a:lnT>
-                      <a:noFill/>
-                    </a:lnT>
-                    <a:lnB>
-                      <a:noFill/>
-                    </a:lnB>
-                  </a:tcPr>
-                </a:tc>
-                <a:tc>
-                  <a:txBody>
-                    <a:bodyPr/>
-                    <a:lstStyle/>
-                    <a:p>
-                      <a:r>
-                        <a:rPr lang="en-US" sz="600">
-                          <a:effectLst/>
-                        </a:rPr>
-                        <a:t>$19,401</a:t>
-                      </a:r>
-                    </a:p>
-                  </a:txBody>
-                  <a:tcPr marL="39118" marR="39118" marT="19559" marB="19559" anchor="ctr">
-                    <a:lnL>
-                      <a:noFill/>
-                    </a:lnL>
-                    <a:lnR>
-                      <a:noFill/>
-                    </a:lnR>
-                    <a:lnT>
-                      <a:noFill/>
-                    </a:lnT>
-                    <a:lnB>
-                      <a:noFill/>
-                    </a:lnB>
-                  </a:tcPr>
-                </a:tc>
-                <a:extLst>
-                  <a:ext uri="{0D108BD9-81ED-4DB2-BD59-A6C34878D82A}">
-                    <a16:rowId xmlns:a16="http://schemas.microsoft.com/office/drawing/2014/main" val="648747878"/>
-                  </a:ext>
-                </a:extLst>
-              </a:tr>
-              <a:tr h="130393">
-                <a:tc>
-                  <a:txBody>
-                    <a:bodyPr/>
-                    <a:lstStyle/>
-                    <a:p>
-                      <a:r>
-                        <a:rPr lang="en-US" sz="600">
-                          <a:effectLst/>
-                        </a:rPr>
-                        <a:t>Joe Place</a:t>
-                      </a:r>
-                    </a:p>
-                  </a:txBody>
-                  <a:tcPr marL="39118" marR="39118" marT="19559" marB="19559" anchor="ctr">
-                    <a:lnL>
-                      <a:noFill/>
-                    </a:lnL>
-                    <a:lnR>
-                      <a:noFill/>
-                    </a:lnR>
-                    <a:lnT>
-                      <a:noFill/>
-                    </a:lnT>
-                    <a:lnB>
-                      <a:noFill/>
-                    </a:lnB>
-                  </a:tcPr>
-                </a:tc>
-                <a:tc>
-                  <a:txBody>
-                    <a:bodyPr/>
-                    <a:lstStyle/>
-                    <a:p>
-                      <a:r>
-                        <a:rPr lang="en-US" sz="600">
-                          <a:effectLst/>
-                        </a:rPr>
-                        <a:t>Joseph Place</a:t>
-                      </a:r>
-                    </a:p>
-                  </a:txBody>
-                  <a:tcPr marL="39118" marR="39118" marT="19559" marB="19559" anchor="ctr">
-                    <a:lnL>
-                      <a:noFill/>
-                    </a:lnL>
-                    <a:lnR>
-                      <a:noFill/>
-                    </a:lnR>
-                    <a:lnT>
-                      <a:noFill/>
-                    </a:lnT>
-                    <a:lnB>
-                      <a:noFill/>
-                    </a:lnB>
-                  </a:tcPr>
-                </a:tc>
-                <a:tc>
-                  <a:txBody>
-                    <a:bodyPr/>
-                    <a:lstStyle/>
-                    <a:p>
-                      <a:r>
-                        <a:rPr lang="en-US" sz="600">
-                          <a:effectLst/>
-                        </a:rPr>
-                        <a:t>Complete</a:t>
-                      </a:r>
-                    </a:p>
-                  </a:txBody>
-                  <a:tcPr marL="39118" marR="39118" marT="19559" marB="19559" anchor="ctr">
-                    <a:lnL>
-                      <a:noFill/>
-                    </a:lnL>
-                    <a:lnR>
-                      <a:noFill/>
-                    </a:lnR>
-                    <a:lnT>
-                      <a:noFill/>
-                    </a:lnT>
-                    <a:lnB>
-                      <a:noFill/>
-                    </a:lnB>
-                  </a:tcPr>
-                </a:tc>
-                <a:tc>
-                  <a:txBody>
-                    <a:bodyPr/>
-                    <a:lstStyle/>
-                    <a:p>
-                      <a:r>
-                        <a:rPr lang="en-US" sz="600">
-                          <a:effectLst/>
-                        </a:rPr>
-                        <a:t>$18,990</a:t>
-                      </a:r>
-                    </a:p>
-                  </a:txBody>
-                  <a:tcPr marL="39118" marR="39118" marT="19559" marB="19559" anchor="ctr">
-                    <a:lnL>
-                      <a:noFill/>
-                    </a:lnL>
-                    <a:lnR>
-                      <a:noFill/>
-                    </a:lnR>
-                    <a:lnT>
-                      <a:noFill/>
-                    </a:lnT>
-                    <a:lnB>
-                      <a:noFill/>
-                    </a:lnB>
-                  </a:tcPr>
-                </a:tc>
-                <a:extLst>
-                  <a:ext uri="{0D108BD9-81ED-4DB2-BD59-A6C34878D82A}">
-                    <a16:rowId xmlns:a16="http://schemas.microsoft.com/office/drawing/2014/main" val="878781228"/>
-                  </a:ext>
-                </a:extLst>
-              </a:tr>
-              <a:tr h="130393">
-                <a:tc>
-                  <a:txBody>
-                    <a:bodyPr/>
-                    <a:lstStyle/>
-                    <a:p>
-                      <a:r>
-                        <a:rPr lang="en-US" sz="600">
-                          <a:effectLst/>
-                        </a:rPr>
-                        <a:t>Asad Mansoor's Team</a:t>
-                      </a:r>
-                    </a:p>
-                  </a:txBody>
-                  <a:tcPr marL="39118" marR="39118" marT="19559" marB="19559" anchor="ctr">
-                    <a:lnL>
-                      <a:noFill/>
-                    </a:lnL>
-                    <a:lnR>
-                      <a:noFill/>
-                    </a:lnR>
-                    <a:lnT>
-                      <a:noFill/>
-                    </a:lnT>
-                    <a:lnB>
-                      <a:noFill/>
-                    </a:lnB>
-                  </a:tcPr>
-                </a:tc>
-                <a:tc>
-                  <a:txBody>
-                    <a:bodyPr/>
-                    <a:lstStyle/>
-                    <a:p>
-                      <a:r>
-                        <a:rPr lang="en-US" sz="600">
-                          <a:effectLst/>
-                        </a:rPr>
-                        <a:t>Asad Mansoor</a:t>
-                      </a:r>
-                    </a:p>
-                  </a:txBody>
-                  <a:tcPr marL="39118" marR="39118" marT="19559" marB="19559" anchor="ctr">
-                    <a:lnL>
-                      <a:noFill/>
-                    </a:lnL>
-                    <a:lnR>
-                      <a:noFill/>
-                    </a:lnR>
-                    <a:lnT>
-                      <a:noFill/>
-                    </a:lnT>
-                    <a:lnB>
-                      <a:noFill/>
-                    </a:lnB>
-                  </a:tcPr>
-                </a:tc>
-                <a:tc>
-                  <a:txBody>
-                    <a:bodyPr/>
-                    <a:lstStyle/>
-                    <a:p>
-                      <a:r>
-                        <a:rPr lang="en-US" sz="600">
-                          <a:effectLst/>
-                        </a:rPr>
-                        <a:t>Complete</a:t>
-                      </a:r>
-                    </a:p>
-                  </a:txBody>
-                  <a:tcPr marL="39118" marR="39118" marT="19559" marB="19559" anchor="ctr">
-                    <a:lnL>
-                      <a:noFill/>
-                    </a:lnL>
-                    <a:lnR>
-                      <a:noFill/>
-                    </a:lnR>
-                    <a:lnT>
-                      <a:noFill/>
-                    </a:lnT>
-                    <a:lnB>
-                      <a:noFill/>
-                    </a:lnB>
-                  </a:tcPr>
-                </a:tc>
-                <a:tc>
-                  <a:txBody>
-                    <a:bodyPr/>
-                    <a:lstStyle/>
-                    <a:p>
-                      <a:r>
-                        <a:rPr lang="en-US" sz="600">
-                          <a:effectLst/>
-                        </a:rPr>
-                        <a:t>$17,577</a:t>
-                      </a:r>
-                    </a:p>
-                  </a:txBody>
-                  <a:tcPr marL="39118" marR="39118" marT="19559" marB="19559" anchor="ctr">
-                    <a:lnL>
-                      <a:noFill/>
-                    </a:lnL>
-                    <a:lnR>
-                      <a:noFill/>
-                    </a:lnR>
-                    <a:lnT>
-                      <a:noFill/>
-                    </a:lnT>
-                    <a:lnB>
-                      <a:noFill/>
-                    </a:lnB>
-                  </a:tcPr>
-                </a:tc>
-                <a:extLst>
-                  <a:ext uri="{0D108BD9-81ED-4DB2-BD59-A6C34878D82A}">
-                    <a16:rowId xmlns:a16="http://schemas.microsoft.com/office/drawing/2014/main" val="3950816839"/>
-                  </a:ext>
-                </a:extLst>
-              </a:tr>
-              <a:tr h="130393">
-                <a:tc>
-                  <a:txBody>
-                    <a:bodyPr/>
-                    <a:lstStyle/>
-                    <a:p>
-                      <a:r>
-                        <a:rPr lang="en-US" sz="600">
-                          <a:effectLst/>
-                        </a:rPr>
-                        <a:t>Melo’s Team</a:t>
-                      </a:r>
-                    </a:p>
-                  </a:txBody>
-                  <a:tcPr marL="39118" marR="39118" marT="19559" marB="19559" anchor="ctr">
-                    <a:lnL>
-                      <a:noFill/>
-                    </a:lnL>
-                    <a:lnR>
-                      <a:noFill/>
-                    </a:lnR>
-                    <a:lnT>
-                      <a:noFill/>
-                    </a:lnT>
-                    <a:lnB>
-                      <a:noFill/>
-                    </a:lnB>
-                  </a:tcPr>
-                </a:tc>
-                <a:tc>
-                  <a:txBody>
-                    <a:bodyPr/>
-                    <a:lstStyle/>
-                    <a:p>
-                      <a:r>
-                        <a:rPr lang="en-US" sz="600">
-                          <a:effectLst/>
-                        </a:rPr>
-                        <a:t>Sara Romero Vicente</a:t>
-                      </a:r>
-                    </a:p>
-                  </a:txBody>
-                  <a:tcPr marL="39118" marR="39118" marT="19559" marB="19559" anchor="ctr">
-                    <a:lnL>
-                      <a:noFill/>
-                    </a:lnL>
-                    <a:lnR>
-                      <a:noFill/>
-                    </a:lnR>
-                    <a:lnT>
-                      <a:noFill/>
-                    </a:lnT>
-                    <a:lnB>
-                      <a:noFill/>
-                    </a:lnB>
-                  </a:tcPr>
-                </a:tc>
-                <a:tc>
-                  <a:txBody>
-                    <a:bodyPr/>
-                    <a:lstStyle/>
-                    <a:p>
-                      <a:r>
-                        <a:rPr lang="en-US" sz="600">
-                          <a:effectLst/>
-                        </a:rPr>
-                        <a:t>Complete</a:t>
-                      </a:r>
-                    </a:p>
-                  </a:txBody>
-                  <a:tcPr marL="39118" marR="39118" marT="19559" marB="19559" anchor="ctr">
-                    <a:lnL>
-                      <a:noFill/>
-                    </a:lnL>
-                    <a:lnR>
-                      <a:noFill/>
-                    </a:lnR>
-                    <a:lnT>
-                      <a:noFill/>
-                    </a:lnT>
-                    <a:lnB>
-                      <a:noFill/>
-                    </a:lnB>
-                  </a:tcPr>
-                </a:tc>
-                <a:tc>
-                  <a:txBody>
-                    <a:bodyPr/>
-                    <a:lstStyle/>
-                    <a:p>
-                      <a:r>
-                        <a:rPr lang="en-US" sz="600">
-                          <a:effectLst/>
-                        </a:rPr>
-                        <a:t>$16,725</a:t>
-                      </a:r>
-                    </a:p>
-                  </a:txBody>
-                  <a:tcPr marL="39118" marR="39118" marT="19559" marB="19559" anchor="ctr">
-                    <a:lnL>
-                      <a:noFill/>
-                    </a:lnL>
-                    <a:lnR>
-                      <a:noFill/>
-                    </a:lnR>
-                    <a:lnT>
-                      <a:noFill/>
-                    </a:lnT>
-                    <a:lnB>
-                      <a:noFill/>
-                    </a:lnB>
-                  </a:tcPr>
-                </a:tc>
-                <a:extLst>
-                  <a:ext uri="{0D108BD9-81ED-4DB2-BD59-A6C34878D82A}">
-                    <a16:rowId xmlns:a16="http://schemas.microsoft.com/office/drawing/2014/main" val="2069531464"/>
-                  </a:ext>
-                </a:extLst>
-              </a:tr>
-              <a:tr h="130393">
-                <a:tc>
-                  <a:txBody>
-                    <a:bodyPr/>
-                    <a:lstStyle/>
-                    <a:p>
-                      <a:r>
-                        <a:rPr lang="en-US" sz="600">
-                          <a:effectLst/>
-                        </a:rPr>
-                        <a:t>Lenny's Chill Delights</a:t>
-                      </a:r>
-                    </a:p>
-                  </a:txBody>
-                  <a:tcPr marL="39118" marR="39118" marT="19559" marB="19559" anchor="ctr">
-                    <a:lnL>
-                      <a:noFill/>
-                    </a:lnL>
-                    <a:lnR>
-                      <a:noFill/>
-                    </a:lnR>
-                    <a:lnT>
-                      <a:noFill/>
-                    </a:lnT>
-                    <a:lnB>
-                      <a:noFill/>
-                    </a:lnB>
-                  </a:tcPr>
-                </a:tc>
-                <a:tc>
-                  <a:txBody>
-                    <a:bodyPr/>
-                    <a:lstStyle/>
-                    <a:p>
-                      <a:r>
-                        <a:rPr lang="en-US" sz="600">
-                          <a:effectLst/>
-                        </a:rPr>
-                        <a:t>Joshua Reese</a:t>
-                      </a:r>
-                    </a:p>
-                  </a:txBody>
-                  <a:tcPr marL="39118" marR="39118" marT="19559" marB="19559" anchor="ctr">
-                    <a:lnL>
-                      <a:noFill/>
-                    </a:lnL>
-                    <a:lnR>
-                      <a:noFill/>
-                    </a:lnR>
-                    <a:lnT>
-                      <a:noFill/>
-                    </a:lnT>
-                    <a:lnB>
-                      <a:noFill/>
-                    </a:lnB>
-                  </a:tcPr>
-                </a:tc>
-                <a:tc>
-                  <a:txBody>
-                    <a:bodyPr/>
-                    <a:lstStyle/>
-                    <a:p>
-                      <a:r>
-                        <a:rPr lang="en-US" sz="600">
-                          <a:effectLst/>
-                        </a:rPr>
-                        <a:t>Complete</a:t>
-                      </a:r>
-                    </a:p>
-                  </a:txBody>
-                  <a:tcPr marL="39118" marR="39118" marT="19559" marB="19559" anchor="ctr">
-                    <a:lnL>
-                      <a:noFill/>
-                    </a:lnL>
-                    <a:lnR>
-                      <a:noFill/>
-                    </a:lnR>
-                    <a:lnT>
-                      <a:noFill/>
-                    </a:lnT>
-                    <a:lnB>
-                      <a:noFill/>
-                    </a:lnB>
-                  </a:tcPr>
-                </a:tc>
-                <a:tc>
-                  <a:txBody>
-                    <a:bodyPr/>
-                    <a:lstStyle/>
-                    <a:p>
-                      <a:r>
-                        <a:rPr lang="en-US" sz="600">
-                          <a:effectLst/>
-                        </a:rPr>
-                        <a:t>$15,915</a:t>
-                      </a:r>
-                    </a:p>
-                  </a:txBody>
-                  <a:tcPr marL="39118" marR="39118" marT="19559" marB="19559" anchor="ctr">
-                    <a:lnL>
-                      <a:noFill/>
-                    </a:lnL>
-                    <a:lnR>
-                      <a:noFill/>
-                    </a:lnR>
-                    <a:lnT>
-                      <a:noFill/>
-                    </a:lnT>
-                    <a:lnB>
-                      <a:noFill/>
-                    </a:lnB>
-                  </a:tcPr>
-                </a:tc>
-                <a:extLst>
-                  <a:ext uri="{0D108BD9-81ED-4DB2-BD59-A6C34878D82A}">
-                    <a16:rowId xmlns:a16="http://schemas.microsoft.com/office/drawing/2014/main" val="1880819333"/>
-                  </a:ext>
-                </a:extLst>
-              </a:tr>
-              <a:tr h="130393">
-                <a:tc>
-                  <a:txBody>
-                    <a:bodyPr/>
-                    <a:lstStyle/>
-                    <a:p>
-                      <a:r>
-                        <a:rPr lang="en-US" sz="600">
-                          <a:effectLst/>
-                        </a:rPr>
-                        <a:t>Paradigm Food Services</a:t>
-                      </a:r>
-                    </a:p>
-                  </a:txBody>
-                  <a:tcPr marL="39118" marR="39118" marT="19559" marB="19559" anchor="ctr">
-                    <a:lnL>
-                      <a:noFill/>
-                    </a:lnL>
-                    <a:lnR>
-                      <a:noFill/>
-                    </a:lnR>
-                    <a:lnT>
-                      <a:noFill/>
-                    </a:lnT>
-                    <a:lnB>
-                      <a:noFill/>
-                    </a:lnB>
-                  </a:tcPr>
-                </a:tc>
-                <a:tc>
-                  <a:txBody>
-                    <a:bodyPr/>
-                    <a:lstStyle/>
-                    <a:p>
-                      <a:r>
-                        <a:rPr lang="en-US" sz="600">
-                          <a:effectLst/>
-                        </a:rPr>
-                        <a:t>Mike Chinea</a:t>
-                      </a:r>
-                    </a:p>
-                  </a:txBody>
-                  <a:tcPr marL="39118" marR="39118" marT="19559" marB="19559" anchor="ctr">
-                    <a:lnL>
-                      <a:noFill/>
-                    </a:lnL>
-                    <a:lnR>
-                      <a:noFill/>
-                    </a:lnR>
-                    <a:lnT>
-                      <a:noFill/>
-                    </a:lnT>
-                    <a:lnB>
-                      <a:noFill/>
-                    </a:lnB>
-                  </a:tcPr>
-                </a:tc>
-                <a:tc>
-                  <a:txBody>
-                    <a:bodyPr/>
-                    <a:lstStyle/>
-                    <a:p>
-                      <a:r>
-                        <a:rPr lang="en-US" sz="600">
-                          <a:effectLst/>
-                        </a:rPr>
-                        <a:t>Complete</a:t>
-                      </a:r>
-                    </a:p>
-                  </a:txBody>
-                  <a:tcPr marL="39118" marR="39118" marT="19559" marB="19559" anchor="ctr">
-                    <a:lnL>
-                      <a:noFill/>
-                    </a:lnL>
-                    <a:lnR>
-                      <a:noFill/>
-                    </a:lnR>
-                    <a:lnT>
-                      <a:noFill/>
-                    </a:lnT>
-                    <a:lnB>
-                      <a:noFill/>
-                    </a:lnB>
-                  </a:tcPr>
-                </a:tc>
-                <a:tc>
-                  <a:txBody>
-                    <a:bodyPr/>
-                    <a:lstStyle/>
-                    <a:p>
-                      <a:r>
-                        <a:rPr lang="en-US" sz="600">
-                          <a:effectLst/>
-                        </a:rPr>
-                        <a:t>$15,042</a:t>
-                      </a:r>
-                    </a:p>
-                  </a:txBody>
-                  <a:tcPr marL="39118" marR="39118" marT="19559" marB="19559" anchor="ctr">
-                    <a:lnL>
-                      <a:noFill/>
-                    </a:lnL>
-                    <a:lnR>
-                      <a:noFill/>
-                    </a:lnR>
-                    <a:lnT>
-                      <a:noFill/>
-                    </a:lnT>
-                    <a:lnB>
-                      <a:noFill/>
-                    </a:lnB>
-                  </a:tcPr>
-                </a:tc>
-                <a:extLst>
-                  <a:ext uri="{0D108BD9-81ED-4DB2-BD59-A6C34878D82A}">
-                    <a16:rowId xmlns:a16="http://schemas.microsoft.com/office/drawing/2014/main" val="3980890534"/>
-                  </a:ext>
-                </a:extLst>
-              </a:tr>
-              <a:tr h="221668">
-                <a:tc>
-                  <a:txBody>
-                    <a:bodyPr/>
-                    <a:lstStyle/>
-                    <a:p>
-                      <a:r>
-                        <a:rPr lang="en-US" sz="600">
-                          <a:effectLst/>
-                        </a:rPr>
-                        <a:t>Robert's Dessert Paradise</a:t>
-                      </a:r>
-                    </a:p>
-                  </a:txBody>
-                  <a:tcPr marL="39118" marR="39118" marT="19559" marB="19559" anchor="ctr">
-                    <a:lnL>
-                      <a:noFill/>
-                    </a:lnL>
-                    <a:lnR>
-                      <a:noFill/>
-                    </a:lnR>
-                    <a:lnT>
-                      <a:noFill/>
-                    </a:lnT>
-                    <a:lnB>
-                      <a:noFill/>
-                    </a:lnB>
-                  </a:tcPr>
-                </a:tc>
-                <a:tc>
-                  <a:txBody>
-                    <a:bodyPr/>
-                    <a:lstStyle/>
-                    <a:p>
-                      <a:r>
-                        <a:rPr lang="en-US" sz="600">
-                          <a:effectLst/>
-                        </a:rPr>
-                        <a:t>Robert Nottingham</a:t>
-                      </a:r>
-                    </a:p>
-                  </a:txBody>
-                  <a:tcPr marL="39118" marR="39118" marT="19559" marB="19559" anchor="ctr">
-                    <a:lnL>
-                      <a:noFill/>
-                    </a:lnL>
-                    <a:lnR>
-                      <a:noFill/>
-                    </a:lnR>
-                    <a:lnT>
-                      <a:noFill/>
-                    </a:lnT>
-                    <a:lnB>
-                      <a:noFill/>
-                    </a:lnB>
-                  </a:tcPr>
-                </a:tc>
-                <a:tc>
-                  <a:txBody>
-                    <a:bodyPr/>
-                    <a:lstStyle/>
-                    <a:p>
-                      <a:r>
-                        <a:rPr lang="en-US" sz="600">
-                          <a:effectLst/>
-                        </a:rPr>
-                        <a:t>Complete</a:t>
-                      </a:r>
-                    </a:p>
-                  </a:txBody>
-                  <a:tcPr marL="39118" marR="39118" marT="19559" marB="19559" anchor="ctr">
-                    <a:lnL>
-                      <a:noFill/>
-                    </a:lnL>
-                    <a:lnR>
-                      <a:noFill/>
-                    </a:lnR>
-                    <a:lnT>
-                      <a:noFill/>
-                    </a:lnT>
-                    <a:lnB>
-                      <a:noFill/>
-                    </a:lnB>
-                  </a:tcPr>
-                </a:tc>
-                <a:tc>
-                  <a:txBody>
-                    <a:bodyPr/>
-                    <a:lstStyle/>
-                    <a:p>
-                      <a:r>
-                        <a:rPr lang="en-US" sz="600">
-                          <a:effectLst/>
-                        </a:rPr>
-                        <a:t>$14,667</a:t>
-                      </a:r>
-                    </a:p>
-                  </a:txBody>
-                  <a:tcPr marL="39118" marR="39118" marT="19559" marB="19559" anchor="ctr">
-                    <a:lnL>
-                      <a:noFill/>
-                    </a:lnL>
-                    <a:lnR>
-                      <a:noFill/>
-                    </a:lnR>
-                    <a:lnT>
-                      <a:noFill/>
-                    </a:lnT>
-                    <a:lnB>
-                      <a:noFill/>
-                    </a:lnB>
-                  </a:tcPr>
-                </a:tc>
-                <a:extLst>
-                  <a:ext uri="{0D108BD9-81ED-4DB2-BD59-A6C34878D82A}">
-                    <a16:rowId xmlns:a16="http://schemas.microsoft.com/office/drawing/2014/main" val="3497249422"/>
-                  </a:ext>
-                </a:extLst>
-              </a:tr>
-              <a:tr h="130393">
-                <a:tc>
-                  <a:txBody>
-                    <a:bodyPr/>
-                    <a:lstStyle/>
-                    <a:p>
-                      <a:r>
-                        <a:rPr lang="en-US" sz="600">
-                          <a:effectLst/>
-                        </a:rPr>
-                        <a:t>Purpleberry</a:t>
-                      </a:r>
-                    </a:p>
-                  </a:txBody>
-                  <a:tcPr marL="39118" marR="39118" marT="19559" marB="19559" anchor="ctr">
-                    <a:lnL>
-                      <a:noFill/>
-                    </a:lnL>
-                    <a:lnR>
-                      <a:noFill/>
-                    </a:lnR>
-                    <a:lnT>
-                      <a:noFill/>
-                    </a:lnT>
-                    <a:lnB>
-                      <a:noFill/>
-                    </a:lnB>
-                  </a:tcPr>
-                </a:tc>
-                <a:tc>
-                  <a:txBody>
-                    <a:bodyPr/>
-                    <a:lstStyle/>
-                    <a:p>
-                      <a:r>
-                        <a:rPr lang="en-US" sz="600">
-                          <a:effectLst/>
-                        </a:rPr>
-                        <a:t>Syed Haroon Yusuf</a:t>
-                      </a:r>
-                    </a:p>
-                  </a:txBody>
-                  <a:tcPr marL="39118" marR="39118" marT="19559" marB="19559" anchor="ctr">
-                    <a:lnL>
-                      <a:noFill/>
-                    </a:lnL>
-                    <a:lnR>
-                      <a:noFill/>
-                    </a:lnR>
-                    <a:lnT>
-                      <a:noFill/>
-                    </a:lnT>
-                    <a:lnB>
-                      <a:noFill/>
-                    </a:lnB>
-                  </a:tcPr>
-                </a:tc>
-                <a:tc>
-                  <a:txBody>
-                    <a:bodyPr/>
-                    <a:lstStyle/>
-                    <a:p>
-                      <a:r>
-                        <a:rPr lang="en-US" sz="600">
-                          <a:effectLst/>
-                        </a:rPr>
-                        <a:t>Complete</a:t>
-                      </a:r>
-                    </a:p>
-                  </a:txBody>
-                  <a:tcPr marL="39118" marR="39118" marT="19559" marB="19559" anchor="ctr">
-                    <a:lnL>
-                      <a:noFill/>
-                    </a:lnL>
-                    <a:lnR>
-                      <a:noFill/>
-                    </a:lnR>
-                    <a:lnT>
-                      <a:noFill/>
-                    </a:lnT>
-                    <a:lnB>
-                      <a:noFill/>
-                    </a:lnB>
-                  </a:tcPr>
-                </a:tc>
-                <a:tc>
-                  <a:txBody>
-                    <a:bodyPr/>
-                    <a:lstStyle/>
-                    <a:p>
-                      <a:r>
-                        <a:rPr lang="en-US" sz="600">
-                          <a:effectLst/>
-                        </a:rPr>
-                        <a:t>$13,356</a:t>
-                      </a:r>
-                    </a:p>
-                  </a:txBody>
-                  <a:tcPr marL="39118" marR="39118" marT="19559" marB="19559" anchor="ctr">
-                    <a:lnL>
-                      <a:noFill/>
-                    </a:lnL>
-                    <a:lnR>
-                      <a:noFill/>
-                    </a:lnR>
-                    <a:lnT>
-                      <a:noFill/>
-                    </a:lnT>
-                    <a:lnB>
-                      <a:noFill/>
-                    </a:lnB>
-                  </a:tcPr>
-                </a:tc>
-                <a:extLst>
-                  <a:ext uri="{0D108BD9-81ED-4DB2-BD59-A6C34878D82A}">
-                    <a16:rowId xmlns:a16="http://schemas.microsoft.com/office/drawing/2014/main" val="4131162623"/>
-                  </a:ext>
-                </a:extLst>
-              </a:tr>
-              <a:tr h="130393">
-                <a:tc>
-                  <a:txBody>
-                    <a:bodyPr/>
-                    <a:lstStyle/>
-                    <a:p>
-                      <a:r>
-                        <a:rPr lang="en-US" sz="600">
-                          <a:effectLst/>
-                        </a:rPr>
-                        <a:t>Yingquan Li's Team</a:t>
-                      </a:r>
-                    </a:p>
-                  </a:txBody>
-                  <a:tcPr marL="39118" marR="39118" marT="19559" marB="19559" anchor="ctr">
-                    <a:lnL>
-                      <a:noFill/>
-                    </a:lnL>
-                    <a:lnR>
-                      <a:noFill/>
-                    </a:lnR>
-                    <a:lnT>
-                      <a:noFill/>
-                    </a:lnT>
-                    <a:lnB>
-                      <a:noFill/>
-                    </a:lnB>
-                  </a:tcPr>
-                </a:tc>
-                <a:tc>
-                  <a:txBody>
-                    <a:bodyPr/>
-                    <a:lstStyle/>
-                    <a:p>
-                      <a:r>
-                        <a:rPr lang="en-US" sz="600">
-                          <a:effectLst/>
-                        </a:rPr>
-                        <a:t>Yingquan Li</a:t>
-                      </a:r>
-                    </a:p>
-                  </a:txBody>
-                  <a:tcPr marL="39118" marR="39118" marT="19559" marB="19559" anchor="ctr">
-                    <a:lnL>
-                      <a:noFill/>
-                    </a:lnL>
-                    <a:lnR>
-                      <a:noFill/>
-                    </a:lnR>
-                    <a:lnT>
-                      <a:noFill/>
-                    </a:lnT>
-                    <a:lnB>
-                      <a:noFill/>
-                    </a:lnB>
-                  </a:tcPr>
-                </a:tc>
-                <a:tc>
-                  <a:txBody>
-                    <a:bodyPr/>
-                    <a:lstStyle/>
-                    <a:p>
-                      <a:r>
-                        <a:rPr lang="en-US" sz="600">
-                          <a:effectLst/>
-                        </a:rPr>
-                        <a:t>Complete</a:t>
-                      </a:r>
-                    </a:p>
-                  </a:txBody>
-                  <a:tcPr marL="39118" marR="39118" marT="19559" marB="19559" anchor="ctr">
-                    <a:lnL>
-                      <a:noFill/>
-                    </a:lnL>
-                    <a:lnR>
-                      <a:noFill/>
-                    </a:lnR>
-                    <a:lnT>
-                      <a:noFill/>
-                    </a:lnT>
-                    <a:lnB>
-                      <a:noFill/>
-                    </a:lnB>
-                  </a:tcPr>
-                </a:tc>
-                <a:tc>
-                  <a:txBody>
-                    <a:bodyPr/>
-                    <a:lstStyle/>
-                    <a:p>
-                      <a:r>
-                        <a:rPr lang="en-US" sz="600">
-                          <a:effectLst/>
-                        </a:rPr>
-                        <a:t>$11,427</a:t>
-                      </a:r>
-                    </a:p>
-                  </a:txBody>
-                  <a:tcPr marL="39118" marR="39118" marT="19559" marB="19559" anchor="ctr">
-                    <a:lnL>
-                      <a:noFill/>
-                    </a:lnL>
-                    <a:lnR>
-                      <a:noFill/>
-                    </a:lnR>
-                    <a:lnT>
-                      <a:noFill/>
-                    </a:lnT>
-                    <a:lnB>
-                      <a:noFill/>
-                    </a:lnB>
-                  </a:tcPr>
-                </a:tc>
-                <a:extLst>
-                  <a:ext uri="{0D108BD9-81ED-4DB2-BD59-A6C34878D82A}">
-                    <a16:rowId xmlns:a16="http://schemas.microsoft.com/office/drawing/2014/main" val="686838382"/>
-                  </a:ext>
-                </a:extLst>
-              </a:tr>
-              <a:tr h="130393">
-                <a:tc>
-                  <a:txBody>
-                    <a:bodyPr/>
-                    <a:lstStyle/>
-                    <a:p>
-                      <a:r>
-                        <a:rPr lang="en-US" sz="600">
-                          <a:effectLst/>
-                        </a:rPr>
-                        <a:t>Mehar Chawla's Team</a:t>
-                      </a:r>
-                    </a:p>
-                  </a:txBody>
-                  <a:tcPr marL="39118" marR="39118" marT="19559" marB="19559" anchor="ctr">
-                    <a:lnL>
-                      <a:noFill/>
-                    </a:lnL>
-                    <a:lnR>
-                      <a:noFill/>
-                    </a:lnR>
-                    <a:lnT>
-                      <a:noFill/>
-                    </a:lnT>
-                    <a:lnB>
-                      <a:noFill/>
-                    </a:lnB>
-                  </a:tcPr>
-                </a:tc>
-                <a:tc>
-                  <a:txBody>
-                    <a:bodyPr/>
-                    <a:lstStyle/>
-                    <a:p>
-                      <a:r>
-                        <a:rPr lang="en-US" sz="600">
-                          <a:effectLst/>
-                        </a:rPr>
-                        <a:t>Mehar Chawla</a:t>
-                      </a:r>
-                    </a:p>
-                  </a:txBody>
-                  <a:tcPr marL="39118" marR="39118" marT="19559" marB="19559" anchor="ctr">
-                    <a:lnL>
-                      <a:noFill/>
-                    </a:lnL>
-                    <a:lnR>
-                      <a:noFill/>
-                    </a:lnR>
-                    <a:lnT>
-                      <a:noFill/>
-                    </a:lnT>
-                    <a:lnB>
-                      <a:noFill/>
-                    </a:lnB>
-                  </a:tcPr>
-                </a:tc>
-                <a:tc>
-                  <a:txBody>
-                    <a:bodyPr/>
-                    <a:lstStyle/>
-                    <a:p>
-                      <a:r>
-                        <a:rPr lang="en-US" sz="600">
-                          <a:effectLst/>
-                        </a:rPr>
-                        <a:t>2</a:t>
-                      </a:r>
-                    </a:p>
-                  </a:txBody>
-                  <a:tcPr marL="39118" marR="39118" marT="19559" marB="19559" anchor="ctr">
-                    <a:lnL>
-                      <a:noFill/>
-                    </a:lnL>
-                    <a:lnR>
-                      <a:noFill/>
-                    </a:lnR>
-                    <a:lnT>
-                      <a:noFill/>
-                    </a:lnT>
-                    <a:lnB>
-                      <a:noFill/>
-                    </a:lnB>
-                  </a:tcPr>
-                </a:tc>
-                <a:tc>
-                  <a:txBody>
-                    <a:bodyPr/>
-                    <a:lstStyle/>
-                    <a:p>
-                      <a:r>
-                        <a:rPr lang="en-US" sz="600" dirty="0">
-                          <a:effectLst/>
-                        </a:rPr>
-                        <a:t>$4,221</a:t>
-                      </a:r>
-                    </a:p>
-                  </a:txBody>
-                  <a:tcPr marL="39118" marR="39118" marT="19559" marB="19559" anchor="ctr">
-                    <a:lnL>
-                      <a:noFill/>
-                    </a:lnL>
-                    <a:lnR>
-                      <a:noFill/>
-                    </a:lnR>
-                    <a:lnT>
-                      <a:noFill/>
-                    </a:lnT>
-                    <a:lnB>
-                      <a:noFill/>
-                    </a:lnB>
-                  </a:tcPr>
-                </a:tc>
-                <a:extLst>
-                  <a:ext uri="{0D108BD9-81ED-4DB2-BD59-A6C34878D82A}">
-                    <a16:rowId xmlns:a16="http://schemas.microsoft.com/office/drawing/2014/main" val="2954168142"/>
-                  </a:ext>
-                </a:extLst>
-              </a:tr>
-            </a:tbl>
-          </a:graphicData>
-        </a:graphic>
-      </p:graphicFrame>
-      <p:graphicFrame>
-        <p:nvGraphicFramePr>
-          <p:cNvPr id="5" name="Table 4">
-            <a:extLst>
-              <a:ext uri="{FF2B5EF4-FFF2-40B4-BE49-F238E27FC236}">
-                <a16:creationId xmlns:a16="http://schemas.microsoft.com/office/drawing/2014/main" id="{8CD664BE-D228-5DB3-FB1A-30C1294CBF70}"/>
-              </a:ext>
-            </a:extLst>
-          </p:cNvPr>
-          <p:cNvGraphicFramePr>
-            <a:graphicFrameLocks noGrp="1"/>
-          </p:cNvGraphicFramePr>
-          <p:nvPr/>
-        </p:nvGraphicFramePr>
-        <p:xfrm>
-          <a:off x="2749212" y="1104497"/>
-          <a:ext cx="3645576" cy="3512356"/>
-        </p:xfrm>
-        <a:graphic>
-          <a:graphicData uri="http://schemas.openxmlformats.org/drawingml/2006/table">
-            <a:tbl>
-              <a:tblPr/>
-              <a:tblGrid>
-                <a:gridCol w="911394">
-                  <a:extLst>
-                    <a:ext uri="{9D8B030D-6E8A-4147-A177-3AD203B41FA5}">
-                      <a16:colId xmlns:a16="http://schemas.microsoft.com/office/drawing/2014/main" val="34256830"/>
-                    </a:ext>
-                  </a:extLst>
-                </a:gridCol>
-                <a:gridCol w="911394">
-                  <a:extLst>
-                    <a:ext uri="{9D8B030D-6E8A-4147-A177-3AD203B41FA5}">
-                      <a16:colId xmlns:a16="http://schemas.microsoft.com/office/drawing/2014/main" val="888829994"/>
-                    </a:ext>
-                  </a:extLst>
-                </a:gridCol>
-                <a:gridCol w="911394">
-                  <a:extLst>
-                    <a:ext uri="{9D8B030D-6E8A-4147-A177-3AD203B41FA5}">
-                      <a16:colId xmlns:a16="http://schemas.microsoft.com/office/drawing/2014/main" val="2714293467"/>
-                    </a:ext>
-                  </a:extLst>
-                </a:gridCol>
-                <a:gridCol w="911394">
-                  <a:extLst>
-                    <a:ext uri="{9D8B030D-6E8A-4147-A177-3AD203B41FA5}">
-                      <a16:colId xmlns:a16="http://schemas.microsoft.com/office/drawing/2014/main" val="1965427149"/>
-                    </a:ext>
-                  </a:extLst>
-                </a:gridCol>
-              </a:tblGrid>
-              <a:tr h="130393">
-                <a:tc>
-                  <a:txBody>
-                    <a:bodyPr/>
-                    <a:lstStyle/>
-                    <a:p>
-                      <a:pPr algn="l"/>
-                      <a:r>
-                        <a:rPr lang="en-US" sz="600">
-                          <a:effectLst/>
-                        </a:rPr>
-                        <a:t>Name</a:t>
-                      </a:r>
-                    </a:p>
-                  </a:txBody>
-                  <a:tcPr marL="39118" marR="39118" marT="19559" marB="19559" anchor="ctr">
-                    <a:lnL>
-                      <a:noFill/>
-                    </a:lnL>
-                    <a:lnR>
-                      <a:noFill/>
-                    </a:lnR>
-                    <a:lnT>
-                      <a:noFill/>
-                    </a:lnT>
-                    <a:lnB>
-                      <a:noFill/>
-                    </a:lnB>
-                  </a:tcPr>
-                </a:tc>
-                <a:tc>
-                  <a:txBody>
-                    <a:bodyPr/>
-                    <a:lstStyle/>
-                    <a:p>
-                      <a:pPr algn="l"/>
-                      <a:r>
-                        <a:rPr lang="en-US" sz="600">
-                          <a:effectLst/>
-                        </a:rPr>
-                        <a:t>Users</a:t>
-                      </a:r>
-                    </a:p>
-                  </a:txBody>
-                  <a:tcPr marL="39118" marR="39118" marT="19559" marB="19559" anchor="ctr">
-                    <a:lnL>
-                      <a:noFill/>
-                    </a:lnL>
-                    <a:lnR>
-                      <a:noFill/>
-                    </a:lnR>
-                    <a:lnT>
-                      <a:noFill/>
-                    </a:lnT>
-                    <a:lnB>
-                      <a:noFill/>
-                    </a:lnB>
-                  </a:tcPr>
-                </a:tc>
-                <a:tc>
-                  <a:txBody>
-                    <a:bodyPr/>
-                    <a:lstStyle/>
-                    <a:p>
-                      <a:pPr algn="l"/>
-                      <a:r>
-                        <a:rPr lang="en-US" sz="600">
-                          <a:effectLst/>
-                        </a:rPr>
-                        <a:t>Week</a:t>
-                      </a:r>
-                    </a:p>
-                  </a:txBody>
-                  <a:tcPr marL="39118" marR="39118" marT="19559" marB="19559" anchor="ctr">
-                    <a:lnL>
-                      <a:noFill/>
-                    </a:lnL>
-                    <a:lnR>
-                      <a:noFill/>
-                    </a:lnR>
-                    <a:lnT>
-                      <a:noFill/>
-                    </a:lnT>
-                    <a:lnB>
-                      <a:noFill/>
-                    </a:lnB>
-                  </a:tcPr>
-                </a:tc>
-                <a:tc>
-                  <a:txBody>
-                    <a:bodyPr/>
-                    <a:lstStyle/>
-                    <a:p>
-                      <a:pPr algn="l"/>
-                      <a:r>
-                        <a:rPr lang="en-US" sz="600">
-                          <a:effectLst/>
-                        </a:rPr>
-                        <a:t>Current Revenue</a:t>
-                      </a:r>
-                    </a:p>
-                  </a:txBody>
-                  <a:tcPr marL="39118" marR="39118" marT="19559" marB="19559" anchor="ctr">
-                    <a:lnL>
-                      <a:noFill/>
-                    </a:lnL>
-                    <a:lnR>
-                      <a:noFill/>
-                    </a:lnR>
-                    <a:lnT>
-                      <a:noFill/>
-                    </a:lnT>
-                    <a:lnB>
-                      <a:noFill/>
-                    </a:lnB>
-                  </a:tcPr>
-                </a:tc>
-                <a:extLst>
-                  <a:ext uri="{0D108BD9-81ED-4DB2-BD59-A6C34878D82A}">
-                    <a16:rowId xmlns:a16="http://schemas.microsoft.com/office/drawing/2014/main" val="77459150"/>
-                  </a:ext>
-                </a:extLst>
-              </a:tr>
-              <a:tr h="221668">
-                <a:tc>
-                  <a:txBody>
-                    <a:bodyPr/>
-                    <a:lstStyle/>
-                    <a:p>
-                      <a:r>
-                        <a:rPr lang="en-US" sz="600">
-                          <a:effectLst/>
-                        </a:rPr>
-                        <a:t>Neswanth Keepudi's Team</a:t>
-                      </a:r>
-                    </a:p>
-                  </a:txBody>
-                  <a:tcPr marL="39118" marR="39118" marT="19559" marB="19559" anchor="ctr">
-                    <a:lnL>
-                      <a:noFill/>
-                    </a:lnL>
-                    <a:lnR>
-                      <a:noFill/>
-                    </a:lnR>
-                    <a:lnT>
-                      <a:noFill/>
-                    </a:lnT>
-                    <a:lnB>
-                      <a:noFill/>
-                    </a:lnB>
-                  </a:tcPr>
-                </a:tc>
-                <a:tc>
-                  <a:txBody>
-                    <a:bodyPr/>
-                    <a:lstStyle/>
-                    <a:p>
-                      <a:r>
-                        <a:rPr lang="en-US" sz="600">
-                          <a:effectLst/>
-                        </a:rPr>
-                        <a:t>Neswanth Keepudi</a:t>
-                      </a:r>
-                    </a:p>
-                  </a:txBody>
-                  <a:tcPr marL="39118" marR="39118" marT="19559" marB="19559" anchor="ctr">
-                    <a:lnL>
-                      <a:noFill/>
-                    </a:lnL>
-                    <a:lnR>
-                      <a:noFill/>
-                    </a:lnR>
-                    <a:lnT>
-                      <a:noFill/>
-                    </a:lnT>
-                    <a:lnB>
-                      <a:noFill/>
-                    </a:lnB>
-                  </a:tcPr>
-                </a:tc>
-                <a:tc>
-                  <a:txBody>
-                    <a:bodyPr/>
-                    <a:lstStyle/>
-                    <a:p>
-                      <a:r>
-                        <a:rPr lang="en-US" sz="600">
-                          <a:effectLst/>
-                        </a:rPr>
-                        <a:t>Complete</a:t>
-                      </a:r>
-                    </a:p>
-                  </a:txBody>
-                  <a:tcPr marL="39118" marR="39118" marT="19559" marB="19559" anchor="ctr">
-                    <a:lnL>
-                      <a:noFill/>
-                    </a:lnL>
-                    <a:lnR>
-                      <a:noFill/>
-                    </a:lnR>
-                    <a:lnT>
-                      <a:noFill/>
-                    </a:lnT>
-                    <a:lnB>
-                      <a:noFill/>
-                    </a:lnB>
-                  </a:tcPr>
-                </a:tc>
-                <a:tc>
-                  <a:txBody>
-                    <a:bodyPr/>
-                    <a:lstStyle/>
-                    <a:p>
-                      <a:r>
-                        <a:rPr lang="en-US" sz="600">
-                          <a:effectLst/>
-                        </a:rPr>
-                        <a:t>$37,269</a:t>
-                      </a:r>
-                    </a:p>
-                  </a:txBody>
-                  <a:tcPr marL="39118" marR="39118" marT="19559" marB="19559" anchor="ctr">
-                    <a:lnL>
-                      <a:noFill/>
-                    </a:lnL>
-                    <a:lnR>
-                      <a:noFill/>
-                    </a:lnR>
-                    <a:lnT>
-                      <a:noFill/>
-                    </a:lnT>
-                    <a:lnB>
-                      <a:noFill/>
-                    </a:lnB>
-                  </a:tcPr>
-                </a:tc>
-                <a:extLst>
-                  <a:ext uri="{0D108BD9-81ED-4DB2-BD59-A6C34878D82A}">
-                    <a16:rowId xmlns:a16="http://schemas.microsoft.com/office/drawing/2014/main" val="3488356394"/>
-                  </a:ext>
-                </a:extLst>
-              </a:tr>
-              <a:tr h="130393">
-                <a:tc>
-                  <a:txBody>
-                    <a:bodyPr/>
-                    <a:lstStyle/>
-                    <a:p>
-                      <a:r>
-                        <a:rPr lang="en-US" sz="600">
-                          <a:effectLst/>
-                        </a:rPr>
-                        <a:t>Jay Hullett</a:t>
-                      </a:r>
-                    </a:p>
-                  </a:txBody>
-                  <a:tcPr marL="39118" marR="39118" marT="19559" marB="19559" anchor="ctr">
-                    <a:lnL>
-                      <a:noFill/>
-                    </a:lnL>
-                    <a:lnR>
-                      <a:noFill/>
-                    </a:lnR>
-                    <a:lnT>
-                      <a:noFill/>
-                    </a:lnT>
-                    <a:lnB>
-                      <a:noFill/>
-                    </a:lnB>
-                  </a:tcPr>
-                </a:tc>
-                <a:tc>
-                  <a:txBody>
-                    <a:bodyPr/>
-                    <a:lstStyle/>
-                    <a:p>
-                      <a:r>
-                        <a:rPr lang="en-US" sz="600">
-                          <a:effectLst/>
-                        </a:rPr>
-                        <a:t>Jay Hullett</a:t>
-                      </a:r>
-                    </a:p>
-                  </a:txBody>
-                  <a:tcPr marL="39118" marR="39118" marT="19559" marB="19559" anchor="ctr">
-                    <a:lnL>
-                      <a:noFill/>
-                    </a:lnL>
-                    <a:lnR>
-                      <a:noFill/>
-                    </a:lnR>
-                    <a:lnT>
-                      <a:noFill/>
-                    </a:lnT>
-                    <a:lnB>
-                      <a:noFill/>
-                    </a:lnB>
-                  </a:tcPr>
-                </a:tc>
-                <a:tc>
-                  <a:txBody>
-                    <a:bodyPr/>
-                    <a:lstStyle/>
-                    <a:p>
-                      <a:r>
-                        <a:rPr lang="en-US" sz="600">
-                          <a:effectLst/>
-                        </a:rPr>
-                        <a:t>Complete</a:t>
-                      </a:r>
-                    </a:p>
-                  </a:txBody>
-                  <a:tcPr marL="39118" marR="39118" marT="19559" marB="19559" anchor="ctr">
-                    <a:lnL>
-                      <a:noFill/>
-                    </a:lnL>
-                    <a:lnR>
-                      <a:noFill/>
-                    </a:lnR>
-                    <a:lnT>
-                      <a:noFill/>
-                    </a:lnT>
-                    <a:lnB>
-                      <a:noFill/>
-                    </a:lnB>
-                  </a:tcPr>
-                </a:tc>
-                <a:tc>
-                  <a:txBody>
-                    <a:bodyPr/>
-                    <a:lstStyle/>
-                    <a:p>
-                      <a:r>
-                        <a:rPr lang="en-US" sz="600">
-                          <a:effectLst/>
-                        </a:rPr>
-                        <a:t>$34,002</a:t>
-                      </a:r>
-                    </a:p>
-                  </a:txBody>
-                  <a:tcPr marL="39118" marR="39118" marT="19559" marB="19559" anchor="ctr">
-                    <a:lnL>
-                      <a:noFill/>
-                    </a:lnL>
-                    <a:lnR>
-                      <a:noFill/>
-                    </a:lnR>
-                    <a:lnT>
-                      <a:noFill/>
-                    </a:lnT>
-                    <a:lnB>
-                      <a:noFill/>
-                    </a:lnB>
-                  </a:tcPr>
-                </a:tc>
-                <a:extLst>
-                  <a:ext uri="{0D108BD9-81ED-4DB2-BD59-A6C34878D82A}">
-                    <a16:rowId xmlns:a16="http://schemas.microsoft.com/office/drawing/2014/main" val="2741871627"/>
-                  </a:ext>
-                </a:extLst>
-              </a:tr>
-              <a:tr h="221668">
-                <a:tc>
-                  <a:txBody>
-                    <a:bodyPr/>
-                    <a:lstStyle/>
-                    <a:p>
-                      <a:r>
-                        <a:rPr lang="en-US" sz="600">
-                          <a:effectLst/>
-                        </a:rPr>
-                        <a:t>Haynes Chewning's Food Truck Challenge</a:t>
-                      </a:r>
-                    </a:p>
-                  </a:txBody>
-                  <a:tcPr marL="39118" marR="39118" marT="19559" marB="19559" anchor="ctr">
-                    <a:lnL>
-                      <a:noFill/>
-                    </a:lnL>
-                    <a:lnR>
-                      <a:noFill/>
-                    </a:lnR>
-                    <a:lnT>
-                      <a:noFill/>
-                    </a:lnT>
-                    <a:lnB>
-                      <a:noFill/>
-                    </a:lnB>
-                  </a:tcPr>
-                </a:tc>
-                <a:tc>
-                  <a:txBody>
-                    <a:bodyPr/>
-                    <a:lstStyle/>
-                    <a:p>
-                      <a:r>
-                        <a:rPr lang="en-US" sz="600">
-                          <a:effectLst/>
-                        </a:rPr>
-                        <a:t>Haynes Chewning</a:t>
-                      </a:r>
-                    </a:p>
-                  </a:txBody>
-                  <a:tcPr marL="39118" marR="39118" marT="19559" marB="19559" anchor="ctr">
-                    <a:lnL>
-                      <a:noFill/>
-                    </a:lnL>
-                    <a:lnR>
-                      <a:noFill/>
-                    </a:lnR>
-                    <a:lnT>
-                      <a:noFill/>
-                    </a:lnT>
-                    <a:lnB>
-                      <a:noFill/>
-                    </a:lnB>
-                  </a:tcPr>
-                </a:tc>
-                <a:tc>
-                  <a:txBody>
-                    <a:bodyPr/>
-                    <a:lstStyle/>
-                    <a:p>
-                      <a:r>
-                        <a:rPr lang="en-US" sz="600">
-                          <a:effectLst/>
-                        </a:rPr>
-                        <a:t>Complete</a:t>
-                      </a:r>
-                    </a:p>
-                  </a:txBody>
-                  <a:tcPr marL="39118" marR="39118" marT="19559" marB="19559" anchor="ctr">
-                    <a:lnL>
-                      <a:noFill/>
-                    </a:lnL>
-                    <a:lnR>
-                      <a:noFill/>
-                    </a:lnR>
-                    <a:lnT>
-                      <a:noFill/>
-                    </a:lnT>
-                    <a:lnB>
-                      <a:noFill/>
-                    </a:lnB>
-                  </a:tcPr>
-                </a:tc>
-                <a:tc>
-                  <a:txBody>
-                    <a:bodyPr/>
-                    <a:lstStyle/>
-                    <a:p>
-                      <a:r>
-                        <a:rPr lang="en-US" sz="600">
-                          <a:effectLst/>
-                        </a:rPr>
-                        <a:t>$33,234</a:t>
-                      </a:r>
-                    </a:p>
-                  </a:txBody>
-                  <a:tcPr marL="39118" marR="39118" marT="19559" marB="19559" anchor="ctr">
-                    <a:lnL>
-                      <a:noFill/>
-                    </a:lnL>
-                    <a:lnR>
-                      <a:noFill/>
-                    </a:lnR>
-                    <a:lnT>
-                      <a:noFill/>
-                    </a:lnT>
-                    <a:lnB>
-                      <a:noFill/>
-                    </a:lnB>
-                  </a:tcPr>
-                </a:tc>
-                <a:extLst>
-                  <a:ext uri="{0D108BD9-81ED-4DB2-BD59-A6C34878D82A}">
-                    <a16:rowId xmlns:a16="http://schemas.microsoft.com/office/drawing/2014/main" val="389217972"/>
-                  </a:ext>
-                </a:extLst>
-              </a:tr>
-              <a:tr h="130393">
-                <a:tc>
-                  <a:txBody>
-                    <a:bodyPr/>
-                    <a:lstStyle/>
-                    <a:p>
-                      <a:r>
-                        <a:rPr lang="en-US" sz="600">
-                          <a:effectLst/>
-                        </a:rPr>
-                        <a:t>Anusha Kallige Bhasker</a:t>
-                      </a:r>
-                    </a:p>
-                  </a:txBody>
-                  <a:tcPr marL="39118" marR="39118" marT="19559" marB="19559" anchor="ctr">
-                    <a:lnL>
-                      <a:noFill/>
-                    </a:lnL>
-                    <a:lnR>
-                      <a:noFill/>
-                    </a:lnR>
-                    <a:lnT>
-                      <a:noFill/>
-                    </a:lnT>
-                    <a:lnB>
-                      <a:noFill/>
-                    </a:lnB>
-                  </a:tcPr>
-                </a:tc>
-                <a:tc>
-                  <a:txBody>
-                    <a:bodyPr/>
-                    <a:lstStyle/>
-                    <a:p>
-                      <a:r>
-                        <a:rPr lang="en-US" sz="600">
-                          <a:effectLst/>
-                        </a:rPr>
-                        <a:t>Anusha Kallige Bhasker</a:t>
-                      </a:r>
-                    </a:p>
-                  </a:txBody>
-                  <a:tcPr marL="39118" marR="39118" marT="19559" marB="19559" anchor="ctr">
-                    <a:lnL>
-                      <a:noFill/>
-                    </a:lnL>
-                    <a:lnR>
-                      <a:noFill/>
-                    </a:lnR>
-                    <a:lnT>
-                      <a:noFill/>
-                    </a:lnT>
-                    <a:lnB>
-                      <a:noFill/>
-                    </a:lnB>
-                  </a:tcPr>
-                </a:tc>
-                <a:tc>
-                  <a:txBody>
-                    <a:bodyPr/>
-                    <a:lstStyle/>
-                    <a:p>
-                      <a:r>
-                        <a:rPr lang="en-US" sz="600">
-                          <a:effectLst/>
-                        </a:rPr>
-                        <a:t>Complete</a:t>
-                      </a:r>
-                    </a:p>
-                  </a:txBody>
-                  <a:tcPr marL="39118" marR="39118" marT="19559" marB="19559" anchor="ctr">
-                    <a:lnL>
-                      <a:noFill/>
-                    </a:lnL>
-                    <a:lnR>
-                      <a:noFill/>
-                    </a:lnR>
-                    <a:lnT>
-                      <a:noFill/>
-                    </a:lnT>
-                    <a:lnB>
-                      <a:noFill/>
-                    </a:lnB>
-                  </a:tcPr>
-                </a:tc>
-                <a:tc>
-                  <a:txBody>
-                    <a:bodyPr/>
-                    <a:lstStyle/>
-                    <a:p>
-                      <a:r>
-                        <a:rPr lang="en-US" sz="600">
-                          <a:effectLst/>
-                        </a:rPr>
-                        <a:t>$27,045</a:t>
-                      </a:r>
-                    </a:p>
-                  </a:txBody>
-                  <a:tcPr marL="39118" marR="39118" marT="19559" marB="19559" anchor="ctr">
-                    <a:lnL>
-                      <a:noFill/>
-                    </a:lnL>
-                    <a:lnR>
-                      <a:noFill/>
-                    </a:lnR>
-                    <a:lnT>
-                      <a:noFill/>
-                    </a:lnT>
-                    <a:lnB>
-                      <a:noFill/>
-                    </a:lnB>
-                  </a:tcPr>
-                </a:tc>
-                <a:extLst>
-                  <a:ext uri="{0D108BD9-81ED-4DB2-BD59-A6C34878D82A}">
-                    <a16:rowId xmlns:a16="http://schemas.microsoft.com/office/drawing/2014/main" val="1501607645"/>
-                  </a:ext>
-                </a:extLst>
-              </a:tr>
-              <a:tr h="130393">
-                <a:tc>
-                  <a:txBody>
-                    <a:bodyPr/>
-                    <a:lstStyle/>
-                    <a:p>
-                      <a:r>
-                        <a:rPr lang="en-US" sz="600">
-                          <a:effectLst/>
-                        </a:rPr>
-                        <a:t>Saran's Team</a:t>
-                      </a:r>
-                    </a:p>
-                  </a:txBody>
-                  <a:tcPr marL="39118" marR="39118" marT="19559" marB="19559" anchor="ctr">
-                    <a:lnL>
-                      <a:noFill/>
-                    </a:lnL>
-                    <a:lnR>
-                      <a:noFill/>
-                    </a:lnR>
-                    <a:lnT>
-                      <a:noFill/>
-                    </a:lnT>
-                    <a:lnB>
-                      <a:noFill/>
-                    </a:lnB>
-                  </a:tcPr>
-                </a:tc>
-                <a:tc>
-                  <a:txBody>
-                    <a:bodyPr/>
-                    <a:lstStyle/>
-                    <a:p>
-                      <a:r>
-                        <a:rPr lang="en-US" sz="600">
-                          <a:effectLst/>
-                        </a:rPr>
-                        <a:t>Saran Sankar</a:t>
-                      </a:r>
-                    </a:p>
-                  </a:txBody>
-                  <a:tcPr marL="39118" marR="39118" marT="19559" marB="19559" anchor="ctr">
-                    <a:lnL>
-                      <a:noFill/>
-                    </a:lnL>
-                    <a:lnR>
-                      <a:noFill/>
-                    </a:lnR>
-                    <a:lnT>
-                      <a:noFill/>
-                    </a:lnT>
-                    <a:lnB>
-                      <a:noFill/>
-                    </a:lnB>
-                  </a:tcPr>
-                </a:tc>
-                <a:tc>
-                  <a:txBody>
-                    <a:bodyPr/>
-                    <a:lstStyle/>
-                    <a:p>
-                      <a:r>
-                        <a:rPr lang="en-US" sz="600">
-                          <a:effectLst/>
-                        </a:rPr>
-                        <a:t>Complete</a:t>
-                      </a:r>
-                    </a:p>
-                  </a:txBody>
-                  <a:tcPr marL="39118" marR="39118" marT="19559" marB="19559" anchor="ctr">
-                    <a:lnL>
-                      <a:noFill/>
-                    </a:lnL>
-                    <a:lnR>
-                      <a:noFill/>
-                    </a:lnR>
-                    <a:lnT>
-                      <a:noFill/>
-                    </a:lnT>
-                    <a:lnB>
-                      <a:noFill/>
-                    </a:lnB>
-                  </a:tcPr>
-                </a:tc>
-                <a:tc>
-                  <a:txBody>
-                    <a:bodyPr/>
-                    <a:lstStyle/>
-                    <a:p>
-                      <a:r>
-                        <a:rPr lang="en-US" sz="600">
-                          <a:effectLst/>
-                        </a:rPr>
-                        <a:t>$26,946</a:t>
-                      </a:r>
-                    </a:p>
-                  </a:txBody>
-                  <a:tcPr marL="39118" marR="39118" marT="19559" marB="19559" anchor="ctr">
-                    <a:lnL>
-                      <a:noFill/>
-                    </a:lnL>
-                    <a:lnR>
-                      <a:noFill/>
-                    </a:lnR>
-                    <a:lnT>
-                      <a:noFill/>
-                    </a:lnT>
-                    <a:lnB>
-                      <a:noFill/>
-                    </a:lnB>
-                  </a:tcPr>
-                </a:tc>
-                <a:extLst>
-                  <a:ext uri="{0D108BD9-81ED-4DB2-BD59-A6C34878D82A}">
-                    <a16:rowId xmlns:a16="http://schemas.microsoft.com/office/drawing/2014/main" val="2105350631"/>
-                  </a:ext>
-                </a:extLst>
-              </a:tr>
-              <a:tr h="312943">
-                <a:tc>
-                  <a:txBody>
-                    <a:bodyPr/>
-                    <a:lstStyle/>
-                    <a:p>
-                      <a:r>
-                        <a:rPr lang="en-US" sz="600">
-                          <a:effectLst/>
-                        </a:rPr>
-                        <a:t>Poojitha Thorekadanahalli Anandhkumar</a:t>
-                      </a:r>
-                    </a:p>
-                  </a:txBody>
-                  <a:tcPr marL="39118" marR="39118" marT="19559" marB="19559" anchor="ctr">
-                    <a:lnL>
-                      <a:noFill/>
-                    </a:lnL>
-                    <a:lnR>
-                      <a:noFill/>
-                    </a:lnR>
-                    <a:lnT>
-                      <a:noFill/>
-                    </a:lnT>
-                    <a:lnB>
-                      <a:noFill/>
-                    </a:lnB>
-                  </a:tcPr>
-                </a:tc>
-                <a:tc>
-                  <a:txBody>
-                    <a:bodyPr/>
-                    <a:lstStyle/>
-                    <a:p>
-                      <a:r>
-                        <a:rPr lang="en-US" sz="600">
-                          <a:effectLst/>
-                        </a:rPr>
-                        <a:t>Poojitha Thorekadanahalli Anandhkumar</a:t>
-                      </a:r>
-                    </a:p>
-                  </a:txBody>
-                  <a:tcPr marL="39118" marR="39118" marT="19559" marB="19559" anchor="ctr">
-                    <a:lnL>
-                      <a:noFill/>
-                    </a:lnL>
-                    <a:lnR>
-                      <a:noFill/>
-                    </a:lnR>
-                    <a:lnT>
-                      <a:noFill/>
-                    </a:lnT>
-                    <a:lnB>
-                      <a:noFill/>
-                    </a:lnB>
-                  </a:tcPr>
-                </a:tc>
-                <a:tc>
-                  <a:txBody>
-                    <a:bodyPr/>
-                    <a:lstStyle/>
-                    <a:p>
-                      <a:r>
-                        <a:rPr lang="en-US" sz="600">
-                          <a:effectLst/>
-                        </a:rPr>
-                        <a:t>Complete</a:t>
-                      </a:r>
-                    </a:p>
-                  </a:txBody>
-                  <a:tcPr marL="39118" marR="39118" marT="19559" marB="19559" anchor="ctr">
-                    <a:lnL>
-                      <a:noFill/>
-                    </a:lnL>
-                    <a:lnR>
-                      <a:noFill/>
-                    </a:lnR>
-                    <a:lnT>
-                      <a:noFill/>
-                    </a:lnT>
-                    <a:lnB>
-                      <a:noFill/>
-                    </a:lnB>
-                  </a:tcPr>
-                </a:tc>
-                <a:tc>
-                  <a:txBody>
-                    <a:bodyPr/>
-                    <a:lstStyle/>
-                    <a:p>
-                      <a:r>
-                        <a:rPr lang="en-US" sz="600">
-                          <a:effectLst/>
-                        </a:rPr>
-                        <a:t>$26,904</a:t>
-                      </a:r>
-                    </a:p>
-                  </a:txBody>
-                  <a:tcPr marL="39118" marR="39118" marT="19559" marB="19559" anchor="ctr">
-                    <a:lnL>
-                      <a:noFill/>
-                    </a:lnL>
-                    <a:lnR>
-                      <a:noFill/>
-                    </a:lnR>
-                    <a:lnT>
-                      <a:noFill/>
-                    </a:lnT>
-                    <a:lnB>
-                      <a:noFill/>
-                    </a:lnB>
-                  </a:tcPr>
-                </a:tc>
-                <a:extLst>
-                  <a:ext uri="{0D108BD9-81ED-4DB2-BD59-A6C34878D82A}">
-                    <a16:rowId xmlns:a16="http://schemas.microsoft.com/office/drawing/2014/main" val="3479278525"/>
-                  </a:ext>
-                </a:extLst>
-              </a:tr>
-              <a:tr h="130393">
-                <a:tc>
-                  <a:txBody>
-                    <a:bodyPr/>
-                    <a:lstStyle/>
-                    <a:p>
-                      <a:r>
-                        <a:rPr lang="en-US" sz="600">
-                          <a:effectLst/>
-                        </a:rPr>
-                        <a:t>Gasser's Team</a:t>
-                      </a:r>
-                    </a:p>
-                  </a:txBody>
-                  <a:tcPr marL="39118" marR="39118" marT="19559" marB="19559" anchor="ctr">
-                    <a:lnL>
-                      <a:noFill/>
-                    </a:lnL>
-                    <a:lnR>
-                      <a:noFill/>
-                    </a:lnR>
-                    <a:lnT>
-                      <a:noFill/>
-                    </a:lnT>
-                    <a:lnB>
-                      <a:noFill/>
-                    </a:lnB>
-                  </a:tcPr>
-                </a:tc>
-                <a:tc>
-                  <a:txBody>
-                    <a:bodyPr/>
-                    <a:lstStyle/>
-                    <a:p>
-                      <a:r>
-                        <a:rPr lang="en-US" sz="600">
-                          <a:effectLst/>
-                        </a:rPr>
-                        <a:t>Gasser Ahmed</a:t>
-                      </a:r>
-                    </a:p>
-                  </a:txBody>
-                  <a:tcPr marL="39118" marR="39118" marT="19559" marB="19559" anchor="ctr">
-                    <a:lnL>
-                      <a:noFill/>
-                    </a:lnL>
-                    <a:lnR>
-                      <a:noFill/>
-                    </a:lnR>
-                    <a:lnT>
-                      <a:noFill/>
-                    </a:lnT>
-                    <a:lnB>
-                      <a:noFill/>
-                    </a:lnB>
-                  </a:tcPr>
-                </a:tc>
-                <a:tc>
-                  <a:txBody>
-                    <a:bodyPr/>
-                    <a:lstStyle/>
-                    <a:p>
-                      <a:r>
-                        <a:rPr lang="en-US" sz="600">
-                          <a:effectLst/>
-                        </a:rPr>
-                        <a:t>Complete</a:t>
-                      </a:r>
-                    </a:p>
-                  </a:txBody>
-                  <a:tcPr marL="39118" marR="39118" marT="19559" marB="19559" anchor="ctr">
-                    <a:lnL>
-                      <a:noFill/>
-                    </a:lnL>
-                    <a:lnR>
-                      <a:noFill/>
-                    </a:lnR>
-                    <a:lnT>
-                      <a:noFill/>
-                    </a:lnT>
-                    <a:lnB>
-                      <a:noFill/>
-                    </a:lnB>
-                  </a:tcPr>
-                </a:tc>
-                <a:tc>
-                  <a:txBody>
-                    <a:bodyPr/>
-                    <a:lstStyle/>
-                    <a:p>
-                      <a:r>
-                        <a:rPr lang="en-US" sz="600">
-                          <a:effectLst/>
-                        </a:rPr>
-                        <a:t>$25,812</a:t>
-                      </a:r>
-                    </a:p>
-                  </a:txBody>
-                  <a:tcPr marL="39118" marR="39118" marT="19559" marB="19559" anchor="ctr">
-                    <a:lnL>
-                      <a:noFill/>
-                    </a:lnL>
-                    <a:lnR>
-                      <a:noFill/>
-                    </a:lnR>
-                    <a:lnT>
-                      <a:noFill/>
-                    </a:lnT>
-                    <a:lnB>
-                      <a:noFill/>
-                    </a:lnB>
-                  </a:tcPr>
-                </a:tc>
-                <a:extLst>
-                  <a:ext uri="{0D108BD9-81ED-4DB2-BD59-A6C34878D82A}">
-                    <a16:rowId xmlns:a16="http://schemas.microsoft.com/office/drawing/2014/main" val="2708422798"/>
-                  </a:ext>
-                </a:extLst>
-              </a:tr>
-              <a:tr h="130393">
-                <a:tc>
-                  <a:txBody>
-                    <a:bodyPr/>
-                    <a:lstStyle/>
-                    <a:p>
-                      <a:r>
-                        <a:rPr lang="en-US" sz="600">
-                          <a:effectLst/>
-                        </a:rPr>
-                        <a:t>Big Moo Ice Cream</a:t>
-                      </a:r>
-                    </a:p>
-                  </a:txBody>
-                  <a:tcPr marL="39118" marR="39118" marT="19559" marB="19559" anchor="ctr">
-                    <a:lnL>
-                      <a:noFill/>
-                    </a:lnL>
-                    <a:lnR>
-                      <a:noFill/>
-                    </a:lnR>
-                    <a:lnT>
-                      <a:noFill/>
-                    </a:lnT>
-                    <a:lnB>
-                      <a:noFill/>
-                    </a:lnB>
-                  </a:tcPr>
-                </a:tc>
-                <a:tc>
-                  <a:txBody>
-                    <a:bodyPr/>
-                    <a:lstStyle/>
-                    <a:p>
-                      <a:r>
-                        <a:rPr lang="en-US" sz="600">
-                          <a:effectLst/>
-                        </a:rPr>
-                        <a:t>Luis Rosales</a:t>
-                      </a:r>
-                    </a:p>
-                  </a:txBody>
-                  <a:tcPr marL="39118" marR="39118" marT="19559" marB="19559" anchor="ctr">
-                    <a:lnL>
-                      <a:noFill/>
-                    </a:lnL>
-                    <a:lnR>
-                      <a:noFill/>
-                    </a:lnR>
-                    <a:lnT>
-                      <a:noFill/>
-                    </a:lnT>
-                    <a:lnB>
-                      <a:noFill/>
-                    </a:lnB>
-                  </a:tcPr>
-                </a:tc>
-                <a:tc>
-                  <a:txBody>
-                    <a:bodyPr/>
-                    <a:lstStyle/>
-                    <a:p>
-                      <a:r>
-                        <a:rPr lang="en-US" sz="600">
-                          <a:effectLst/>
-                        </a:rPr>
-                        <a:t>Complete</a:t>
-                      </a:r>
-                    </a:p>
-                  </a:txBody>
-                  <a:tcPr marL="39118" marR="39118" marT="19559" marB="19559" anchor="ctr">
-                    <a:lnL>
-                      <a:noFill/>
-                    </a:lnL>
-                    <a:lnR>
-                      <a:noFill/>
-                    </a:lnR>
-                    <a:lnT>
-                      <a:noFill/>
-                    </a:lnT>
-                    <a:lnB>
-                      <a:noFill/>
-                    </a:lnB>
-                  </a:tcPr>
-                </a:tc>
-                <a:tc>
-                  <a:txBody>
-                    <a:bodyPr/>
-                    <a:lstStyle/>
-                    <a:p>
-                      <a:r>
-                        <a:rPr lang="en-US" sz="600">
-                          <a:effectLst/>
-                        </a:rPr>
-                        <a:t>$22,725</a:t>
-                      </a:r>
-                    </a:p>
-                  </a:txBody>
-                  <a:tcPr marL="39118" marR="39118" marT="19559" marB="19559" anchor="ctr">
-                    <a:lnL>
-                      <a:noFill/>
-                    </a:lnL>
-                    <a:lnR>
-                      <a:noFill/>
-                    </a:lnR>
-                    <a:lnT>
-                      <a:noFill/>
-                    </a:lnT>
-                    <a:lnB>
-                      <a:noFill/>
-                    </a:lnB>
-                  </a:tcPr>
-                </a:tc>
-                <a:extLst>
-                  <a:ext uri="{0D108BD9-81ED-4DB2-BD59-A6C34878D82A}">
-                    <a16:rowId xmlns:a16="http://schemas.microsoft.com/office/drawing/2014/main" val="3464515716"/>
-                  </a:ext>
-                </a:extLst>
-              </a:tr>
-              <a:tr h="221668">
-                <a:tc>
-                  <a:txBody>
-                    <a:bodyPr/>
-                    <a:lstStyle/>
-                    <a:p>
-                      <a:r>
-                        <a:rPr lang="en-US" sz="600">
-                          <a:effectLst/>
-                        </a:rPr>
-                        <a:t>Benjamin Paschina's Team</a:t>
-                      </a:r>
-                    </a:p>
-                  </a:txBody>
-                  <a:tcPr marL="39118" marR="39118" marT="19559" marB="19559" anchor="ctr">
-                    <a:lnL>
-                      <a:noFill/>
-                    </a:lnL>
-                    <a:lnR>
-                      <a:noFill/>
-                    </a:lnR>
-                    <a:lnT>
-                      <a:noFill/>
-                    </a:lnT>
-                    <a:lnB>
-                      <a:noFill/>
-                    </a:lnB>
-                  </a:tcPr>
-                </a:tc>
-                <a:tc>
-                  <a:txBody>
-                    <a:bodyPr/>
-                    <a:lstStyle/>
-                    <a:p>
-                      <a:r>
-                        <a:rPr lang="en-US" sz="600">
-                          <a:effectLst/>
-                        </a:rPr>
-                        <a:t>Benjamin Paschina</a:t>
-                      </a:r>
-                    </a:p>
-                  </a:txBody>
-                  <a:tcPr marL="39118" marR="39118" marT="19559" marB="19559" anchor="ctr">
-                    <a:lnL>
-                      <a:noFill/>
-                    </a:lnL>
-                    <a:lnR>
-                      <a:noFill/>
-                    </a:lnR>
-                    <a:lnT>
-                      <a:noFill/>
-                    </a:lnT>
-                    <a:lnB>
-                      <a:noFill/>
-                    </a:lnB>
-                  </a:tcPr>
-                </a:tc>
-                <a:tc>
-                  <a:txBody>
-                    <a:bodyPr/>
-                    <a:lstStyle/>
-                    <a:p>
-                      <a:r>
-                        <a:rPr lang="en-US" sz="600">
-                          <a:effectLst/>
-                        </a:rPr>
-                        <a:t>Complete</a:t>
-                      </a:r>
-                    </a:p>
-                  </a:txBody>
-                  <a:tcPr marL="39118" marR="39118" marT="19559" marB="19559" anchor="ctr">
-                    <a:lnL>
-                      <a:noFill/>
-                    </a:lnL>
-                    <a:lnR>
-                      <a:noFill/>
-                    </a:lnR>
-                    <a:lnT>
-                      <a:noFill/>
-                    </a:lnT>
-                    <a:lnB>
-                      <a:noFill/>
-                    </a:lnB>
-                  </a:tcPr>
-                </a:tc>
-                <a:tc>
-                  <a:txBody>
-                    <a:bodyPr/>
-                    <a:lstStyle/>
-                    <a:p>
-                      <a:r>
-                        <a:rPr lang="en-US" sz="600">
-                          <a:effectLst/>
-                        </a:rPr>
-                        <a:t>$20,841</a:t>
-                      </a:r>
-                    </a:p>
-                  </a:txBody>
-                  <a:tcPr marL="39118" marR="39118" marT="19559" marB="19559" anchor="ctr">
-                    <a:lnL>
-                      <a:noFill/>
-                    </a:lnL>
-                    <a:lnR>
-                      <a:noFill/>
-                    </a:lnR>
-                    <a:lnT>
-                      <a:noFill/>
-                    </a:lnT>
-                    <a:lnB>
-                      <a:noFill/>
-                    </a:lnB>
-                  </a:tcPr>
-                </a:tc>
-                <a:extLst>
-                  <a:ext uri="{0D108BD9-81ED-4DB2-BD59-A6C34878D82A}">
-                    <a16:rowId xmlns:a16="http://schemas.microsoft.com/office/drawing/2014/main" val="2817329615"/>
-                  </a:ext>
-                </a:extLst>
-              </a:tr>
-              <a:tr h="130393">
-                <a:tc>
-                  <a:txBody>
-                    <a:bodyPr/>
-                    <a:lstStyle/>
-                    <a:p>
-                      <a:r>
-                        <a:rPr lang="en-US" sz="600">
-                          <a:effectLst/>
-                        </a:rPr>
-                        <a:t>Elliott Coyne's Team</a:t>
-                      </a:r>
-                    </a:p>
-                  </a:txBody>
-                  <a:tcPr marL="39118" marR="39118" marT="19559" marB="19559" anchor="ctr">
-                    <a:lnL>
-                      <a:noFill/>
-                    </a:lnL>
-                    <a:lnR>
-                      <a:noFill/>
-                    </a:lnR>
-                    <a:lnT>
-                      <a:noFill/>
-                    </a:lnT>
-                    <a:lnB>
-                      <a:noFill/>
-                    </a:lnB>
-                  </a:tcPr>
-                </a:tc>
-                <a:tc>
-                  <a:txBody>
-                    <a:bodyPr/>
-                    <a:lstStyle/>
-                    <a:p>
-                      <a:r>
-                        <a:rPr lang="en-US" sz="600">
-                          <a:effectLst/>
-                        </a:rPr>
-                        <a:t>Elliott Coyne</a:t>
-                      </a:r>
-                    </a:p>
-                  </a:txBody>
-                  <a:tcPr marL="39118" marR="39118" marT="19559" marB="19559" anchor="ctr">
-                    <a:lnL>
-                      <a:noFill/>
-                    </a:lnL>
-                    <a:lnR>
-                      <a:noFill/>
-                    </a:lnR>
-                    <a:lnT>
-                      <a:noFill/>
-                    </a:lnT>
-                    <a:lnB>
-                      <a:noFill/>
-                    </a:lnB>
-                  </a:tcPr>
-                </a:tc>
-                <a:tc>
-                  <a:txBody>
-                    <a:bodyPr/>
-                    <a:lstStyle/>
-                    <a:p>
-                      <a:r>
-                        <a:rPr lang="en-US" sz="600">
-                          <a:effectLst/>
-                        </a:rPr>
-                        <a:t>Complete</a:t>
-                      </a:r>
-                    </a:p>
-                  </a:txBody>
-                  <a:tcPr marL="39118" marR="39118" marT="19559" marB="19559" anchor="ctr">
-                    <a:lnL>
-                      <a:noFill/>
-                    </a:lnL>
-                    <a:lnR>
-                      <a:noFill/>
-                    </a:lnR>
-                    <a:lnT>
-                      <a:noFill/>
-                    </a:lnT>
-                    <a:lnB>
-                      <a:noFill/>
-                    </a:lnB>
-                  </a:tcPr>
-                </a:tc>
-                <a:tc>
-                  <a:txBody>
-                    <a:bodyPr/>
-                    <a:lstStyle/>
-                    <a:p>
-                      <a:r>
-                        <a:rPr lang="en-US" sz="600">
-                          <a:effectLst/>
-                        </a:rPr>
-                        <a:t>$20,565</a:t>
-                      </a:r>
-                    </a:p>
-                  </a:txBody>
-                  <a:tcPr marL="39118" marR="39118" marT="19559" marB="19559" anchor="ctr">
-                    <a:lnL>
-                      <a:noFill/>
-                    </a:lnL>
-                    <a:lnR>
-                      <a:noFill/>
-                    </a:lnR>
-                    <a:lnT>
-                      <a:noFill/>
-                    </a:lnT>
-                    <a:lnB>
-                      <a:noFill/>
-                    </a:lnB>
-                  </a:tcPr>
-                </a:tc>
-                <a:extLst>
-                  <a:ext uri="{0D108BD9-81ED-4DB2-BD59-A6C34878D82A}">
-                    <a16:rowId xmlns:a16="http://schemas.microsoft.com/office/drawing/2014/main" val="1155817088"/>
-                  </a:ext>
-                </a:extLst>
-              </a:tr>
-              <a:tr h="130393">
-                <a:tc>
-                  <a:txBody>
-                    <a:bodyPr/>
-                    <a:lstStyle/>
-                    <a:p>
-                      <a:r>
-                        <a:rPr lang="en-US" sz="600">
-                          <a:effectLst/>
-                        </a:rPr>
-                        <a:t>Emilia VT</a:t>
-                      </a:r>
-                    </a:p>
-                  </a:txBody>
-                  <a:tcPr marL="39118" marR="39118" marT="19559" marB="19559" anchor="ctr">
-                    <a:lnL>
-                      <a:noFill/>
-                    </a:lnL>
-                    <a:lnR>
-                      <a:noFill/>
-                    </a:lnR>
-                    <a:lnT>
-                      <a:noFill/>
-                    </a:lnT>
-                    <a:lnB>
-                      <a:noFill/>
-                    </a:lnB>
-                  </a:tcPr>
-                </a:tc>
-                <a:tc>
-                  <a:txBody>
-                    <a:bodyPr/>
-                    <a:lstStyle/>
-                    <a:p>
-                      <a:r>
-                        <a:rPr lang="en-US" sz="600">
-                          <a:effectLst/>
-                        </a:rPr>
-                        <a:t>Emilia Voge</a:t>
-                      </a:r>
-                    </a:p>
-                  </a:txBody>
-                  <a:tcPr marL="39118" marR="39118" marT="19559" marB="19559" anchor="ctr">
-                    <a:lnL>
-                      <a:noFill/>
-                    </a:lnL>
-                    <a:lnR>
-                      <a:noFill/>
-                    </a:lnR>
-                    <a:lnT>
-                      <a:noFill/>
-                    </a:lnT>
-                    <a:lnB>
-                      <a:noFill/>
-                    </a:lnB>
-                  </a:tcPr>
-                </a:tc>
-                <a:tc>
-                  <a:txBody>
-                    <a:bodyPr/>
-                    <a:lstStyle/>
-                    <a:p>
-                      <a:r>
-                        <a:rPr lang="en-US" sz="600">
-                          <a:effectLst/>
-                        </a:rPr>
-                        <a:t>Complete</a:t>
-                      </a:r>
-                    </a:p>
-                  </a:txBody>
-                  <a:tcPr marL="39118" marR="39118" marT="19559" marB="19559" anchor="ctr">
-                    <a:lnL>
-                      <a:noFill/>
-                    </a:lnL>
-                    <a:lnR>
-                      <a:noFill/>
-                    </a:lnR>
-                    <a:lnT>
-                      <a:noFill/>
-                    </a:lnT>
-                    <a:lnB>
-                      <a:noFill/>
-                    </a:lnB>
-                  </a:tcPr>
-                </a:tc>
-                <a:tc>
-                  <a:txBody>
-                    <a:bodyPr/>
-                    <a:lstStyle/>
-                    <a:p>
-                      <a:r>
-                        <a:rPr lang="en-US" sz="600">
-                          <a:effectLst/>
-                        </a:rPr>
-                        <a:t>$19,698</a:t>
-                      </a:r>
-                    </a:p>
-                  </a:txBody>
-                  <a:tcPr marL="39118" marR="39118" marT="19559" marB="19559" anchor="ctr">
-                    <a:lnL>
-                      <a:noFill/>
-                    </a:lnL>
-                    <a:lnR>
-                      <a:noFill/>
-                    </a:lnR>
-                    <a:lnT>
-                      <a:noFill/>
-                    </a:lnT>
-                    <a:lnB>
-                      <a:noFill/>
-                    </a:lnB>
-                  </a:tcPr>
-                </a:tc>
-                <a:extLst>
-                  <a:ext uri="{0D108BD9-81ED-4DB2-BD59-A6C34878D82A}">
-                    <a16:rowId xmlns:a16="http://schemas.microsoft.com/office/drawing/2014/main" val="350506439"/>
-                  </a:ext>
-                </a:extLst>
-              </a:tr>
-              <a:tr h="130393">
-                <a:tc>
-                  <a:txBody>
-                    <a:bodyPr/>
-                    <a:lstStyle/>
-                    <a:p>
-                      <a:r>
-                        <a:rPr lang="en-US" sz="600">
-                          <a:effectLst/>
-                        </a:rPr>
-                        <a:t>Miller's Team</a:t>
-                      </a:r>
-                    </a:p>
-                  </a:txBody>
-                  <a:tcPr marL="39118" marR="39118" marT="19559" marB="19559" anchor="ctr">
-                    <a:lnL>
-                      <a:noFill/>
-                    </a:lnL>
-                    <a:lnR>
-                      <a:noFill/>
-                    </a:lnR>
-                    <a:lnT>
-                      <a:noFill/>
-                    </a:lnT>
-                    <a:lnB>
-                      <a:noFill/>
-                    </a:lnB>
-                  </a:tcPr>
-                </a:tc>
-                <a:tc>
-                  <a:txBody>
-                    <a:bodyPr/>
-                    <a:lstStyle/>
-                    <a:p>
-                      <a:r>
-                        <a:rPr lang="en-US" sz="600">
-                          <a:effectLst/>
-                        </a:rPr>
-                        <a:t>Colton Miller</a:t>
-                      </a:r>
-                    </a:p>
-                  </a:txBody>
-                  <a:tcPr marL="39118" marR="39118" marT="19559" marB="19559" anchor="ctr">
-                    <a:lnL>
-                      <a:noFill/>
-                    </a:lnL>
-                    <a:lnR>
-                      <a:noFill/>
-                    </a:lnR>
-                    <a:lnT>
-                      <a:noFill/>
-                    </a:lnT>
-                    <a:lnB>
-                      <a:noFill/>
-                    </a:lnB>
-                  </a:tcPr>
-                </a:tc>
-                <a:tc>
-                  <a:txBody>
-                    <a:bodyPr/>
-                    <a:lstStyle/>
-                    <a:p>
-                      <a:r>
-                        <a:rPr lang="en-US" sz="600">
-                          <a:effectLst/>
-                        </a:rPr>
-                        <a:t>Complete</a:t>
-                      </a:r>
-                    </a:p>
-                  </a:txBody>
-                  <a:tcPr marL="39118" marR="39118" marT="19559" marB="19559" anchor="ctr">
-                    <a:lnL>
-                      <a:noFill/>
-                    </a:lnL>
-                    <a:lnR>
-                      <a:noFill/>
-                    </a:lnR>
-                    <a:lnT>
-                      <a:noFill/>
-                    </a:lnT>
-                    <a:lnB>
-                      <a:noFill/>
-                    </a:lnB>
-                  </a:tcPr>
-                </a:tc>
-                <a:tc>
-                  <a:txBody>
-                    <a:bodyPr/>
-                    <a:lstStyle/>
-                    <a:p>
-                      <a:r>
-                        <a:rPr lang="en-US" sz="600">
-                          <a:effectLst/>
-                        </a:rPr>
-                        <a:t>$19,401</a:t>
-                      </a:r>
-                    </a:p>
-                  </a:txBody>
-                  <a:tcPr marL="39118" marR="39118" marT="19559" marB="19559" anchor="ctr">
-                    <a:lnL>
-                      <a:noFill/>
-                    </a:lnL>
-                    <a:lnR>
-                      <a:noFill/>
-                    </a:lnR>
-                    <a:lnT>
-                      <a:noFill/>
-                    </a:lnT>
-                    <a:lnB>
-                      <a:noFill/>
-                    </a:lnB>
-                  </a:tcPr>
-                </a:tc>
-                <a:extLst>
-                  <a:ext uri="{0D108BD9-81ED-4DB2-BD59-A6C34878D82A}">
-                    <a16:rowId xmlns:a16="http://schemas.microsoft.com/office/drawing/2014/main" val="325802531"/>
-                  </a:ext>
-                </a:extLst>
-              </a:tr>
-              <a:tr h="130393">
-                <a:tc>
-                  <a:txBody>
-                    <a:bodyPr/>
-                    <a:lstStyle/>
-                    <a:p>
-                      <a:r>
-                        <a:rPr lang="en-US" sz="600">
-                          <a:effectLst/>
-                        </a:rPr>
-                        <a:t>Joe Place</a:t>
-                      </a:r>
-                    </a:p>
-                  </a:txBody>
-                  <a:tcPr marL="39118" marR="39118" marT="19559" marB="19559" anchor="ctr">
-                    <a:lnL>
-                      <a:noFill/>
-                    </a:lnL>
-                    <a:lnR>
-                      <a:noFill/>
-                    </a:lnR>
-                    <a:lnT>
-                      <a:noFill/>
-                    </a:lnT>
-                    <a:lnB>
-                      <a:noFill/>
-                    </a:lnB>
-                  </a:tcPr>
-                </a:tc>
-                <a:tc>
-                  <a:txBody>
-                    <a:bodyPr/>
-                    <a:lstStyle/>
-                    <a:p>
-                      <a:r>
-                        <a:rPr lang="en-US" sz="600">
-                          <a:effectLst/>
-                        </a:rPr>
-                        <a:t>Joseph Place</a:t>
-                      </a:r>
-                    </a:p>
-                  </a:txBody>
-                  <a:tcPr marL="39118" marR="39118" marT="19559" marB="19559" anchor="ctr">
-                    <a:lnL>
-                      <a:noFill/>
-                    </a:lnL>
-                    <a:lnR>
-                      <a:noFill/>
-                    </a:lnR>
-                    <a:lnT>
-                      <a:noFill/>
-                    </a:lnT>
-                    <a:lnB>
-                      <a:noFill/>
-                    </a:lnB>
-                  </a:tcPr>
-                </a:tc>
-                <a:tc>
-                  <a:txBody>
-                    <a:bodyPr/>
-                    <a:lstStyle/>
-                    <a:p>
-                      <a:r>
-                        <a:rPr lang="en-US" sz="600">
-                          <a:effectLst/>
-                        </a:rPr>
-                        <a:t>Complete</a:t>
-                      </a:r>
-                    </a:p>
-                  </a:txBody>
-                  <a:tcPr marL="39118" marR="39118" marT="19559" marB="19559" anchor="ctr">
-                    <a:lnL>
-                      <a:noFill/>
-                    </a:lnL>
-                    <a:lnR>
-                      <a:noFill/>
-                    </a:lnR>
-                    <a:lnT>
-                      <a:noFill/>
-                    </a:lnT>
-                    <a:lnB>
-                      <a:noFill/>
-                    </a:lnB>
-                  </a:tcPr>
-                </a:tc>
-                <a:tc>
-                  <a:txBody>
-                    <a:bodyPr/>
-                    <a:lstStyle/>
-                    <a:p>
-                      <a:r>
-                        <a:rPr lang="en-US" sz="600">
-                          <a:effectLst/>
-                        </a:rPr>
-                        <a:t>$18,990</a:t>
-                      </a:r>
-                    </a:p>
-                  </a:txBody>
-                  <a:tcPr marL="39118" marR="39118" marT="19559" marB="19559" anchor="ctr">
-                    <a:lnL>
-                      <a:noFill/>
-                    </a:lnL>
-                    <a:lnR>
-                      <a:noFill/>
-                    </a:lnR>
-                    <a:lnT>
-                      <a:noFill/>
-                    </a:lnT>
-                    <a:lnB>
-                      <a:noFill/>
-                    </a:lnB>
-                  </a:tcPr>
-                </a:tc>
-                <a:extLst>
-                  <a:ext uri="{0D108BD9-81ED-4DB2-BD59-A6C34878D82A}">
-                    <a16:rowId xmlns:a16="http://schemas.microsoft.com/office/drawing/2014/main" val="580314631"/>
-                  </a:ext>
-                </a:extLst>
-              </a:tr>
-              <a:tr h="130393">
-                <a:tc>
-                  <a:txBody>
-                    <a:bodyPr/>
-                    <a:lstStyle/>
-                    <a:p>
-                      <a:r>
-                        <a:rPr lang="en-US" sz="600">
-                          <a:effectLst/>
-                        </a:rPr>
-                        <a:t>Asad Mansoor's Team</a:t>
-                      </a:r>
-                    </a:p>
-                  </a:txBody>
-                  <a:tcPr marL="39118" marR="39118" marT="19559" marB="19559" anchor="ctr">
-                    <a:lnL>
-                      <a:noFill/>
-                    </a:lnL>
-                    <a:lnR>
-                      <a:noFill/>
-                    </a:lnR>
-                    <a:lnT>
-                      <a:noFill/>
-                    </a:lnT>
-                    <a:lnB>
-                      <a:noFill/>
-                    </a:lnB>
-                  </a:tcPr>
-                </a:tc>
-                <a:tc>
-                  <a:txBody>
-                    <a:bodyPr/>
-                    <a:lstStyle/>
-                    <a:p>
-                      <a:r>
-                        <a:rPr lang="en-US" sz="600">
-                          <a:effectLst/>
-                        </a:rPr>
-                        <a:t>Asad Mansoor</a:t>
-                      </a:r>
-                    </a:p>
-                  </a:txBody>
-                  <a:tcPr marL="39118" marR="39118" marT="19559" marB="19559" anchor="ctr">
-                    <a:lnL>
-                      <a:noFill/>
-                    </a:lnL>
-                    <a:lnR>
-                      <a:noFill/>
-                    </a:lnR>
-                    <a:lnT>
-                      <a:noFill/>
-                    </a:lnT>
-                    <a:lnB>
-                      <a:noFill/>
-                    </a:lnB>
-                  </a:tcPr>
-                </a:tc>
-                <a:tc>
-                  <a:txBody>
-                    <a:bodyPr/>
-                    <a:lstStyle/>
-                    <a:p>
-                      <a:r>
-                        <a:rPr lang="en-US" sz="600">
-                          <a:effectLst/>
-                        </a:rPr>
-                        <a:t>Complete</a:t>
-                      </a:r>
-                    </a:p>
-                  </a:txBody>
-                  <a:tcPr marL="39118" marR="39118" marT="19559" marB="19559" anchor="ctr">
-                    <a:lnL>
-                      <a:noFill/>
-                    </a:lnL>
-                    <a:lnR>
-                      <a:noFill/>
-                    </a:lnR>
-                    <a:lnT>
-                      <a:noFill/>
-                    </a:lnT>
-                    <a:lnB>
-                      <a:noFill/>
-                    </a:lnB>
-                  </a:tcPr>
-                </a:tc>
-                <a:tc>
-                  <a:txBody>
-                    <a:bodyPr/>
-                    <a:lstStyle/>
-                    <a:p>
-                      <a:r>
-                        <a:rPr lang="en-US" sz="600">
-                          <a:effectLst/>
-                        </a:rPr>
-                        <a:t>$17,577</a:t>
-                      </a:r>
-                    </a:p>
-                  </a:txBody>
-                  <a:tcPr marL="39118" marR="39118" marT="19559" marB="19559" anchor="ctr">
-                    <a:lnL>
-                      <a:noFill/>
-                    </a:lnL>
-                    <a:lnR>
-                      <a:noFill/>
-                    </a:lnR>
-                    <a:lnT>
-                      <a:noFill/>
-                    </a:lnT>
-                    <a:lnB>
-                      <a:noFill/>
-                    </a:lnB>
-                  </a:tcPr>
-                </a:tc>
-                <a:extLst>
-                  <a:ext uri="{0D108BD9-81ED-4DB2-BD59-A6C34878D82A}">
-                    <a16:rowId xmlns:a16="http://schemas.microsoft.com/office/drawing/2014/main" val="2776009691"/>
-                  </a:ext>
-                </a:extLst>
-              </a:tr>
-              <a:tr h="130393">
-                <a:tc>
-                  <a:txBody>
-                    <a:bodyPr/>
-                    <a:lstStyle/>
-                    <a:p>
-                      <a:r>
-                        <a:rPr lang="en-US" sz="600">
-                          <a:effectLst/>
-                        </a:rPr>
-                        <a:t>Melo’s Team</a:t>
-                      </a:r>
-                    </a:p>
-                  </a:txBody>
-                  <a:tcPr marL="39118" marR="39118" marT="19559" marB="19559" anchor="ctr">
-                    <a:lnL>
-                      <a:noFill/>
-                    </a:lnL>
-                    <a:lnR>
-                      <a:noFill/>
-                    </a:lnR>
-                    <a:lnT>
-                      <a:noFill/>
-                    </a:lnT>
-                    <a:lnB>
-                      <a:noFill/>
-                    </a:lnB>
-                  </a:tcPr>
-                </a:tc>
-                <a:tc>
-                  <a:txBody>
-                    <a:bodyPr/>
-                    <a:lstStyle/>
-                    <a:p>
-                      <a:r>
-                        <a:rPr lang="en-US" sz="600">
-                          <a:effectLst/>
-                        </a:rPr>
-                        <a:t>Sara Romero Vicente</a:t>
-                      </a:r>
-                    </a:p>
-                  </a:txBody>
-                  <a:tcPr marL="39118" marR="39118" marT="19559" marB="19559" anchor="ctr">
-                    <a:lnL>
-                      <a:noFill/>
-                    </a:lnL>
-                    <a:lnR>
-                      <a:noFill/>
-                    </a:lnR>
-                    <a:lnT>
-                      <a:noFill/>
-                    </a:lnT>
-                    <a:lnB>
-                      <a:noFill/>
-                    </a:lnB>
-                  </a:tcPr>
-                </a:tc>
-                <a:tc>
-                  <a:txBody>
-                    <a:bodyPr/>
-                    <a:lstStyle/>
-                    <a:p>
-                      <a:r>
-                        <a:rPr lang="en-US" sz="600">
-                          <a:effectLst/>
-                        </a:rPr>
-                        <a:t>Complete</a:t>
-                      </a:r>
-                    </a:p>
-                  </a:txBody>
-                  <a:tcPr marL="39118" marR="39118" marT="19559" marB="19559" anchor="ctr">
-                    <a:lnL>
-                      <a:noFill/>
-                    </a:lnL>
-                    <a:lnR>
-                      <a:noFill/>
-                    </a:lnR>
-                    <a:lnT>
-                      <a:noFill/>
-                    </a:lnT>
-                    <a:lnB>
-                      <a:noFill/>
-                    </a:lnB>
-                  </a:tcPr>
-                </a:tc>
-                <a:tc>
-                  <a:txBody>
-                    <a:bodyPr/>
-                    <a:lstStyle/>
-                    <a:p>
-                      <a:r>
-                        <a:rPr lang="en-US" sz="600">
-                          <a:effectLst/>
-                        </a:rPr>
-                        <a:t>$16,725</a:t>
-                      </a:r>
-                    </a:p>
-                  </a:txBody>
-                  <a:tcPr marL="39118" marR="39118" marT="19559" marB="19559" anchor="ctr">
-                    <a:lnL>
-                      <a:noFill/>
-                    </a:lnL>
-                    <a:lnR>
-                      <a:noFill/>
-                    </a:lnR>
-                    <a:lnT>
-                      <a:noFill/>
-                    </a:lnT>
-                    <a:lnB>
-                      <a:noFill/>
-                    </a:lnB>
-                  </a:tcPr>
-                </a:tc>
-                <a:extLst>
-                  <a:ext uri="{0D108BD9-81ED-4DB2-BD59-A6C34878D82A}">
-                    <a16:rowId xmlns:a16="http://schemas.microsoft.com/office/drawing/2014/main" val="926597890"/>
-                  </a:ext>
-                </a:extLst>
-              </a:tr>
-              <a:tr h="130393">
-                <a:tc>
-                  <a:txBody>
-                    <a:bodyPr/>
-                    <a:lstStyle/>
-                    <a:p>
-                      <a:r>
-                        <a:rPr lang="en-US" sz="600">
-                          <a:effectLst/>
-                        </a:rPr>
-                        <a:t>Lenny's Chill Delights</a:t>
-                      </a:r>
-                    </a:p>
-                  </a:txBody>
-                  <a:tcPr marL="39118" marR="39118" marT="19559" marB="19559" anchor="ctr">
-                    <a:lnL>
-                      <a:noFill/>
-                    </a:lnL>
-                    <a:lnR>
-                      <a:noFill/>
-                    </a:lnR>
-                    <a:lnT>
-                      <a:noFill/>
-                    </a:lnT>
-                    <a:lnB>
-                      <a:noFill/>
-                    </a:lnB>
-                  </a:tcPr>
-                </a:tc>
-                <a:tc>
-                  <a:txBody>
-                    <a:bodyPr/>
-                    <a:lstStyle/>
-                    <a:p>
-                      <a:r>
-                        <a:rPr lang="en-US" sz="600">
-                          <a:effectLst/>
-                        </a:rPr>
-                        <a:t>Joshua Reese</a:t>
-                      </a:r>
-                    </a:p>
-                  </a:txBody>
-                  <a:tcPr marL="39118" marR="39118" marT="19559" marB="19559" anchor="ctr">
-                    <a:lnL>
-                      <a:noFill/>
-                    </a:lnL>
-                    <a:lnR>
-                      <a:noFill/>
-                    </a:lnR>
-                    <a:lnT>
-                      <a:noFill/>
-                    </a:lnT>
-                    <a:lnB>
-                      <a:noFill/>
-                    </a:lnB>
-                  </a:tcPr>
-                </a:tc>
-                <a:tc>
-                  <a:txBody>
-                    <a:bodyPr/>
-                    <a:lstStyle/>
-                    <a:p>
-                      <a:r>
-                        <a:rPr lang="en-US" sz="600">
-                          <a:effectLst/>
-                        </a:rPr>
-                        <a:t>Complete</a:t>
-                      </a:r>
-                    </a:p>
-                  </a:txBody>
-                  <a:tcPr marL="39118" marR="39118" marT="19559" marB="19559" anchor="ctr">
-                    <a:lnL>
-                      <a:noFill/>
-                    </a:lnL>
-                    <a:lnR>
-                      <a:noFill/>
-                    </a:lnR>
-                    <a:lnT>
-                      <a:noFill/>
-                    </a:lnT>
-                    <a:lnB>
-                      <a:noFill/>
-                    </a:lnB>
-                  </a:tcPr>
-                </a:tc>
-                <a:tc>
-                  <a:txBody>
-                    <a:bodyPr/>
-                    <a:lstStyle/>
-                    <a:p>
-                      <a:r>
-                        <a:rPr lang="en-US" sz="600">
-                          <a:effectLst/>
-                        </a:rPr>
-                        <a:t>$15,915</a:t>
-                      </a:r>
-                    </a:p>
-                  </a:txBody>
-                  <a:tcPr marL="39118" marR="39118" marT="19559" marB="19559" anchor="ctr">
-                    <a:lnL>
-                      <a:noFill/>
-                    </a:lnL>
-                    <a:lnR>
-                      <a:noFill/>
-                    </a:lnR>
-                    <a:lnT>
-                      <a:noFill/>
-                    </a:lnT>
-                    <a:lnB>
-                      <a:noFill/>
-                    </a:lnB>
-                  </a:tcPr>
-                </a:tc>
-                <a:extLst>
-                  <a:ext uri="{0D108BD9-81ED-4DB2-BD59-A6C34878D82A}">
-                    <a16:rowId xmlns:a16="http://schemas.microsoft.com/office/drawing/2014/main" val="2945364584"/>
-                  </a:ext>
-                </a:extLst>
-              </a:tr>
-              <a:tr h="130393">
-                <a:tc>
-                  <a:txBody>
-                    <a:bodyPr/>
-                    <a:lstStyle/>
-                    <a:p>
-                      <a:r>
-                        <a:rPr lang="en-US" sz="600">
-                          <a:effectLst/>
-                        </a:rPr>
-                        <a:t>Paradigm Food Services</a:t>
-                      </a:r>
-                    </a:p>
-                  </a:txBody>
-                  <a:tcPr marL="39118" marR="39118" marT="19559" marB="19559" anchor="ctr">
-                    <a:lnL>
-                      <a:noFill/>
-                    </a:lnL>
-                    <a:lnR>
-                      <a:noFill/>
-                    </a:lnR>
-                    <a:lnT>
-                      <a:noFill/>
-                    </a:lnT>
-                    <a:lnB>
-                      <a:noFill/>
-                    </a:lnB>
-                  </a:tcPr>
-                </a:tc>
-                <a:tc>
-                  <a:txBody>
-                    <a:bodyPr/>
-                    <a:lstStyle/>
-                    <a:p>
-                      <a:r>
-                        <a:rPr lang="en-US" sz="600">
-                          <a:effectLst/>
-                        </a:rPr>
-                        <a:t>Mike Chinea</a:t>
-                      </a:r>
-                    </a:p>
-                  </a:txBody>
-                  <a:tcPr marL="39118" marR="39118" marT="19559" marB="19559" anchor="ctr">
-                    <a:lnL>
-                      <a:noFill/>
-                    </a:lnL>
-                    <a:lnR>
-                      <a:noFill/>
-                    </a:lnR>
-                    <a:lnT>
-                      <a:noFill/>
-                    </a:lnT>
-                    <a:lnB>
-                      <a:noFill/>
-                    </a:lnB>
-                  </a:tcPr>
-                </a:tc>
-                <a:tc>
-                  <a:txBody>
-                    <a:bodyPr/>
-                    <a:lstStyle/>
-                    <a:p>
-                      <a:r>
-                        <a:rPr lang="en-US" sz="600">
-                          <a:effectLst/>
-                        </a:rPr>
-                        <a:t>Complete</a:t>
-                      </a:r>
-                    </a:p>
-                  </a:txBody>
-                  <a:tcPr marL="39118" marR="39118" marT="19559" marB="19559" anchor="ctr">
-                    <a:lnL>
-                      <a:noFill/>
-                    </a:lnL>
-                    <a:lnR>
-                      <a:noFill/>
-                    </a:lnR>
-                    <a:lnT>
-                      <a:noFill/>
-                    </a:lnT>
-                    <a:lnB>
-                      <a:noFill/>
-                    </a:lnB>
-                  </a:tcPr>
-                </a:tc>
-                <a:tc>
-                  <a:txBody>
-                    <a:bodyPr/>
-                    <a:lstStyle/>
-                    <a:p>
-                      <a:r>
-                        <a:rPr lang="en-US" sz="600">
-                          <a:effectLst/>
-                        </a:rPr>
-                        <a:t>$15,042</a:t>
-                      </a:r>
-                    </a:p>
-                  </a:txBody>
-                  <a:tcPr marL="39118" marR="39118" marT="19559" marB="19559" anchor="ctr">
-                    <a:lnL>
-                      <a:noFill/>
-                    </a:lnL>
-                    <a:lnR>
-                      <a:noFill/>
-                    </a:lnR>
-                    <a:lnT>
-                      <a:noFill/>
-                    </a:lnT>
-                    <a:lnB>
-                      <a:noFill/>
-                    </a:lnB>
-                  </a:tcPr>
-                </a:tc>
-                <a:extLst>
-                  <a:ext uri="{0D108BD9-81ED-4DB2-BD59-A6C34878D82A}">
-                    <a16:rowId xmlns:a16="http://schemas.microsoft.com/office/drawing/2014/main" val="734413921"/>
-                  </a:ext>
-                </a:extLst>
-              </a:tr>
-              <a:tr h="221668">
-                <a:tc>
-                  <a:txBody>
-                    <a:bodyPr/>
-                    <a:lstStyle/>
-                    <a:p>
-                      <a:r>
-                        <a:rPr lang="en-US" sz="600">
-                          <a:effectLst/>
-                        </a:rPr>
-                        <a:t>Robert's Dessert Paradise</a:t>
-                      </a:r>
-                    </a:p>
-                  </a:txBody>
-                  <a:tcPr marL="39118" marR="39118" marT="19559" marB="19559" anchor="ctr">
-                    <a:lnL>
-                      <a:noFill/>
-                    </a:lnL>
-                    <a:lnR>
-                      <a:noFill/>
-                    </a:lnR>
-                    <a:lnT>
-                      <a:noFill/>
-                    </a:lnT>
-                    <a:lnB>
-                      <a:noFill/>
-                    </a:lnB>
-                  </a:tcPr>
-                </a:tc>
-                <a:tc>
-                  <a:txBody>
-                    <a:bodyPr/>
-                    <a:lstStyle/>
-                    <a:p>
-                      <a:r>
-                        <a:rPr lang="en-US" sz="600">
-                          <a:effectLst/>
-                        </a:rPr>
-                        <a:t>Robert Nottingham</a:t>
-                      </a:r>
-                    </a:p>
-                  </a:txBody>
-                  <a:tcPr marL="39118" marR="39118" marT="19559" marB="19559" anchor="ctr">
-                    <a:lnL>
-                      <a:noFill/>
-                    </a:lnL>
-                    <a:lnR>
-                      <a:noFill/>
-                    </a:lnR>
-                    <a:lnT>
-                      <a:noFill/>
-                    </a:lnT>
-                    <a:lnB>
-                      <a:noFill/>
-                    </a:lnB>
-                  </a:tcPr>
-                </a:tc>
-                <a:tc>
-                  <a:txBody>
-                    <a:bodyPr/>
-                    <a:lstStyle/>
-                    <a:p>
-                      <a:r>
-                        <a:rPr lang="en-US" sz="600">
-                          <a:effectLst/>
-                        </a:rPr>
-                        <a:t>Complete</a:t>
-                      </a:r>
-                    </a:p>
-                  </a:txBody>
-                  <a:tcPr marL="39118" marR="39118" marT="19559" marB="19559" anchor="ctr">
-                    <a:lnL>
-                      <a:noFill/>
-                    </a:lnL>
-                    <a:lnR>
-                      <a:noFill/>
-                    </a:lnR>
-                    <a:lnT>
-                      <a:noFill/>
-                    </a:lnT>
-                    <a:lnB>
-                      <a:noFill/>
-                    </a:lnB>
-                  </a:tcPr>
-                </a:tc>
-                <a:tc>
-                  <a:txBody>
-                    <a:bodyPr/>
-                    <a:lstStyle/>
-                    <a:p>
-                      <a:r>
-                        <a:rPr lang="en-US" sz="600">
-                          <a:effectLst/>
-                        </a:rPr>
-                        <a:t>$14,667</a:t>
-                      </a:r>
-                    </a:p>
-                  </a:txBody>
-                  <a:tcPr marL="39118" marR="39118" marT="19559" marB="19559" anchor="ctr">
-                    <a:lnL>
-                      <a:noFill/>
-                    </a:lnL>
-                    <a:lnR>
-                      <a:noFill/>
-                    </a:lnR>
-                    <a:lnT>
-                      <a:noFill/>
-                    </a:lnT>
-                    <a:lnB>
-                      <a:noFill/>
-                    </a:lnB>
-                  </a:tcPr>
-                </a:tc>
-                <a:extLst>
-                  <a:ext uri="{0D108BD9-81ED-4DB2-BD59-A6C34878D82A}">
-                    <a16:rowId xmlns:a16="http://schemas.microsoft.com/office/drawing/2014/main" val="2257036955"/>
-                  </a:ext>
-                </a:extLst>
-              </a:tr>
-              <a:tr h="130393">
-                <a:tc>
-                  <a:txBody>
-                    <a:bodyPr/>
-                    <a:lstStyle/>
-                    <a:p>
-                      <a:r>
-                        <a:rPr lang="en-US" sz="600">
-                          <a:effectLst/>
-                        </a:rPr>
-                        <a:t>Purpleberry</a:t>
-                      </a:r>
-                    </a:p>
-                  </a:txBody>
-                  <a:tcPr marL="39118" marR="39118" marT="19559" marB="19559" anchor="ctr">
-                    <a:lnL>
-                      <a:noFill/>
-                    </a:lnL>
-                    <a:lnR>
-                      <a:noFill/>
-                    </a:lnR>
-                    <a:lnT>
-                      <a:noFill/>
-                    </a:lnT>
-                    <a:lnB>
-                      <a:noFill/>
-                    </a:lnB>
-                  </a:tcPr>
-                </a:tc>
-                <a:tc>
-                  <a:txBody>
-                    <a:bodyPr/>
-                    <a:lstStyle/>
-                    <a:p>
-                      <a:r>
-                        <a:rPr lang="en-US" sz="600">
-                          <a:effectLst/>
-                        </a:rPr>
-                        <a:t>Syed Haroon Yusuf</a:t>
-                      </a:r>
-                    </a:p>
-                  </a:txBody>
-                  <a:tcPr marL="39118" marR="39118" marT="19559" marB="19559" anchor="ctr">
-                    <a:lnL>
-                      <a:noFill/>
-                    </a:lnL>
-                    <a:lnR>
-                      <a:noFill/>
-                    </a:lnR>
-                    <a:lnT>
-                      <a:noFill/>
-                    </a:lnT>
-                    <a:lnB>
-                      <a:noFill/>
-                    </a:lnB>
-                  </a:tcPr>
-                </a:tc>
-                <a:tc>
-                  <a:txBody>
-                    <a:bodyPr/>
-                    <a:lstStyle/>
-                    <a:p>
-                      <a:r>
-                        <a:rPr lang="en-US" sz="600">
-                          <a:effectLst/>
-                        </a:rPr>
-                        <a:t>Complete</a:t>
-                      </a:r>
-                    </a:p>
-                  </a:txBody>
-                  <a:tcPr marL="39118" marR="39118" marT="19559" marB="19559" anchor="ctr">
-                    <a:lnL>
-                      <a:noFill/>
-                    </a:lnL>
-                    <a:lnR>
-                      <a:noFill/>
-                    </a:lnR>
-                    <a:lnT>
-                      <a:noFill/>
-                    </a:lnT>
-                    <a:lnB>
-                      <a:noFill/>
-                    </a:lnB>
-                  </a:tcPr>
-                </a:tc>
-                <a:tc>
-                  <a:txBody>
-                    <a:bodyPr/>
-                    <a:lstStyle/>
-                    <a:p>
-                      <a:r>
-                        <a:rPr lang="en-US" sz="600">
-                          <a:effectLst/>
-                        </a:rPr>
-                        <a:t>$13,356</a:t>
-                      </a:r>
-                    </a:p>
-                  </a:txBody>
-                  <a:tcPr marL="39118" marR="39118" marT="19559" marB="19559" anchor="ctr">
-                    <a:lnL>
-                      <a:noFill/>
-                    </a:lnL>
-                    <a:lnR>
-                      <a:noFill/>
-                    </a:lnR>
-                    <a:lnT>
-                      <a:noFill/>
-                    </a:lnT>
-                    <a:lnB>
-                      <a:noFill/>
-                    </a:lnB>
-                  </a:tcPr>
-                </a:tc>
-                <a:extLst>
-                  <a:ext uri="{0D108BD9-81ED-4DB2-BD59-A6C34878D82A}">
-                    <a16:rowId xmlns:a16="http://schemas.microsoft.com/office/drawing/2014/main" val="1462331656"/>
-                  </a:ext>
-                </a:extLst>
-              </a:tr>
-              <a:tr h="130393">
-                <a:tc>
-                  <a:txBody>
-                    <a:bodyPr/>
-                    <a:lstStyle/>
-                    <a:p>
-                      <a:r>
-                        <a:rPr lang="en-US" sz="600">
-                          <a:effectLst/>
-                        </a:rPr>
-                        <a:t>Yingquan Li's Team</a:t>
-                      </a:r>
-                    </a:p>
-                  </a:txBody>
-                  <a:tcPr marL="39118" marR="39118" marT="19559" marB="19559" anchor="ctr">
-                    <a:lnL>
-                      <a:noFill/>
-                    </a:lnL>
-                    <a:lnR>
-                      <a:noFill/>
-                    </a:lnR>
-                    <a:lnT>
-                      <a:noFill/>
-                    </a:lnT>
-                    <a:lnB>
-                      <a:noFill/>
-                    </a:lnB>
-                  </a:tcPr>
-                </a:tc>
-                <a:tc>
-                  <a:txBody>
-                    <a:bodyPr/>
-                    <a:lstStyle/>
-                    <a:p>
-                      <a:r>
-                        <a:rPr lang="en-US" sz="600">
-                          <a:effectLst/>
-                        </a:rPr>
-                        <a:t>Yingquan Li</a:t>
-                      </a:r>
-                    </a:p>
-                  </a:txBody>
-                  <a:tcPr marL="39118" marR="39118" marT="19559" marB="19559" anchor="ctr">
-                    <a:lnL>
-                      <a:noFill/>
-                    </a:lnL>
-                    <a:lnR>
-                      <a:noFill/>
-                    </a:lnR>
-                    <a:lnT>
-                      <a:noFill/>
-                    </a:lnT>
-                    <a:lnB>
-                      <a:noFill/>
-                    </a:lnB>
-                  </a:tcPr>
-                </a:tc>
-                <a:tc>
-                  <a:txBody>
-                    <a:bodyPr/>
-                    <a:lstStyle/>
-                    <a:p>
-                      <a:r>
-                        <a:rPr lang="en-US" sz="600">
-                          <a:effectLst/>
-                        </a:rPr>
-                        <a:t>Complete</a:t>
-                      </a:r>
-                    </a:p>
-                  </a:txBody>
-                  <a:tcPr marL="39118" marR="39118" marT="19559" marB="19559" anchor="ctr">
-                    <a:lnL>
-                      <a:noFill/>
-                    </a:lnL>
-                    <a:lnR>
-                      <a:noFill/>
-                    </a:lnR>
-                    <a:lnT>
-                      <a:noFill/>
-                    </a:lnT>
-                    <a:lnB>
-                      <a:noFill/>
-                    </a:lnB>
-                  </a:tcPr>
-                </a:tc>
-                <a:tc>
-                  <a:txBody>
-                    <a:bodyPr/>
-                    <a:lstStyle/>
-                    <a:p>
-                      <a:r>
-                        <a:rPr lang="en-US" sz="600">
-                          <a:effectLst/>
-                        </a:rPr>
-                        <a:t>$11,427</a:t>
-                      </a:r>
-                    </a:p>
-                  </a:txBody>
-                  <a:tcPr marL="39118" marR="39118" marT="19559" marB="19559" anchor="ctr">
-                    <a:lnL>
-                      <a:noFill/>
-                    </a:lnL>
-                    <a:lnR>
-                      <a:noFill/>
-                    </a:lnR>
-                    <a:lnT>
-                      <a:noFill/>
-                    </a:lnT>
-                    <a:lnB>
-                      <a:noFill/>
-                    </a:lnB>
-                  </a:tcPr>
-                </a:tc>
-                <a:extLst>
-                  <a:ext uri="{0D108BD9-81ED-4DB2-BD59-A6C34878D82A}">
-                    <a16:rowId xmlns:a16="http://schemas.microsoft.com/office/drawing/2014/main" val="570450656"/>
-                  </a:ext>
-                </a:extLst>
-              </a:tr>
-              <a:tr h="130393">
-                <a:tc>
-                  <a:txBody>
-                    <a:bodyPr/>
-                    <a:lstStyle/>
-                    <a:p>
-                      <a:r>
-                        <a:rPr lang="en-US" sz="600">
-                          <a:effectLst/>
-                        </a:rPr>
-                        <a:t>Mehar Chawla's Team</a:t>
-                      </a:r>
-                    </a:p>
-                  </a:txBody>
-                  <a:tcPr marL="39118" marR="39118" marT="19559" marB="19559" anchor="ctr">
-                    <a:lnL>
-                      <a:noFill/>
-                    </a:lnL>
-                    <a:lnR>
-                      <a:noFill/>
-                    </a:lnR>
-                    <a:lnT>
-                      <a:noFill/>
-                    </a:lnT>
-                    <a:lnB>
-                      <a:noFill/>
-                    </a:lnB>
-                  </a:tcPr>
-                </a:tc>
-                <a:tc>
-                  <a:txBody>
-                    <a:bodyPr/>
-                    <a:lstStyle/>
-                    <a:p>
-                      <a:r>
-                        <a:rPr lang="en-US" sz="600">
-                          <a:effectLst/>
-                        </a:rPr>
-                        <a:t>Mehar Chawla</a:t>
-                      </a:r>
-                    </a:p>
-                  </a:txBody>
-                  <a:tcPr marL="39118" marR="39118" marT="19559" marB="19559" anchor="ctr">
-                    <a:lnL>
-                      <a:noFill/>
-                    </a:lnL>
-                    <a:lnR>
-                      <a:noFill/>
-                    </a:lnR>
-                    <a:lnT>
-                      <a:noFill/>
-                    </a:lnT>
-                    <a:lnB>
-                      <a:noFill/>
-                    </a:lnB>
-                  </a:tcPr>
-                </a:tc>
-                <a:tc>
-                  <a:txBody>
-                    <a:bodyPr/>
-                    <a:lstStyle/>
-                    <a:p>
-                      <a:r>
-                        <a:rPr lang="en-US" sz="600">
-                          <a:effectLst/>
-                        </a:rPr>
-                        <a:t>2</a:t>
-                      </a:r>
-                    </a:p>
-                  </a:txBody>
-                  <a:tcPr marL="39118" marR="39118" marT="19559" marB="19559" anchor="ctr">
-                    <a:lnL>
-                      <a:noFill/>
-                    </a:lnL>
-                    <a:lnR>
-                      <a:noFill/>
-                    </a:lnR>
-                    <a:lnT>
-                      <a:noFill/>
-                    </a:lnT>
-                    <a:lnB>
-                      <a:noFill/>
-                    </a:lnB>
-                  </a:tcPr>
-                </a:tc>
-                <a:tc>
-                  <a:txBody>
-                    <a:bodyPr/>
-                    <a:lstStyle/>
-                    <a:p>
-                      <a:r>
-                        <a:rPr lang="en-US" sz="600" dirty="0">
-                          <a:effectLst/>
-                        </a:rPr>
-                        <a:t>$4,221</a:t>
-                      </a:r>
-                    </a:p>
-                  </a:txBody>
-                  <a:tcPr marL="39118" marR="39118" marT="19559" marB="19559" anchor="ctr">
-                    <a:lnL>
-                      <a:noFill/>
-                    </a:lnL>
-                    <a:lnR>
-                      <a:noFill/>
-                    </a:lnR>
-                    <a:lnT>
-                      <a:noFill/>
-                    </a:lnT>
-                    <a:lnB>
-                      <a:noFill/>
-                    </a:lnB>
-                  </a:tcPr>
-                </a:tc>
-                <a:extLst>
-                  <a:ext uri="{0D108BD9-81ED-4DB2-BD59-A6C34878D82A}">
-                    <a16:rowId xmlns:a16="http://schemas.microsoft.com/office/drawing/2014/main" val="2331743567"/>
-                  </a:ext>
-                </a:extLst>
-              </a:tr>
-            </a:tbl>
-          </a:graphicData>
-        </a:graphic>
-      </p:graphicFrame>
+        </p:nvSpPr>
+        <p:spPr>
+          <a:xfrm>
+            <a:off x="829056" y="1377696"/>
+            <a:ext cx="7805278" cy="2031325"/>
+          </a:xfrm>
+          <a:prstGeom prst="rect">
+            <a:avLst/>
+          </a:prstGeom>
+          <a:noFill/>
+        </p:spPr>
+        <p:txBody>
+          <a:bodyPr wrap="square" rtlCol="0" anchor="t">
+            <a:spAutoFit/>
+          </a:bodyPr>
+          <a:lstStyle/>
+          <a:p>
+            <a:pPr marL="285750" indent="-285750">
+              <a:buFont typeface="Arial" panose="020B0604020202020204" pitchFamily="34" charset="0"/>
+              <a:buChar char="•"/>
+            </a:pPr>
+            <a:r>
+              <a:rPr lang="en-US" dirty="0">
+                <a:latin typeface="Lato" panose="020F0502020204030203" pitchFamily="34" charset="0"/>
+                <a:ea typeface="Lato" panose="020F0502020204030203" pitchFamily="34" charset="0"/>
+                <a:cs typeface="Lato" panose="020F0502020204030203" pitchFamily="34" charset="0"/>
+              </a:rPr>
+              <a:t>For the 1</a:t>
+            </a:r>
+            <a:r>
+              <a:rPr lang="en-US" baseline="30000" dirty="0">
+                <a:latin typeface="Lato" panose="020F0502020204030203" pitchFamily="34" charset="0"/>
+                <a:ea typeface="Lato" panose="020F0502020204030203" pitchFamily="34" charset="0"/>
+                <a:cs typeface="Lato" panose="020F0502020204030203" pitchFamily="34" charset="0"/>
+              </a:rPr>
+              <a:t>st</a:t>
+            </a:r>
+            <a:r>
+              <a:rPr lang="en-US" dirty="0">
+                <a:latin typeface="Lato" panose="020F0502020204030203" pitchFamily="34" charset="0"/>
+                <a:ea typeface="Lato" panose="020F0502020204030203" pitchFamily="34" charset="0"/>
+                <a:cs typeface="Lato" panose="020F0502020204030203" pitchFamily="34" charset="0"/>
+              </a:rPr>
+              <a:t> week, my main strategy was to go all in relying on last and current years data assuming that it would be the perfect decision since no competition existed and I thought I was meeting the market needs at that time, however, after that 1</a:t>
+            </a:r>
+            <a:r>
+              <a:rPr lang="en-US" baseline="30000" dirty="0">
+                <a:latin typeface="Lato" panose="020F0502020204030203" pitchFamily="34" charset="0"/>
+                <a:ea typeface="Lato" panose="020F0502020204030203" pitchFamily="34" charset="0"/>
+                <a:cs typeface="Lato" panose="020F0502020204030203" pitchFamily="34" charset="0"/>
+              </a:rPr>
+              <a:t>st</a:t>
+            </a:r>
+            <a:r>
+              <a:rPr lang="en-US" dirty="0">
+                <a:latin typeface="Lato" panose="020F0502020204030203" pitchFamily="34" charset="0"/>
+                <a:ea typeface="Lato" panose="020F0502020204030203" pitchFamily="34" charset="0"/>
+                <a:cs typeface="Lato" panose="020F0502020204030203" pitchFamily="34" charset="0"/>
+              </a:rPr>
+              <a:t> week data and observations, I figured that I needed to change my strategy to test the market first (including menu items and locations with the help of pushcart’s flexibility) to figure out the best combination of those factors first before going all in again (i.e. sticking to the food cart). Then once that strategy provided me with the required data and needed outputs to establish the business and make it stable, I went all in again with just a few adjustments to meet customer needs and improve sales (i.e. switching from frozen yogurts to smoothies)</a:t>
+            </a:r>
+          </a:p>
+        </p:txBody>
+      </p:sp>
     </p:spTree>
     <p:custDataLst>
       <p:tags r:id="rId1"/>
     </p:custDataLst>
     <p:extLst>
       <p:ext uri="{BB962C8B-B14F-4D97-AF65-F5344CB8AC3E}">
-        <p14:creationId xmlns:p14="http://schemas.microsoft.com/office/powerpoint/2010/main" val="1722917257"/>
+        <p14:creationId xmlns:p14="http://schemas.microsoft.com/office/powerpoint/2010/main" val="99986257"/>
       </p:ext>
     </p:extLst>
   </p:cSld>
   <p:clrMapOvr>
     <a:masterClrMapping/>
   </p:clrMapOvr>
-  <mc:AlternateContent xmlns:mc="http://schemas.openxmlformats.org/markup-compatibility/2006">
-    <mc:Choice xmlns:p14="http://schemas.microsoft.com/office/powerpoint/2010/main" Requires="p14">
+  <mc:AlternateContent xmlns:mc="http://schemas.openxmlformats.org/markup-compatibility/2006" xmlns:p14="http://schemas.microsoft.com/office/powerpoint/2010/main">
+    <mc:Choice Requires="p14">
       <p:transition p14:dur="10" advTm="21030"/>
     </mc:Choice>
-    <mc:Fallback>
+    <mc:Fallback xmlns="">
       <p:transition advTm="21030"/>
     </mc:Fallback>
   </mc:AlternateContent>
@@ -19581,1518 +14755,192 @@
           <a:chExt cx="0" cy="0"/>
         </a:xfrm>
       </p:grpSpPr>
-      <p:graphicFrame>
-        <p:nvGraphicFramePr>
-          <p:cNvPr id="2" name="Table 1">
+      <p:sp>
+        <p:nvSpPr>
+          <p:cNvPr id="193" name="Google Shape;193;p30"/>
+          <p:cNvSpPr txBox="1">
+            <a:spLocks noGrp="1"/>
+          </p:cNvSpPr>
+          <p:nvPr>
+            <p:ph type="title"/>
+          </p:nvPr>
+        </p:nvSpPr>
+        <p:spPr>
+          <a:xfrm>
+            <a:off x="720000" y="445025"/>
+            <a:ext cx="7914334" cy="572700"/>
+          </a:xfrm>
+          <a:prstGeom prst="rect">
+            <a:avLst/>
+          </a:prstGeom>
+        </p:spPr>
+        <p:txBody>
+          <a:bodyPr spcFirstLastPara="1" wrap="square" lIns="91425" tIns="91425" rIns="91425" bIns="91425" anchor="t" anchorCtr="0">
+            <a:noAutofit/>
+          </a:bodyPr>
+          <a:lstStyle/>
+          <a:p>
+            <a:pPr marL="0" lvl="0" indent="0" algn="l" rtl="0">
+              <a:spcBef>
+                <a:spcPts val="0"/>
+              </a:spcBef>
+              <a:spcAft>
+                <a:spcPts val="0"/>
+              </a:spcAft>
+              <a:buNone/>
+            </a:pPr>
+            <a:r>
+              <a:rPr lang="en-US" dirty="0"/>
+              <a:t>Overall Performance Analysis</a:t>
+            </a:r>
+          </a:p>
+        </p:txBody>
+      </p:sp>
+      <p:sp>
+        <p:nvSpPr>
+          <p:cNvPr id="2" name="TextBox 1">
             <a:extLst>
               <a:ext uri="{FF2B5EF4-FFF2-40B4-BE49-F238E27FC236}">
-                <a16:creationId xmlns:a16="http://schemas.microsoft.com/office/drawing/2014/main" id="{6CFB8B5F-349B-6DB3-0881-B36A56ABAD74}"/>
+                <a16:creationId xmlns:a16="http://schemas.microsoft.com/office/drawing/2014/main" id="{EAD2D6EE-FE41-DF5E-5BBF-178FF96CC76C}"/>
               </a:ext>
             </a:extLst>
           </p:cNvPr>
-          <p:cNvGraphicFramePr>
-            <a:graphicFrameLocks noGrp="1"/>
-          </p:cNvGraphicFramePr>
-          <p:nvPr>
-            <p:extLst>
-              <p:ext uri="{D42A27DB-BD31-4B8C-83A1-F6EECF244321}">
-                <p14:modId xmlns:p14="http://schemas.microsoft.com/office/powerpoint/2010/main" val="4257431165"/>
-              </p:ext>
-            </p:extLst>
-          </p:nvPr>
-        </p:nvGraphicFramePr>
-        <p:xfrm>
-          <a:off x="1008042" y="1030171"/>
-          <a:ext cx="7127916" cy="3661008"/>
-        </p:xfrm>
-        <a:graphic>
-          <a:graphicData uri="http://schemas.openxmlformats.org/drawingml/2006/table">
-            <a:tbl>
-              <a:tblPr/>
-              <a:tblGrid>
-                <a:gridCol w="1781979">
-                  <a:extLst>
-                    <a:ext uri="{9D8B030D-6E8A-4147-A177-3AD203B41FA5}">
-                      <a16:colId xmlns:a16="http://schemas.microsoft.com/office/drawing/2014/main" val="2158281429"/>
-                    </a:ext>
-                  </a:extLst>
-                </a:gridCol>
-                <a:gridCol w="1781979">
-                  <a:extLst>
-                    <a:ext uri="{9D8B030D-6E8A-4147-A177-3AD203B41FA5}">
-                      <a16:colId xmlns:a16="http://schemas.microsoft.com/office/drawing/2014/main" val="1735447772"/>
-                    </a:ext>
-                  </a:extLst>
-                </a:gridCol>
-                <a:gridCol w="1781979">
-                  <a:extLst>
-                    <a:ext uri="{9D8B030D-6E8A-4147-A177-3AD203B41FA5}">
-                      <a16:colId xmlns:a16="http://schemas.microsoft.com/office/drawing/2014/main" val="1292889920"/>
-                    </a:ext>
-                  </a:extLst>
-                </a:gridCol>
-                <a:gridCol w="1781979">
-                  <a:extLst>
-                    <a:ext uri="{9D8B030D-6E8A-4147-A177-3AD203B41FA5}">
-                      <a16:colId xmlns:a16="http://schemas.microsoft.com/office/drawing/2014/main" val="705335193"/>
-                    </a:ext>
-                  </a:extLst>
-                </a:gridCol>
-              </a:tblGrid>
-              <a:tr h="254948">
-                <a:tc>
-                  <a:txBody>
-                    <a:bodyPr/>
-                    <a:lstStyle/>
-                    <a:p>
-                      <a:pPr algn="l"/>
-                      <a:r>
-                        <a:rPr lang="en-US" sz="1200">
-                          <a:effectLst/>
-                        </a:rPr>
-                        <a:t>Name</a:t>
-                      </a:r>
-                    </a:p>
-                  </a:txBody>
-                  <a:tcPr marL="76484" marR="76484" marT="38242" marB="38242" anchor="ctr">
-                    <a:lnL>
-                      <a:noFill/>
-                    </a:lnL>
-                    <a:lnR>
-                      <a:noFill/>
-                    </a:lnR>
-                    <a:lnT>
-                      <a:noFill/>
-                    </a:lnT>
-                    <a:lnB>
-                      <a:noFill/>
-                    </a:lnB>
-                  </a:tcPr>
-                </a:tc>
-                <a:tc>
-                  <a:txBody>
-                    <a:bodyPr/>
-                    <a:lstStyle/>
-                    <a:p>
-                      <a:pPr algn="l"/>
-                      <a:r>
-                        <a:rPr lang="en-US" sz="1200">
-                          <a:effectLst/>
-                        </a:rPr>
-                        <a:t>Users</a:t>
-                      </a:r>
-                    </a:p>
-                  </a:txBody>
-                  <a:tcPr marL="76484" marR="76484" marT="38242" marB="38242" anchor="ctr">
-                    <a:lnL>
-                      <a:noFill/>
-                    </a:lnL>
-                    <a:lnR>
-                      <a:noFill/>
-                    </a:lnR>
-                    <a:lnT>
-                      <a:noFill/>
-                    </a:lnT>
-                    <a:lnB>
-                      <a:noFill/>
-                    </a:lnB>
-                  </a:tcPr>
-                </a:tc>
-                <a:tc>
-                  <a:txBody>
-                    <a:bodyPr/>
-                    <a:lstStyle/>
-                    <a:p>
-                      <a:pPr algn="l"/>
-                      <a:r>
-                        <a:rPr lang="en-US" sz="1200">
-                          <a:effectLst/>
-                        </a:rPr>
-                        <a:t>Week</a:t>
-                      </a:r>
-                    </a:p>
-                  </a:txBody>
-                  <a:tcPr marL="76484" marR="76484" marT="38242" marB="38242" anchor="ctr">
-                    <a:lnL>
-                      <a:noFill/>
-                    </a:lnL>
-                    <a:lnR>
-                      <a:noFill/>
-                    </a:lnR>
-                    <a:lnT>
-                      <a:noFill/>
-                    </a:lnT>
-                    <a:lnB>
-                      <a:noFill/>
-                    </a:lnB>
-                  </a:tcPr>
-                </a:tc>
-                <a:tc>
-                  <a:txBody>
-                    <a:bodyPr/>
-                    <a:lstStyle/>
-                    <a:p>
-                      <a:pPr algn="l"/>
-                      <a:r>
-                        <a:rPr lang="en-US" sz="1200">
-                          <a:effectLst/>
-                        </a:rPr>
-                        <a:t>Current Revenue</a:t>
-                      </a:r>
-                    </a:p>
-                  </a:txBody>
-                  <a:tcPr marL="76484" marR="76484" marT="38242" marB="38242" anchor="ctr">
-                    <a:lnL>
-                      <a:noFill/>
-                    </a:lnL>
-                    <a:lnR>
-                      <a:noFill/>
-                    </a:lnR>
-                    <a:lnT>
-                      <a:noFill/>
-                    </a:lnT>
-                    <a:lnB>
-                      <a:noFill/>
-                    </a:lnB>
-                  </a:tcPr>
-                </a:tc>
-                <a:extLst>
-                  <a:ext uri="{0D108BD9-81ED-4DB2-BD59-A6C34878D82A}">
-                    <a16:rowId xmlns:a16="http://schemas.microsoft.com/office/drawing/2014/main" val="4202143765"/>
-                  </a:ext>
-                </a:extLst>
-              </a:tr>
-              <a:tr h="254948">
-                <a:tc>
-                  <a:txBody>
-                    <a:bodyPr/>
-                    <a:lstStyle/>
-                    <a:p>
-                      <a:r>
-                        <a:rPr lang="en-US" sz="1200">
-                          <a:effectLst/>
-                        </a:rPr>
-                        <a:t>Paradigm Food Services</a:t>
-                      </a:r>
-                    </a:p>
-                  </a:txBody>
-                  <a:tcPr marL="76484" marR="76484" marT="38242" marB="38242" anchor="ctr">
-                    <a:lnL>
-                      <a:noFill/>
-                    </a:lnL>
-                    <a:lnR>
-                      <a:noFill/>
-                    </a:lnR>
-                    <a:lnT>
-                      <a:noFill/>
-                    </a:lnT>
-                    <a:lnB>
-                      <a:noFill/>
-                    </a:lnB>
-                  </a:tcPr>
-                </a:tc>
-                <a:tc>
-                  <a:txBody>
-                    <a:bodyPr/>
-                    <a:lstStyle/>
-                    <a:p>
-                      <a:r>
-                        <a:rPr lang="en-US" sz="1200">
-                          <a:effectLst/>
-                        </a:rPr>
-                        <a:t>Mike Chinea</a:t>
-                      </a:r>
-                    </a:p>
-                  </a:txBody>
-                  <a:tcPr marL="76484" marR="76484" marT="38242" marB="38242" anchor="ctr">
-                    <a:lnL>
-                      <a:noFill/>
-                    </a:lnL>
-                    <a:lnR>
-                      <a:noFill/>
-                    </a:lnR>
-                    <a:lnT>
-                      <a:noFill/>
-                    </a:lnT>
-                    <a:lnB>
-                      <a:noFill/>
-                    </a:lnB>
-                  </a:tcPr>
-                </a:tc>
-                <a:tc>
-                  <a:txBody>
-                    <a:bodyPr/>
-                    <a:lstStyle/>
-                    <a:p>
-                      <a:r>
-                        <a:rPr lang="en-US" sz="1200">
-                          <a:effectLst/>
-                        </a:rPr>
-                        <a:t>Complete</a:t>
-                      </a:r>
-                    </a:p>
-                  </a:txBody>
-                  <a:tcPr marL="76484" marR="76484" marT="38242" marB="38242" anchor="ctr">
-                    <a:lnL>
-                      <a:noFill/>
-                    </a:lnL>
-                    <a:lnR>
-                      <a:noFill/>
-                    </a:lnR>
-                    <a:lnT>
-                      <a:noFill/>
-                    </a:lnT>
-                    <a:lnB>
-                      <a:noFill/>
-                    </a:lnB>
-                  </a:tcPr>
-                </a:tc>
-                <a:tc>
-                  <a:txBody>
-                    <a:bodyPr/>
-                    <a:lstStyle/>
-                    <a:p>
-                      <a:r>
-                        <a:rPr lang="en-US" sz="1200">
-                          <a:effectLst/>
-                        </a:rPr>
-                        <a:t>$28,605</a:t>
-                      </a:r>
-                    </a:p>
-                  </a:txBody>
-                  <a:tcPr marL="76484" marR="76484" marT="38242" marB="38242" anchor="ctr">
-                    <a:lnL>
-                      <a:noFill/>
-                    </a:lnL>
-                    <a:lnR>
-                      <a:noFill/>
-                    </a:lnR>
-                    <a:lnT>
-                      <a:noFill/>
-                    </a:lnT>
-                    <a:lnB>
-                      <a:noFill/>
-                    </a:lnB>
-                  </a:tcPr>
-                </a:tc>
-                <a:extLst>
-                  <a:ext uri="{0D108BD9-81ED-4DB2-BD59-A6C34878D82A}">
-                    <a16:rowId xmlns:a16="http://schemas.microsoft.com/office/drawing/2014/main" val="4030791915"/>
-                  </a:ext>
-                </a:extLst>
-              </a:tr>
-              <a:tr h="254948">
-                <a:tc>
-                  <a:txBody>
-                    <a:bodyPr/>
-                    <a:lstStyle/>
-                    <a:p>
-                      <a:r>
-                        <a:rPr lang="en-US" sz="1200">
-                          <a:effectLst/>
-                        </a:rPr>
-                        <a:t>Anna's Team</a:t>
-                      </a:r>
-                    </a:p>
-                  </a:txBody>
-                  <a:tcPr marL="76484" marR="76484" marT="38242" marB="38242" anchor="ctr">
-                    <a:lnL>
-                      <a:noFill/>
-                    </a:lnL>
-                    <a:lnR>
-                      <a:noFill/>
-                    </a:lnR>
-                    <a:lnT>
-                      <a:noFill/>
-                    </a:lnT>
-                    <a:lnB>
-                      <a:noFill/>
-                    </a:lnB>
-                  </a:tcPr>
-                </a:tc>
-                <a:tc>
-                  <a:txBody>
-                    <a:bodyPr/>
-                    <a:lstStyle/>
-                    <a:p>
-                      <a:r>
-                        <a:rPr lang="en-US" sz="1200">
-                          <a:effectLst/>
-                        </a:rPr>
-                        <a:t>Anna Schmitt</a:t>
-                      </a:r>
-                    </a:p>
-                  </a:txBody>
-                  <a:tcPr marL="76484" marR="76484" marT="38242" marB="38242" anchor="ctr">
-                    <a:lnL>
-                      <a:noFill/>
-                    </a:lnL>
-                    <a:lnR>
-                      <a:noFill/>
-                    </a:lnR>
-                    <a:lnT>
-                      <a:noFill/>
-                    </a:lnT>
-                    <a:lnB>
-                      <a:noFill/>
-                    </a:lnB>
-                  </a:tcPr>
-                </a:tc>
-                <a:tc>
-                  <a:txBody>
-                    <a:bodyPr/>
-                    <a:lstStyle/>
-                    <a:p>
-                      <a:r>
-                        <a:rPr lang="en-US" sz="1200">
-                          <a:effectLst/>
-                        </a:rPr>
-                        <a:t>Complete</a:t>
-                      </a:r>
-                    </a:p>
-                  </a:txBody>
-                  <a:tcPr marL="76484" marR="76484" marT="38242" marB="38242" anchor="ctr">
-                    <a:lnL>
-                      <a:noFill/>
-                    </a:lnL>
-                    <a:lnR>
-                      <a:noFill/>
-                    </a:lnR>
-                    <a:lnT>
-                      <a:noFill/>
-                    </a:lnT>
-                    <a:lnB>
-                      <a:noFill/>
-                    </a:lnB>
-                  </a:tcPr>
-                </a:tc>
-                <a:tc>
-                  <a:txBody>
-                    <a:bodyPr/>
-                    <a:lstStyle/>
-                    <a:p>
-                      <a:r>
-                        <a:rPr lang="en-US" sz="1200">
-                          <a:effectLst/>
-                        </a:rPr>
-                        <a:t>$18,483</a:t>
-                      </a:r>
-                    </a:p>
-                  </a:txBody>
-                  <a:tcPr marL="76484" marR="76484" marT="38242" marB="38242" anchor="ctr">
-                    <a:lnL>
-                      <a:noFill/>
-                    </a:lnL>
-                    <a:lnR>
-                      <a:noFill/>
-                    </a:lnR>
-                    <a:lnT>
-                      <a:noFill/>
-                    </a:lnT>
-                    <a:lnB>
-                      <a:noFill/>
-                    </a:lnB>
-                  </a:tcPr>
-                </a:tc>
-                <a:extLst>
-                  <a:ext uri="{0D108BD9-81ED-4DB2-BD59-A6C34878D82A}">
-                    <a16:rowId xmlns:a16="http://schemas.microsoft.com/office/drawing/2014/main" val="2704354723"/>
-                  </a:ext>
-                </a:extLst>
-              </a:tr>
-              <a:tr h="254948">
-                <a:tc>
-                  <a:txBody>
-                    <a:bodyPr/>
-                    <a:lstStyle/>
-                    <a:p>
-                      <a:r>
-                        <a:rPr lang="en-US" sz="1200">
-                          <a:effectLst/>
-                        </a:rPr>
-                        <a:t>Frozen Gs</a:t>
-                      </a:r>
-                    </a:p>
-                  </a:txBody>
-                  <a:tcPr marL="76484" marR="76484" marT="38242" marB="38242" anchor="ctr">
-                    <a:lnL>
-                      <a:noFill/>
-                    </a:lnL>
-                    <a:lnR>
-                      <a:noFill/>
-                    </a:lnR>
-                    <a:lnT>
-                      <a:noFill/>
-                    </a:lnT>
-                    <a:lnB>
-                      <a:noFill/>
-                    </a:lnB>
-                  </a:tcPr>
-                </a:tc>
-                <a:tc>
-                  <a:txBody>
-                    <a:bodyPr/>
-                    <a:lstStyle/>
-                    <a:p>
-                      <a:r>
-                        <a:rPr lang="en-US" sz="1200">
-                          <a:effectLst/>
-                        </a:rPr>
-                        <a:t>Gasser Ahmed</a:t>
-                      </a:r>
-                    </a:p>
-                  </a:txBody>
-                  <a:tcPr marL="76484" marR="76484" marT="38242" marB="38242" anchor="ctr">
-                    <a:lnL>
-                      <a:noFill/>
-                    </a:lnL>
-                    <a:lnR>
-                      <a:noFill/>
-                    </a:lnR>
-                    <a:lnT>
-                      <a:noFill/>
-                    </a:lnT>
-                    <a:lnB>
-                      <a:noFill/>
-                    </a:lnB>
-                  </a:tcPr>
-                </a:tc>
-                <a:tc>
-                  <a:txBody>
-                    <a:bodyPr/>
-                    <a:lstStyle/>
-                    <a:p>
-                      <a:r>
-                        <a:rPr lang="en-US" sz="1200">
-                          <a:effectLst/>
-                        </a:rPr>
-                        <a:t>Complete</a:t>
-                      </a:r>
-                    </a:p>
-                  </a:txBody>
-                  <a:tcPr marL="76484" marR="76484" marT="38242" marB="38242" anchor="ctr">
-                    <a:lnL>
-                      <a:noFill/>
-                    </a:lnL>
-                    <a:lnR>
-                      <a:noFill/>
-                    </a:lnR>
-                    <a:lnT>
-                      <a:noFill/>
-                    </a:lnT>
-                    <a:lnB>
-                      <a:noFill/>
-                    </a:lnB>
-                  </a:tcPr>
-                </a:tc>
-                <a:tc>
-                  <a:txBody>
-                    <a:bodyPr/>
-                    <a:lstStyle/>
-                    <a:p>
-                      <a:r>
-                        <a:rPr lang="en-US" sz="1200">
-                          <a:effectLst/>
-                        </a:rPr>
-                        <a:t>$15,453</a:t>
-                      </a:r>
-                    </a:p>
-                  </a:txBody>
-                  <a:tcPr marL="76484" marR="76484" marT="38242" marB="38242" anchor="ctr">
-                    <a:lnL>
-                      <a:noFill/>
-                    </a:lnL>
-                    <a:lnR>
-                      <a:noFill/>
-                    </a:lnR>
-                    <a:lnT>
-                      <a:noFill/>
-                    </a:lnT>
-                    <a:lnB>
-                      <a:noFill/>
-                    </a:lnB>
-                  </a:tcPr>
-                </a:tc>
-                <a:extLst>
-                  <a:ext uri="{0D108BD9-81ED-4DB2-BD59-A6C34878D82A}">
-                    <a16:rowId xmlns:a16="http://schemas.microsoft.com/office/drawing/2014/main" val="1007698296"/>
-                  </a:ext>
-                </a:extLst>
-              </a:tr>
-              <a:tr h="254948">
-                <a:tc>
-                  <a:txBody>
-                    <a:bodyPr/>
-                    <a:lstStyle/>
-                    <a:p>
-                      <a:r>
-                        <a:rPr lang="en-US" sz="1200">
-                          <a:effectLst/>
-                        </a:rPr>
-                        <a:t>Jena Grafton's Team</a:t>
-                      </a:r>
-                    </a:p>
-                  </a:txBody>
-                  <a:tcPr marL="76484" marR="76484" marT="38242" marB="38242" anchor="ctr">
-                    <a:lnL>
-                      <a:noFill/>
-                    </a:lnL>
-                    <a:lnR>
-                      <a:noFill/>
-                    </a:lnR>
-                    <a:lnT>
-                      <a:noFill/>
-                    </a:lnT>
-                    <a:lnB>
-                      <a:noFill/>
-                    </a:lnB>
-                  </a:tcPr>
-                </a:tc>
-                <a:tc>
-                  <a:txBody>
-                    <a:bodyPr/>
-                    <a:lstStyle/>
-                    <a:p>
-                      <a:r>
-                        <a:rPr lang="en-US" sz="1200">
-                          <a:effectLst/>
-                        </a:rPr>
-                        <a:t>Jena Grafton</a:t>
-                      </a:r>
-                    </a:p>
-                  </a:txBody>
-                  <a:tcPr marL="76484" marR="76484" marT="38242" marB="38242" anchor="ctr">
-                    <a:lnL>
-                      <a:noFill/>
-                    </a:lnL>
-                    <a:lnR>
-                      <a:noFill/>
-                    </a:lnR>
-                    <a:lnT>
-                      <a:noFill/>
-                    </a:lnT>
-                    <a:lnB>
-                      <a:noFill/>
-                    </a:lnB>
-                  </a:tcPr>
-                </a:tc>
-                <a:tc>
-                  <a:txBody>
-                    <a:bodyPr/>
-                    <a:lstStyle/>
-                    <a:p>
-                      <a:r>
-                        <a:rPr lang="en-US" sz="1200" dirty="0">
-                          <a:effectLst/>
-                        </a:rPr>
-                        <a:t>4</a:t>
-                      </a:r>
-                    </a:p>
-                  </a:txBody>
-                  <a:tcPr marL="76484" marR="76484" marT="38242" marB="38242" anchor="ctr">
-                    <a:lnL>
-                      <a:noFill/>
-                    </a:lnL>
-                    <a:lnR>
-                      <a:noFill/>
-                    </a:lnR>
-                    <a:lnT>
-                      <a:noFill/>
-                    </a:lnT>
-                    <a:lnB>
-                      <a:noFill/>
-                    </a:lnB>
-                  </a:tcPr>
-                </a:tc>
-                <a:tc>
-                  <a:txBody>
-                    <a:bodyPr/>
-                    <a:lstStyle/>
-                    <a:p>
-                      <a:r>
-                        <a:rPr lang="en-US" sz="1200">
-                          <a:effectLst/>
-                        </a:rPr>
-                        <a:t>$10,338</a:t>
-                      </a:r>
-                    </a:p>
-                  </a:txBody>
-                  <a:tcPr marL="76484" marR="76484" marT="38242" marB="38242" anchor="ctr">
-                    <a:lnL>
-                      <a:noFill/>
-                    </a:lnL>
-                    <a:lnR>
-                      <a:noFill/>
-                    </a:lnR>
-                    <a:lnT>
-                      <a:noFill/>
-                    </a:lnT>
-                    <a:lnB>
-                      <a:noFill/>
-                    </a:lnB>
-                  </a:tcPr>
-                </a:tc>
-                <a:extLst>
-                  <a:ext uri="{0D108BD9-81ED-4DB2-BD59-A6C34878D82A}">
-                    <a16:rowId xmlns:a16="http://schemas.microsoft.com/office/drawing/2014/main" val="2431561639"/>
-                  </a:ext>
-                </a:extLst>
-              </a:tr>
-              <a:tr h="254948">
-                <a:tc>
-                  <a:txBody>
-                    <a:bodyPr/>
-                    <a:lstStyle/>
-                    <a:p>
-                      <a:r>
-                        <a:rPr lang="en-US" sz="1200">
-                          <a:effectLst/>
-                        </a:rPr>
-                        <a:t>Lenny's Chill Delights</a:t>
-                      </a:r>
-                    </a:p>
-                  </a:txBody>
-                  <a:tcPr marL="76484" marR="76484" marT="38242" marB="38242" anchor="ctr">
-                    <a:lnL>
-                      <a:noFill/>
-                    </a:lnL>
-                    <a:lnR>
-                      <a:noFill/>
-                    </a:lnR>
-                    <a:lnT>
-                      <a:noFill/>
-                    </a:lnT>
-                    <a:lnB>
-                      <a:noFill/>
-                    </a:lnB>
-                  </a:tcPr>
-                </a:tc>
-                <a:tc>
-                  <a:txBody>
-                    <a:bodyPr/>
-                    <a:lstStyle/>
-                    <a:p>
-                      <a:r>
-                        <a:rPr lang="en-US" sz="1200">
-                          <a:effectLst/>
-                        </a:rPr>
-                        <a:t>Joshua Reese</a:t>
-                      </a:r>
-                    </a:p>
-                  </a:txBody>
-                  <a:tcPr marL="76484" marR="76484" marT="38242" marB="38242" anchor="ctr">
-                    <a:lnL>
-                      <a:noFill/>
-                    </a:lnL>
-                    <a:lnR>
-                      <a:noFill/>
-                    </a:lnR>
-                    <a:lnT>
-                      <a:noFill/>
-                    </a:lnT>
-                    <a:lnB>
-                      <a:noFill/>
-                    </a:lnB>
-                  </a:tcPr>
-                </a:tc>
-                <a:tc>
-                  <a:txBody>
-                    <a:bodyPr/>
-                    <a:lstStyle/>
-                    <a:p>
-                      <a:r>
-                        <a:rPr lang="en-US" sz="1200">
-                          <a:effectLst/>
-                        </a:rPr>
-                        <a:t>4</a:t>
-                      </a:r>
-                    </a:p>
-                  </a:txBody>
-                  <a:tcPr marL="76484" marR="76484" marT="38242" marB="38242" anchor="ctr">
-                    <a:lnL>
-                      <a:noFill/>
-                    </a:lnL>
-                    <a:lnR>
-                      <a:noFill/>
-                    </a:lnR>
-                    <a:lnT>
-                      <a:noFill/>
-                    </a:lnT>
-                    <a:lnB>
-                      <a:noFill/>
-                    </a:lnB>
-                  </a:tcPr>
-                </a:tc>
-                <a:tc>
-                  <a:txBody>
-                    <a:bodyPr/>
-                    <a:lstStyle/>
-                    <a:p>
-                      <a:r>
-                        <a:rPr lang="en-US" sz="1200">
-                          <a:effectLst/>
-                        </a:rPr>
-                        <a:t>$7,716</a:t>
-                      </a:r>
-                    </a:p>
-                  </a:txBody>
-                  <a:tcPr marL="76484" marR="76484" marT="38242" marB="38242" anchor="ctr">
-                    <a:lnL>
-                      <a:noFill/>
-                    </a:lnL>
-                    <a:lnR>
-                      <a:noFill/>
-                    </a:lnR>
-                    <a:lnT>
-                      <a:noFill/>
-                    </a:lnT>
-                    <a:lnB>
-                      <a:noFill/>
-                    </a:lnB>
-                  </a:tcPr>
-                </a:tc>
-                <a:extLst>
-                  <a:ext uri="{0D108BD9-81ED-4DB2-BD59-A6C34878D82A}">
-                    <a16:rowId xmlns:a16="http://schemas.microsoft.com/office/drawing/2014/main" val="2921725785"/>
-                  </a:ext>
-                </a:extLst>
-              </a:tr>
-              <a:tr h="254948">
-                <a:tc>
-                  <a:txBody>
-                    <a:bodyPr/>
-                    <a:lstStyle/>
-                    <a:p>
-                      <a:r>
-                        <a:rPr lang="en-US" sz="1200">
-                          <a:effectLst/>
-                        </a:rPr>
-                        <a:t>Mike Despars's Team</a:t>
-                      </a:r>
-                    </a:p>
-                  </a:txBody>
-                  <a:tcPr marL="76484" marR="76484" marT="38242" marB="38242" anchor="ctr">
-                    <a:lnL>
-                      <a:noFill/>
-                    </a:lnL>
-                    <a:lnR>
-                      <a:noFill/>
-                    </a:lnR>
-                    <a:lnT>
-                      <a:noFill/>
-                    </a:lnT>
-                    <a:lnB>
-                      <a:noFill/>
-                    </a:lnB>
-                  </a:tcPr>
-                </a:tc>
-                <a:tc>
-                  <a:txBody>
-                    <a:bodyPr/>
-                    <a:lstStyle/>
-                    <a:p>
-                      <a:r>
-                        <a:rPr lang="en-US" sz="1200">
-                          <a:effectLst/>
-                        </a:rPr>
-                        <a:t>Mike Despars</a:t>
-                      </a:r>
-                    </a:p>
-                  </a:txBody>
-                  <a:tcPr marL="76484" marR="76484" marT="38242" marB="38242" anchor="ctr">
-                    <a:lnL>
-                      <a:noFill/>
-                    </a:lnL>
-                    <a:lnR>
-                      <a:noFill/>
-                    </a:lnR>
-                    <a:lnT>
-                      <a:noFill/>
-                    </a:lnT>
-                    <a:lnB>
-                      <a:noFill/>
-                    </a:lnB>
-                  </a:tcPr>
-                </a:tc>
-                <a:tc>
-                  <a:txBody>
-                    <a:bodyPr/>
-                    <a:lstStyle/>
-                    <a:p>
-                      <a:r>
-                        <a:rPr lang="en-US" sz="1200">
-                          <a:effectLst/>
-                        </a:rPr>
-                        <a:t>5</a:t>
-                      </a:r>
-                    </a:p>
-                  </a:txBody>
-                  <a:tcPr marL="76484" marR="76484" marT="38242" marB="38242" anchor="ctr">
-                    <a:lnL>
-                      <a:noFill/>
-                    </a:lnL>
-                    <a:lnR>
-                      <a:noFill/>
-                    </a:lnR>
-                    <a:lnT>
-                      <a:noFill/>
-                    </a:lnT>
-                    <a:lnB>
-                      <a:noFill/>
-                    </a:lnB>
-                  </a:tcPr>
-                </a:tc>
-                <a:tc>
-                  <a:txBody>
-                    <a:bodyPr/>
-                    <a:lstStyle/>
-                    <a:p>
-                      <a:r>
-                        <a:rPr lang="en-US" sz="1200">
-                          <a:effectLst/>
-                        </a:rPr>
-                        <a:t>$6,738</a:t>
-                      </a:r>
-                    </a:p>
-                  </a:txBody>
-                  <a:tcPr marL="76484" marR="76484" marT="38242" marB="38242" anchor="ctr">
-                    <a:lnL>
-                      <a:noFill/>
-                    </a:lnL>
-                    <a:lnR>
-                      <a:noFill/>
-                    </a:lnR>
-                    <a:lnT>
-                      <a:noFill/>
-                    </a:lnT>
-                    <a:lnB>
-                      <a:noFill/>
-                    </a:lnB>
-                  </a:tcPr>
-                </a:tc>
-                <a:extLst>
-                  <a:ext uri="{0D108BD9-81ED-4DB2-BD59-A6C34878D82A}">
-                    <a16:rowId xmlns:a16="http://schemas.microsoft.com/office/drawing/2014/main" val="3376528536"/>
-                  </a:ext>
-                </a:extLst>
-              </a:tr>
-              <a:tr h="254948">
-                <a:tc>
-                  <a:txBody>
-                    <a:bodyPr/>
-                    <a:lstStyle/>
-                    <a:p>
-                      <a:r>
-                        <a:rPr lang="en-US" sz="1200">
-                          <a:effectLst/>
-                        </a:rPr>
-                        <a:t>Joe Place</a:t>
-                      </a:r>
-                    </a:p>
-                  </a:txBody>
-                  <a:tcPr marL="76484" marR="76484" marT="38242" marB="38242" anchor="ctr">
-                    <a:lnL>
-                      <a:noFill/>
-                    </a:lnL>
-                    <a:lnR>
-                      <a:noFill/>
-                    </a:lnR>
-                    <a:lnT>
-                      <a:noFill/>
-                    </a:lnT>
-                    <a:lnB>
-                      <a:noFill/>
-                    </a:lnB>
-                  </a:tcPr>
-                </a:tc>
-                <a:tc>
-                  <a:txBody>
-                    <a:bodyPr/>
-                    <a:lstStyle/>
-                    <a:p>
-                      <a:r>
-                        <a:rPr lang="en-US" sz="1200">
-                          <a:effectLst/>
-                        </a:rPr>
-                        <a:t>Joseph Place</a:t>
-                      </a:r>
-                    </a:p>
-                  </a:txBody>
-                  <a:tcPr marL="76484" marR="76484" marT="38242" marB="38242" anchor="ctr">
-                    <a:lnL>
-                      <a:noFill/>
-                    </a:lnL>
-                    <a:lnR>
-                      <a:noFill/>
-                    </a:lnR>
-                    <a:lnT>
-                      <a:noFill/>
-                    </a:lnT>
-                    <a:lnB>
-                      <a:noFill/>
-                    </a:lnB>
-                  </a:tcPr>
-                </a:tc>
-                <a:tc>
-                  <a:txBody>
-                    <a:bodyPr/>
-                    <a:lstStyle/>
-                    <a:p>
-                      <a:r>
-                        <a:rPr lang="en-US" sz="1200">
-                          <a:effectLst/>
-                        </a:rPr>
-                        <a:t>2</a:t>
-                      </a:r>
-                    </a:p>
-                  </a:txBody>
-                  <a:tcPr marL="76484" marR="76484" marT="38242" marB="38242" anchor="ctr">
-                    <a:lnL>
-                      <a:noFill/>
-                    </a:lnL>
-                    <a:lnR>
-                      <a:noFill/>
-                    </a:lnR>
-                    <a:lnT>
-                      <a:noFill/>
-                    </a:lnT>
-                    <a:lnB>
-                      <a:noFill/>
-                    </a:lnB>
-                  </a:tcPr>
-                </a:tc>
-                <a:tc>
-                  <a:txBody>
-                    <a:bodyPr/>
-                    <a:lstStyle/>
-                    <a:p>
-                      <a:r>
-                        <a:rPr lang="en-US" sz="1200">
-                          <a:effectLst/>
-                        </a:rPr>
-                        <a:t>$1,179</a:t>
-                      </a:r>
-                    </a:p>
-                  </a:txBody>
-                  <a:tcPr marL="76484" marR="76484" marT="38242" marB="38242" anchor="ctr">
-                    <a:lnL>
-                      <a:noFill/>
-                    </a:lnL>
-                    <a:lnR>
-                      <a:noFill/>
-                    </a:lnR>
-                    <a:lnT>
-                      <a:noFill/>
-                    </a:lnT>
-                    <a:lnB>
-                      <a:noFill/>
-                    </a:lnB>
-                  </a:tcPr>
-                </a:tc>
-                <a:extLst>
-                  <a:ext uri="{0D108BD9-81ED-4DB2-BD59-A6C34878D82A}">
-                    <a16:rowId xmlns:a16="http://schemas.microsoft.com/office/drawing/2014/main" val="1162540035"/>
-                  </a:ext>
-                </a:extLst>
-              </a:tr>
-              <a:tr h="611875">
-                <a:tc>
-                  <a:txBody>
-                    <a:bodyPr/>
-                    <a:lstStyle/>
-                    <a:p>
-                      <a:r>
-                        <a:rPr lang="en-US" sz="1200">
-                          <a:effectLst/>
-                        </a:rPr>
-                        <a:t>Poojitha Thorekadanahalli Anandhkumar</a:t>
-                      </a:r>
-                    </a:p>
-                  </a:txBody>
-                  <a:tcPr marL="76484" marR="76484" marT="38242" marB="38242" anchor="ctr">
-                    <a:lnL>
-                      <a:noFill/>
-                    </a:lnL>
-                    <a:lnR>
-                      <a:noFill/>
-                    </a:lnR>
-                    <a:lnT>
-                      <a:noFill/>
-                    </a:lnT>
-                    <a:lnB>
-                      <a:noFill/>
-                    </a:lnB>
-                  </a:tcPr>
-                </a:tc>
-                <a:tc>
-                  <a:txBody>
-                    <a:bodyPr/>
-                    <a:lstStyle/>
-                    <a:p>
-                      <a:r>
-                        <a:rPr lang="en-US" sz="1200">
-                          <a:effectLst/>
-                        </a:rPr>
-                        <a:t>Poojitha Thorekadanahalli Anandhkumar</a:t>
-                      </a:r>
-                    </a:p>
-                  </a:txBody>
-                  <a:tcPr marL="76484" marR="76484" marT="38242" marB="38242" anchor="ctr">
-                    <a:lnL>
-                      <a:noFill/>
-                    </a:lnL>
-                    <a:lnR>
-                      <a:noFill/>
-                    </a:lnR>
-                    <a:lnT>
-                      <a:noFill/>
-                    </a:lnT>
-                    <a:lnB>
-                      <a:noFill/>
-                    </a:lnB>
-                  </a:tcPr>
-                </a:tc>
-                <a:tc>
-                  <a:txBody>
-                    <a:bodyPr/>
-                    <a:lstStyle/>
-                    <a:p>
-                      <a:r>
-                        <a:rPr lang="en-US" sz="1200">
-                          <a:effectLst/>
-                        </a:rPr>
-                        <a:t>1</a:t>
-                      </a:r>
-                    </a:p>
-                  </a:txBody>
-                  <a:tcPr marL="76484" marR="76484" marT="38242" marB="38242" anchor="ctr">
-                    <a:lnL>
-                      <a:noFill/>
-                    </a:lnL>
-                    <a:lnR>
-                      <a:noFill/>
-                    </a:lnR>
-                    <a:lnT>
-                      <a:noFill/>
-                    </a:lnT>
-                    <a:lnB>
-                      <a:noFill/>
-                    </a:lnB>
-                  </a:tcPr>
-                </a:tc>
-                <a:tc>
-                  <a:txBody>
-                    <a:bodyPr/>
-                    <a:lstStyle/>
-                    <a:p>
-                      <a:r>
-                        <a:rPr lang="en-US" sz="1200">
-                          <a:effectLst/>
-                        </a:rPr>
-                        <a:t>$282</a:t>
-                      </a:r>
-                    </a:p>
-                  </a:txBody>
-                  <a:tcPr marL="76484" marR="76484" marT="38242" marB="38242" anchor="ctr">
-                    <a:lnL>
-                      <a:noFill/>
-                    </a:lnL>
-                    <a:lnR>
-                      <a:noFill/>
-                    </a:lnR>
-                    <a:lnT>
-                      <a:noFill/>
-                    </a:lnT>
-                    <a:lnB>
-                      <a:noFill/>
-                    </a:lnB>
-                  </a:tcPr>
-                </a:tc>
-                <a:extLst>
-                  <a:ext uri="{0D108BD9-81ED-4DB2-BD59-A6C34878D82A}">
-                    <a16:rowId xmlns:a16="http://schemas.microsoft.com/office/drawing/2014/main" val="2834911206"/>
-                  </a:ext>
-                </a:extLst>
-              </a:tr>
-              <a:tr h="254948">
-                <a:tc>
-                  <a:txBody>
-                    <a:bodyPr/>
-                    <a:lstStyle/>
-                    <a:p>
-                      <a:r>
-                        <a:rPr lang="en-US" sz="1200">
-                          <a:effectLst/>
-                        </a:rPr>
-                        <a:t>Elsie Darko's Team</a:t>
-                      </a:r>
-                    </a:p>
-                  </a:txBody>
-                  <a:tcPr marL="76484" marR="76484" marT="38242" marB="38242" anchor="ctr">
-                    <a:lnL>
-                      <a:noFill/>
-                    </a:lnL>
-                    <a:lnR>
-                      <a:noFill/>
-                    </a:lnR>
-                    <a:lnT>
-                      <a:noFill/>
-                    </a:lnT>
-                    <a:lnB>
-                      <a:noFill/>
-                    </a:lnB>
-                  </a:tcPr>
-                </a:tc>
-                <a:tc>
-                  <a:txBody>
-                    <a:bodyPr/>
-                    <a:lstStyle/>
-                    <a:p>
-                      <a:r>
-                        <a:rPr lang="en-US" sz="1200">
-                          <a:effectLst/>
-                        </a:rPr>
-                        <a:t>Elsie Darko</a:t>
-                      </a:r>
-                    </a:p>
-                  </a:txBody>
-                  <a:tcPr marL="76484" marR="76484" marT="38242" marB="38242" anchor="ctr">
-                    <a:lnL>
-                      <a:noFill/>
-                    </a:lnL>
-                    <a:lnR>
-                      <a:noFill/>
-                    </a:lnR>
-                    <a:lnT>
-                      <a:noFill/>
-                    </a:lnT>
-                    <a:lnB>
-                      <a:noFill/>
-                    </a:lnB>
-                  </a:tcPr>
-                </a:tc>
-                <a:tc>
-                  <a:txBody>
-                    <a:bodyPr/>
-                    <a:lstStyle/>
-                    <a:p>
-                      <a:r>
-                        <a:rPr lang="en-US" sz="1200">
-                          <a:effectLst/>
-                        </a:rPr>
-                        <a:t>1</a:t>
-                      </a:r>
-                    </a:p>
-                  </a:txBody>
-                  <a:tcPr marL="76484" marR="76484" marT="38242" marB="38242" anchor="ctr">
-                    <a:lnL>
-                      <a:noFill/>
-                    </a:lnL>
-                    <a:lnR>
-                      <a:noFill/>
-                    </a:lnR>
-                    <a:lnT>
-                      <a:noFill/>
-                    </a:lnT>
-                    <a:lnB>
-                      <a:noFill/>
-                    </a:lnB>
-                  </a:tcPr>
-                </a:tc>
-                <a:tc>
-                  <a:txBody>
-                    <a:bodyPr/>
-                    <a:lstStyle/>
-                    <a:p>
-                      <a:r>
-                        <a:rPr lang="en-US" sz="1200">
-                          <a:effectLst/>
-                        </a:rPr>
-                        <a:t>$273</a:t>
-                      </a:r>
-                    </a:p>
-                  </a:txBody>
-                  <a:tcPr marL="76484" marR="76484" marT="38242" marB="38242" anchor="ctr">
-                    <a:lnL>
-                      <a:noFill/>
-                    </a:lnL>
-                    <a:lnR>
-                      <a:noFill/>
-                    </a:lnR>
-                    <a:lnT>
-                      <a:noFill/>
-                    </a:lnT>
-                    <a:lnB>
-                      <a:noFill/>
-                    </a:lnB>
-                  </a:tcPr>
-                </a:tc>
-                <a:extLst>
-                  <a:ext uri="{0D108BD9-81ED-4DB2-BD59-A6C34878D82A}">
-                    <a16:rowId xmlns:a16="http://schemas.microsoft.com/office/drawing/2014/main" val="2407475871"/>
-                  </a:ext>
-                </a:extLst>
-              </a:tr>
-              <a:tr h="254948">
-                <a:tc>
-                  <a:txBody>
-                    <a:bodyPr/>
-                    <a:lstStyle/>
-                    <a:p>
-                      <a:r>
-                        <a:rPr lang="en-US" sz="1200">
-                          <a:effectLst/>
-                        </a:rPr>
-                        <a:t>Mehar Chawla's Team</a:t>
-                      </a:r>
-                    </a:p>
-                  </a:txBody>
-                  <a:tcPr marL="76484" marR="76484" marT="38242" marB="38242" anchor="ctr">
-                    <a:lnL>
-                      <a:noFill/>
-                    </a:lnL>
-                    <a:lnR>
-                      <a:noFill/>
-                    </a:lnR>
-                    <a:lnT>
-                      <a:noFill/>
-                    </a:lnT>
-                    <a:lnB>
-                      <a:noFill/>
-                    </a:lnB>
-                  </a:tcPr>
-                </a:tc>
-                <a:tc>
-                  <a:txBody>
-                    <a:bodyPr/>
-                    <a:lstStyle/>
-                    <a:p>
-                      <a:r>
-                        <a:rPr lang="en-US" sz="1200">
-                          <a:effectLst/>
-                        </a:rPr>
-                        <a:t>Mehar Chawla</a:t>
-                      </a:r>
-                    </a:p>
-                  </a:txBody>
-                  <a:tcPr marL="76484" marR="76484" marT="38242" marB="38242" anchor="ctr">
-                    <a:lnL>
-                      <a:noFill/>
-                    </a:lnL>
-                    <a:lnR>
-                      <a:noFill/>
-                    </a:lnR>
-                    <a:lnT>
-                      <a:noFill/>
-                    </a:lnT>
-                    <a:lnB>
-                      <a:noFill/>
-                    </a:lnB>
-                  </a:tcPr>
-                </a:tc>
-                <a:tc>
-                  <a:txBody>
-                    <a:bodyPr/>
-                    <a:lstStyle/>
-                    <a:p>
-                      <a:r>
-                        <a:rPr lang="en-US" sz="1200">
-                          <a:effectLst/>
-                        </a:rPr>
-                        <a:t>1</a:t>
-                      </a:r>
-                    </a:p>
-                  </a:txBody>
-                  <a:tcPr marL="76484" marR="76484" marT="38242" marB="38242" anchor="ctr">
-                    <a:lnL>
-                      <a:noFill/>
-                    </a:lnL>
-                    <a:lnR>
-                      <a:noFill/>
-                    </a:lnR>
-                    <a:lnT>
-                      <a:noFill/>
-                    </a:lnT>
-                    <a:lnB>
-                      <a:noFill/>
-                    </a:lnB>
-                  </a:tcPr>
-                </a:tc>
-                <a:tc>
-                  <a:txBody>
-                    <a:bodyPr/>
-                    <a:lstStyle/>
-                    <a:p>
-                      <a:r>
-                        <a:rPr lang="en-US" sz="1200">
-                          <a:effectLst/>
-                        </a:rPr>
-                        <a:t>$264</a:t>
-                      </a:r>
-                    </a:p>
-                  </a:txBody>
-                  <a:tcPr marL="76484" marR="76484" marT="38242" marB="38242" anchor="ctr">
-                    <a:lnL>
-                      <a:noFill/>
-                    </a:lnL>
-                    <a:lnR>
-                      <a:noFill/>
-                    </a:lnR>
-                    <a:lnT>
-                      <a:noFill/>
-                    </a:lnT>
-                    <a:lnB>
-                      <a:noFill/>
-                    </a:lnB>
-                  </a:tcPr>
-                </a:tc>
-                <a:extLst>
-                  <a:ext uri="{0D108BD9-81ED-4DB2-BD59-A6C34878D82A}">
-                    <a16:rowId xmlns:a16="http://schemas.microsoft.com/office/drawing/2014/main" val="3828674475"/>
-                  </a:ext>
-                </a:extLst>
-              </a:tr>
-              <a:tr h="254948">
-                <a:tc>
-                  <a:txBody>
-                    <a:bodyPr/>
-                    <a:lstStyle/>
-                    <a:p>
-                      <a:r>
-                        <a:rPr lang="en-US" sz="1200">
-                          <a:effectLst/>
-                        </a:rPr>
-                        <a:t>Elliott Coyne's Team</a:t>
-                      </a:r>
-                    </a:p>
-                  </a:txBody>
-                  <a:tcPr marL="76484" marR="76484" marT="38242" marB="38242" anchor="ctr">
-                    <a:lnL>
-                      <a:noFill/>
-                    </a:lnL>
-                    <a:lnR>
-                      <a:noFill/>
-                    </a:lnR>
-                    <a:lnT>
-                      <a:noFill/>
-                    </a:lnT>
-                    <a:lnB>
-                      <a:noFill/>
-                    </a:lnB>
-                  </a:tcPr>
-                </a:tc>
-                <a:tc>
-                  <a:txBody>
-                    <a:bodyPr/>
-                    <a:lstStyle/>
-                    <a:p>
-                      <a:r>
-                        <a:rPr lang="en-US" sz="1200">
-                          <a:effectLst/>
-                        </a:rPr>
-                        <a:t>Elliott Coyne</a:t>
-                      </a:r>
-                    </a:p>
-                  </a:txBody>
-                  <a:tcPr marL="76484" marR="76484" marT="38242" marB="38242" anchor="ctr">
-                    <a:lnL>
-                      <a:noFill/>
-                    </a:lnL>
-                    <a:lnR>
-                      <a:noFill/>
-                    </a:lnR>
-                    <a:lnT>
-                      <a:noFill/>
-                    </a:lnT>
-                    <a:lnB>
-                      <a:noFill/>
-                    </a:lnB>
-                  </a:tcPr>
-                </a:tc>
-                <a:tc>
-                  <a:txBody>
-                    <a:bodyPr/>
-                    <a:lstStyle/>
-                    <a:p>
-                      <a:r>
-                        <a:rPr lang="en-US" sz="1200">
-                          <a:effectLst/>
-                        </a:rPr>
-                        <a:t>2</a:t>
-                      </a:r>
-                    </a:p>
-                  </a:txBody>
-                  <a:tcPr marL="76484" marR="76484" marT="38242" marB="38242" anchor="ctr">
-                    <a:lnL>
-                      <a:noFill/>
-                    </a:lnL>
-                    <a:lnR>
-                      <a:noFill/>
-                    </a:lnR>
-                    <a:lnT>
-                      <a:noFill/>
-                    </a:lnT>
-                    <a:lnB>
-                      <a:noFill/>
-                    </a:lnB>
-                  </a:tcPr>
-                </a:tc>
-                <a:tc>
-                  <a:txBody>
-                    <a:bodyPr/>
-                    <a:lstStyle/>
-                    <a:p>
-                      <a:r>
-                        <a:rPr lang="en-US" sz="1200" dirty="0">
-                          <a:effectLst/>
-                        </a:rPr>
-                        <a:t>$0</a:t>
-                      </a:r>
-                    </a:p>
-                  </a:txBody>
-                  <a:tcPr marL="76484" marR="76484" marT="38242" marB="38242" anchor="ctr">
-                    <a:lnL>
-                      <a:noFill/>
-                    </a:lnL>
-                    <a:lnR>
-                      <a:noFill/>
-                    </a:lnR>
-                    <a:lnT>
-                      <a:noFill/>
-                    </a:lnT>
-                    <a:lnB>
-                      <a:noFill/>
-                    </a:lnB>
-                  </a:tcPr>
-                </a:tc>
-                <a:extLst>
-                  <a:ext uri="{0D108BD9-81ED-4DB2-BD59-A6C34878D82A}">
-                    <a16:rowId xmlns:a16="http://schemas.microsoft.com/office/drawing/2014/main" val="4287324925"/>
-                  </a:ext>
-                </a:extLst>
-              </a:tr>
-            </a:tbl>
-          </a:graphicData>
-        </a:graphic>
-      </p:graphicFrame>
+          <p:cNvSpPr txBox="1"/>
+          <p:nvPr/>
+        </p:nvSpPr>
+        <p:spPr>
+          <a:xfrm>
+            <a:off x="829056" y="1377696"/>
+            <a:ext cx="7805278" cy="2862322"/>
+          </a:xfrm>
+          <a:prstGeom prst="rect">
+            <a:avLst/>
+          </a:prstGeom>
+          <a:noFill/>
+        </p:spPr>
+        <p:txBody>
+          <a:bodyPr wrap="square" rtlCol="0" anchor="t">
+            <a:spAutoFit/>
+          </a:bodyPr>
+          <a:lstStyle/>
+          <a:p>
+            <a:pPr marL="285750" indent="-285750">
+              <a:buFont typeface="Arial" panose="020B0604020202020204" pitchFamily="34" charset="0"/>
+              <a:buChar char="•"/>
+            </a:pPr>
+            <a:r>
+              <a:rPr lang="en-US" sz="1200" dirty="0">
+                <a:latin typeface="Lato" panose="020F0502020204030203" pitchFamily="34" charset="0"/>
+                <a:ea typeface="Lato" panose="020F0502020204030203" pitchFamily="34" charset="0"/>
+                <a:cs typeface="Lato" panose="020F0502020204030203" pitchFamily="34" charset="0"/>
+              </a:rPr>
+              <a:t>During the simulation, I believe my overall performance has been quite satisfactory considering that it was my first attempt for the game. Throughout the simulation, I have endeavored to observe and understand the outcomes and data very carefully to help me with making the next decision for the next day or week.</a:t>
+            </a:r>
+          </a:p>
+          <a:p>
+            <a:pPr marL="285750" indent="-285750">
+              <a:buFont typeface="Arial" panose="020B0604020202020204" pitchFamily="34" charset="0"/>
+              <a:buChar char="•"/>
+            </a:pPr>
+            <a:r>
+              <a:rPr lang="en-US" sz="1200" dirty="0">
+                <a:latin typeface="Lato" panose="020F0502020204030203" pitchFamily="34" charset="0"/>
+                <a:ea typeface="Lato" panose="020F0502020204030203" pitchFamily="34" charset="0"/>
+                <a:cs typeface="Lato" panose="020F0502020204030203" pitchFamily="34" charset="0"/>
+              </a:rPr>
+              <a:t>As a result of that simulation, I learned the following key lessons:</a:t>
+            </a:r>
+          </a:p>
+          <a:p>
+            <a:pPr marL="979488" indent="-350838">
+              <a:buFont typeface="+mj-lt"/>
+              <a:buAutoNum type="arabicPeriod"/>
+            </a:pPr>
+            <a:r>
+              <a:rPr lang="en-US" sz="1200" dirty="0">
+                <a:latin typeface="Lato" panose="020F0502020204030203" pitchFamily="34" charset="0"/>
+                <a:ea typeface="Lato" panose="020F0502020204030203" pitchFamily="34" charset="0"/>
+                <a:cs typeface="Lato" panose="020F0502020204030203" pitchFamily="34" charset="0"/>
+              </a:rPr>
+              <a:t>Decision-making under uncertainty: Venture simulations often involve complex and uncertain business environments. So, I learned the importance of making informed decisions based on available information while considering potential risks and uncertainties</a:t>
+            </a:r>
+          </a:p>
+          <a:p>
+            <a:pPr marL="979488" indent="-350838">
+              <a:buFont typeface="+mj-lt"/>
+              <a:buAutoNum type="arabicPeriod"/>
+            </a:pPr>
+            <a:r>
+              <a:rPr lang="en-US" sz="1200" dirty="0">
+                <a:latin typeface="Lato" panose="020F0502020204030203" pitchFamily="34" charset="0"/>
+                <a:ea typeface="Lato" panose="020F0502020204030203" pitchFamily="34" charset="0"/>
+                <a:cs typeface="Lato" panose="020F0502020204030203" pitchFamily="34" charset="0"/>
+              </a:rPr>
+              <a:t>Market analysis and customer focus: The significance of market research, customer segmentation, and delivering value to target customers</a:t>
+            </a:r>
+          </a:p>
+          <a:p>
+            <a:pPr marL="979488" indent="-350838">
+              <a:buFont typeface="+mj-lt"/>
+              <a:buAutoNum type="arabicPeriod"/>
+            </a:pPr>
+            <a:r>
+              <a:rPr lang="en-US" sz="1200" dirty="0">
+                <a:latin typeface="Lato" panose="020F0502020204030203" pitchFamily="34" charset="0"/>
+                <a:ea typeface="Lato" panose="020F0502020204030203" pitchFamily="34" charset="0"/>
+                <a:cs typeface="Lato" panose="020F0502020204030203" pitchFamily="34" charset="0"/>
+              </a:rPr>
+              <a:t>Adaptability and agility: Business environments may change rapidly. So, learned to adapt quickly, embrace change, and adjust my strategies and plans accordingly to stay competitive</a:t>
+            </a:r>
+          </a:p>
+          <a:p>
+            <a:pPr marL="979488" indent="-350838">
+              <a:buFont typeface="+mj-lt"/>
+              <a:buAutoNum type="arabicPeriod"/>
+            </a:pPr>
+            <a:r>
+              <a:rPr lang="en-US" sz="1200" dirty="0">
+                <a:latin typeface="Lato" panose="020F0502020204030203" pitchFamily="34" charset="0"/>
+                <a:ea typeface="Lato" panose="020F0502020204030203" pitchFamily="34" charset="0"/>
+                <a:cs typeface="Lato" panose="020F0502020204030203" pitchFamily="34" charset="0"/>
+              </a:rPr>
+              <a:t>Reflection and continuous improvement: The significance of continuous improvement, critical thinking, and learning from both successes and failures</a:t>
+            </a:r>
+          </a:p>
+          <a:p>
+            <a:pPr marL="285750" indent="-285750">
+              <a:buFont typeface="Arial" panose="020B0604020202020204" pitchFamily="34" charset="0"/>
+              <a:buChar char="•"/>
+            </a:pPr>
+            <a:r>
+              <a:rPr lang="en-US" sz="1200" dirty="0">
+                <a:latin typeface="Lato" panose="020F0502020204030203" pitchFamily="34" charset="0"/>
+                <a:ea typeface="Lato" panose="020F0502020204030203" pitchFamily="34" charset="0"/>
+                <a:cs typeface="Lato" panose="020F0502020204030203" pitchFamily="34" charset="0"/>
+              </a:rPr>
+              <a:t>These lessons helped me to develop essential skills and knowledge, preparing me for real-world business challenges and enhancing my ability to navigate ambiguous and dynamic environments.</a:t>
+            </a:r>
+          </a:p>
+        </p:txBody>
+      </p:sp>
     </p:spTree>
     <p:custDataLst>
       <p:tags r:id="rId1"/>
     </p:custDataLst>
     <p:extLst>
       <p:ext uri="{BB962C8B-B14F-4D97-AF65-F5344CB8AC3E}">
-        <p14:creationId xmlns:p14="http://schemas.microsoft.com/office/powerpoint/2010/main" val="4294074810"/>
+        <p14:creationId xmlns:p14="http://schemas.microsoft.com/office/powerpoint/2010/main" val="2042994753"/>
       </p:ext>
     </p:extLst>
   </p:cSld>
   <p:clrMapOvr>
     <a:masterClrMapping/>
   </p:clrMapOvr>
-  <mc:AlternateContent xmlns:mc="http://schemas.openxmlformats.org/markup-compatibility/2006">
-    <mc:Choice xmlns:p14="http://schemas.microsoft.com/office/powerpoint/2010/main" Requires="p14">
+  <mc:AlternateContent xmlns:mc="http://schemas.openxmlformats.org/markup-compatibility/2006" xmlns:p14="http://schemas.microsoft.com/office/powerpoint/2010/main">
+    <mc:Choice Requires="p14">
       <p:transition p14:dur="10" advTm="21030"/>
     </mc:Choice>
-    <mc:Fallback>
+    <mc:Fallback xmlns="">
       <p:transition advTm="21030"/>
     </mc:Fallback>
   </mc:AlternateContent>
